--- a/topic-model-slides.pptx
+++ b/topic-model-slides.pptx
@@ -1683,7 +1683,7 @@
         <p:spPr>
           <a:xfrm>
             <a:off x="838080" y="365040"/>
-            <a:ext cx="10513440" cy="1323360"/>
+            <a:ext cx="10513080" cy="1323000"/>
           </a:xfrm>
           <a:prstGeom prst="rect">
             <a:avLst/>
@@ -1734,7 +1734,7 @@
         <p:spPr>
           <a:xfrm>
             <a:off x="838080" y="1825560"/>
-            <a:ext cx="10513440" cy="4349160"/>
+            <a:ext cx="10513080" cy="4348800"/>
           </a:xfrm>
           <a:prstGeom prst="rect">
             <a:avLst/>
@@ -1755,7 +1755,7 @@
             <a:noAutofit/>
           </a:bodyPr>
           <a:p>
-            <a:pPr marL="228600" indent="-226440">
+            <a:pPr marL="228600" indent="-226080">
               <a:lnSpc>
                 <a:spcPct val="90000"/>
               </a:lnSpc>
@@ -1783,7 +1783,7 @@
             </a:endParaRPr>
           </a:p>
           <a:p>
-            <a:pPr marL="228600" indent="-226440">
+            <a:pPr marL="228600" indent="-226080">
               <a:lnSpc>
                 <a:spcPct val="90000"/>
               </a:lnSpc>
@@ -1811,28 +1811,28 @@
             </a:endParaRPr>
           </a:p>
           <a:p>
-            <a:pPr marL="228600" indent="-226440">
-              <a:lnSpc>
-                <a:spcPct val="90000"/>
-              </a:lnSpc>
-              <a:spcBef>
-                <a:spcPts val="1001"/>
-              </a:spcBef>
-              <a:buClr>
-                <a:srgbClr val="000000"/>
-              </a:buClr>
-              <a:buFont typeface="Arial"/>
-              <a:buChar char="•"/>
-            </a:pPr>
-            <a:r>
-              <a:rPr b="0" lang="en-US" sz="2800" spc="-1" strike="noStrike">
-                <a:solidFill>
-                  <a:srgbClr val="000000"/>
-                </a:solidFill>
-                <a:latin typeface="Calibri"/>
-                <a:ea typeface="DejaVu Sans"/>
-              </a:rPr>
-              <a:t>https://vpn-nu.vpn.northwestern.edu/research/consultation/data-services.html</a:t>
+            <a:pPr marL="228600" indent="-226080">
+              <a:lnSpc>
+                <a:spcPct val="90000"/>
+              </a:lnSpc>
+              <a:spcBef>
+                <a:spcPts val="1001"/>
+              </a:spcBef>
+              <a:buClr>
+                <a:srgbClr val="000000"/>
+              </a:buClr>
+              <a:buFont typeface="Arial"/>
+              <a:buChar char="•"/>
+            </a:pPr>
+            <a:r>
+              <a:rPr b="0" lang="en-US" sz="2800" spc="-1" strike="noStrike">
+                <a:solidFill>
+                  <a:srgbClr val="000000"/>
+                </a:solidFill>
+                <a:latin typeface="Calibri"/>
+                <a:ea typeface="DejaVu Sans"/>
+              </a:rPr>
+              <a:t>https://www.it.northwestern.edu/research/index.html</a:t>
             </a:r>
             <a:endParaRPr b="0" lang="en-US" sz="2800" spc="-1" strike="noStrike">
               <a:latin typeface="Arial"/>
@@ -1906,7 +1906,7 @@
         <p:spPr>
           <a:xfrm>
             <a:off x="838080" y="365040"/>
-            <a:ext cx="10513440" cy="1323360"/>
+            <a:ext cx="10513080" cy="1323000"/>
           </a:xfrm>
           <a:prstGeom prst="rect">
             <a:avLst/>
@@ -1957,7 +1957,7 @@
         <p:spPr>
           <a:xfrm>
             <a:off x="838080" y="1825560"/>
-            <a:ext cx="10513440" cy="4349160"/>
+            <a:ext cx="10513080" cy="4348800"/>
           </a:xfrm>
           <a:prstGeom prst="rect">
             <a:avLst/>
@@ -1978,7 +1978,7 @@
             <a:noAutofit/>
           </a:bodyPr>
           <a:p>
-            <a:pPr marL="228600" indent="-226440">
+            <a:pPr marL="228600" indent="-226080">
               <a:lnSpc>
                 <a:spcPct val="90000"/>
               </a:lnSpc>
@@ -2006,7 +2006,7 @@
             </a:endParaRPr>
           </a:p>
           <a:p>
-            <a:pPr marL="228600" indent="-226440">
+            <a:pPr marL="228600" indent="-226080">
               <a:lnSpc>
                 <a:spcPct val="90000"/>
               </a:lnSpc>
@@ -2034,7 +2034,7 @@
             </a:endParaRPr>
           </a:p>
           <a:p>
-            <a:pPr marL="228600" indent="-226440">
+            <a:pPr marL="228600" indent="-226080">
               <a:lnSpc>
                 <a:spcPct val="90000"/>
               </a:lnSpc>
@@ -2062,7 +2062,7 @@
             </a:endParaRPr>
           </a:p>
           <a:p>
-            <a:pPr marL="228600" indent="-226440">
+            <a:pPr marL="228600" indent="-226080">
               <a:lnSpc>
                 <a:spcPct val="90000"/>
               </a:lnSpc>
@@ -2090,7 +2090,7 @@
             </a:endParaRPr>
           </a:p>
           <a:p>
-            <a:pPr marL="228600" indent="-226440">
+            <a:pPr marL="228600" indent="-226080">
               <a:lnSpc>
                 <a:spcPct val="90000"/>
               </a:lnSpc>
@@ -2118,7 +2118,7 @@
             </a:endParaRPr>
           </a:p>
           <a:p>
-            <a:pPr marL="228600" indent="-226440">
+            <a:pPr marL="228600" indent="-226080">
               <a:lnSpc>
                 <a:spcPct val="90000"/>
               </a:lnSpc>
@@ -2213,7 +2213,7 @@
         <p:spPr>
           <a:xfrm>
             <a:off x="838080" y="365040"/>
-            <a:ext cx="10513440" cy="1323360"/>
+            <a:ext cx="10513080" cy="1323000"/>
           </a:xfrm>
           <a:prstGeom prst="rect">
             <a:avLst/>
@@ -2247,7 +2247,7 @@
                 <a:latin typeface="Calibri"/>
                 <a:ea typeface="DejaVu Sans"/>
               </a:rPr>
-              <a:t>Bag of Words Representation</a:t>
+              <a:t>Additional Useful Preprocessing</a:t>
             </a:r>
             <a:endParaRPr b="0" lang="en-US" sz="4400" spc="-1" strike="noStrike">
               <a:latin typeface="Arial"/>
@@ -2264,7 +2264,7 @@
         <p:spPr>
           <a:xfrm>
             <a:off x="838080" y="1825560"/>
-            <a:ext cx="10513440" cy="4349160"/>
+            <a:ext cx="10513080" cy="4348800"/>
           </a:xfrm>
           <a:prstGeom prst="rect">
             <a:avLst/>
@@ -2285,140 +2285,284 @@
             <a:noAutofit/>
           </a:bodyPr>
           <a:p>
-            <a:pPr marL="228600" indent="-226440">
-              <a:lnSpc>
-                <a:spcPct val="90000"/>
-              </a:lnSpc>
-              <a:spcBef>
-                <a:spcPts val="1001"/>
-              </a:spcBef>
-              <a:buClr>
-                <a:srgbClr val="000000"/>
-              </a:buClr>
-              <a:buFont typeface="Arial"/>
-              <a:buChar char="•"/>
-            </a:pPr>
-            <a:r>
-              <a:rPr b="0" lang="en-US" sz="2800" spc="-1" strike="noStrike">
-                <a:solidFill>
-                  <a:srgbClr val="000000"/>
-                </a:solidFill>
-                <a:latin typeface="Calibri"/>
-                <a:ea typeface="DejaVu Sans"/>
-              </a:rPr>
-              <a:t>Create a vocabulary from all the unique tokens.</a:t>
-            </a:r>
-            <a:endParaRPr b="0" lang="en-US" sz="2800" spc="-1" strike="noStrike">
-              <a:latin typeface="Arial"/>
-            </a:endParaRPr>
-          </a:p>
-          <a:p>
-            <a:pPr marL="228600" indent="-226440">
-              <a:lnSpc>
-                <a:spcPct val="90000"/>
-              </a:lnSpc>
-              <a:spcBef>
-                <a:spcPts val="1001"/>
-              </a:spcBef>
-              <a:buClr>
-                <a:srgbClr val="000000"/>
-              </a:buClr>
-              <a:buFont typeface="Arial"/>
-              <a:buChar char="•"/>
-            </a:pPr>
-            <a:r>
-              <a:rPr b="0" lang="en-US" sz="2800" spc="-1" strike="noStrike">
-                <a:solidFill>
-                  <a:srgbClr val="000000"/>
-                </a:solidFill>
-                <a:latin typeface="Calibri"/>
-                <a:ea typeface="DejaVu Sans"/>
-              </a:rPr>
-              <a:t>Convert each document to a term vector.</a:t>
-            </a:r>
-            <a:endParaRPr b="0" lang="en-US" sz="2800" spc="-1" strike="noStrike">
-              <a:latin typeface="Arial"/>
-            </a:endParaRPr>
-          </a:p>
-          <a:p>
-            <a:pPr marL="228600" indent="-226440">
-              <a:lnSpc>
-                <a:spcPct val="90000"/>
-              </a:lnSpc>
-              <a:spcBef>
-                <a:spcPts val="1001"/>
-              </a:spcBef>
-              <a:buClr>
-                <a:srgbClr val="000000"/>
-              </a:buClr>
-              <a:buFont typeface="Arial"/>
-              <a:buChar char="•"/>
-            </a:pPr>
-            <a:r>
-              <a:rPr b="0" lang="en-US" sz="2800" spc="-1" strike="noStrike">
-                <a:solidFill>
-                  <a:srgbClr val="000000"/>
-                </a:solidFill>
-                <a:latin typeface="Calibri"/>
-                <a:ea typeface="DejaVu Sans"/>
-              </a:rPr>
-              <a:t>A term vector maps each term to the number of times that term appears in the document.</a:t>
-            </a:r>
-            <a:endParaRPr b="0" lang="en-US" sz="2800" spc="-1" strike="noStrike">
-              <a:latin typeface="Arial"/>
-            </a:endParaRPr>
-          </a:p>
-          <a:p>
-            <a:pPr marL="228600" indent="-226440">
-              <a:lnSpc>
-                <a:spcPct val="90000"/>
-              </a:lnSpc>
-              <a:spcBef>
-                <a:spcPts val="1001"/>
-              </a:spcBef>
-              <a:buClr>
-                <a:srgbClr val="000000"/>
-              </a:buClr>
-              <a:buFont typeface="Arial"/>
-              <a:buChar char="•"/>
-            </a:pPr>
-            <a:r>
-              <a:rPr b="0" lang="en-US" sz="2800" spc="-1" strike="noStrike">
-                <a:solidFill>
-                  <a:srgbClr val="000000"/>
-                </a:solidFill>
-                <a:latin typeface="Calibri"/>
-                <a:ea typeface="DejaVu Sans"/>
-              </a:rPr>
-              <a:t>The document set or corpus is then represented as a stacked set of term vectors.</a:t>
-            </a:r>
-            <a:endParaRPr b="0" lang="en-US" sz="2800" spc="-1" strike="noStrike">
-              <a:latin typeface="Arial"/>
-            </a:endParaRPr>
-          </a:p>
-          <a:p>
-            <a:pPr marL="228600" indent="-226440">
-              <a:lnSpc>
-                <a:spcPct val="90000"/>
-              </a:lnSpc>
-              <a:spcBef>
-                <a:spcPts val="1001"/>
-              </a:spcBef>
-              <a:buClr>
-                <a:srgbClr val="000000"/>
-              </a:buClr>
-              <a:buFont typeface="Arial"/>
-              <a:buChar char="•"/>
-            </a:pPr>
-            <a:r>
-              <a:rPr b="0" lang="en-US" sz="2800" spc="-1" strike="noStrike">
-                <a:solidFill>
-                  <a:srgbClr val="000000"/>
-                </a:solidFill>
-                <a:latin typeface="Calibri"/>
-                <a:ea typeface="DejaVu Sans"/>
-              </a:rPr>
-              <a:t>This is called a document-term matrix.</a:t>
+            <a:pPr marL="228600" indent="-226080">
+              <a:lnSpc>
+                <a:spcPct val="90000"/>
+              </a:lnSpc>
+              <a:spcBef>
+                <a:spcPts val="1001"/>
+              </a:spcBef>
+              <a:buClr>
+                <a:srgbClr val="000000"/>
+              </a:buClr>
+              <a:buFont typeface="Arial"/>
+              <a:buChar char="•"/>
+            </a:pPr>
+            <a:r>
+              <a:rPr b="0" lang="en-US" sz="2800" spc="-1" strike="noStrike">
+                <a:solidFill>
+                  <a:srgbClr val="000000"/>
+                </a:solidFill>
+                <a:latin typeface="Calibri"/>
+                <a:ea typeface="DejaVu Sans"/>
+              </a:rPr>
+              <a:t>Evict tokens less than 2 characters long.</a:t>
+            </a:r>
+            <a:endParaRPr b="0" lang="en-US" sz="2800" spc="-1" strike="noStrike">
+              <a:latin typeface="Arial"/>
+            </a:endParaRPr>
+          </a:p>
+          <a:p>
+            <a:pPr lvl="1" marL="432000" indent="-214920">
+              <a:lnSpc>
+                <a:spcPct val="90000"/>
+              </a:lnSpc>
+              <a:spcBef>
+                <a:spcPts val="1001"/>
+              </a:spcBef>
+              <a:buClr>
+                <a:srgbClr val="000000"/>
+              </a:buClr>
+              <a:buSzPct val="45000"/>
+              <a:buFont typeface="Wingdings" charset="2"/>
+              <a:buChar char=""/>
+            </a:pPr>
+            <a:r>
+              <a:rPr b="0" lang="en-US" sz="1800" spc="-1" strike="noStrike">
+                <a:solidFill>
+                  <a:srgbClr val="000000"/>
+                </a:solidFill>
+                <a:latin typeface="Calibri"/>
+                <a:ea typeface="DejaVu Sans"/>
+              </a:rPr>
+              <a:t>These are typically uninformative and often are stop words.</a:t>
+            </a:r>
+            <a:endParaRPr b="0" lang="en-US" sz="1800" spc="-1" strike="noStrike">
+              <a:latin typeface="Arial"/>
+            </a:endParaRPr>
+          </a:p>
+          <a:p>
+            <a:pPr marL="228600" indent="-226080">
+              <a:lnSpc>
+                <a:spcPct val="90000"/>
+              </a:lnSpc>
+              <a:spcBef>
+                <a:spcPts val="1001"/>
+              </a:spcBef>
+              <a:buClr>
+                <a:srgbClr val="000000"/>
+              </a:buClr>
+              <a:buFont typeface="Arial"/>
+              <a:buChar char="•"/>
+            </a:pPr>
+            <a:r>
+              <a:rPr b="0" lang="en-US" sz="2800" spc="-1" strike="noStrike">
+                <a:solidFill>
+                  <a:srgbClr val="000000"/>
+                </a:solidFill>
+                <a:latin typeface="Calibri"/>
+                <a:ea typeface="DejaVu Sans"/>
+              </a:rPr>
+              <a:t>Convert all terms to lower case.</a:t>
+            </a:r>
+            <a:endParaRPr b="0" lang="en-US" sz="2800" spc="-1" strike="noStrike">
+              <a:latin typeface="Arial"/>
+            </a:endParaRPr>
+          </a:p>
+          <a:p>
+            <a:pPr lvl="1" marL="432000" indent="-214920">
+              <a:lnSpc>
+                <a:spcPct val="90000"/>
+              </a:lnSpc>
+              <a:spcBef>
+                <a:spcPts val="1001"/>
+              </a:spcBef>
+              <a:buClr>
+                <a:srgbClr val="000000"/>
+              </a:buClr>
+              <a:buSzPct val="45000"/>
+              <a:buFont typeface="Wingdings" charset="2"/>
+              <a:buChar char=""/>
+            </a:pPr>
+            <a:r>
+              <a:rPr b="0" lang="en-US" sz="1800" spc="-1" strike="noStrike">
+                <a:solidFill>
+                  <a:srgbClr val="000000"/>
+                </a:solidFill>
+                <a:latin typeface="Calibri"/>
+                <a:ea typeface="DejaVu Sans"/>
+              </a:rPr>
+              <a:t>Except for names, case distinctions are typically uninformative.</a:t>
+            </a:r>
+            <a:endParaRPr b="0" lang="en-US" sz="1800" spc="-1" strike="noStrike">
+              <a:latin typeface="Arial"/>
+            </a:endParaRPr>
+          </a:p>
+          <a:p>
+            <a:pPr marL="228600" indent="-226080">
+              <a:lnSpc>
+                <a:spcPct val="90000"/>
+              </a:lnSpc>
+              <a:spcBef>
+                <a:spcPts val="1001"/>
+              </a:spcBef>
+              <a:buClr>
+                <a:srgbClr val="000000"/>
+              </a:buClr>
+              <a:buFont typeface="Arial"/>
+              <a:buChar char="•"/>
+            </a:pPr>
+            <a:r>
+              <a:rPr b="0" lang="en-US" sz="2800" spc="-1" strike="noStrike">
+                <a:solidFill>
+                  <a:srgbClr val="000000"/>
+                </a:solidFill>
+                <a:latin typeface="Calibri"/>
+                <a:ea typeface="DejaVu Sans"/>
+              </a:rPr>
+              <a:t>Remove terms which appear in few documents.</a:t>
+            </a:r>
+            <a:endParaRPr b="0" lang="en-US" sz="2800" spc="-1" strike="noStrike">
+              <a:latin typeface="Arial"/>
+            </a:endParaRPr>
+          </a:p>
+          <a:p>
+            <a:pPr lvl="1" marL="432000" indent="-214920">
+              <a:lnSpc>
+                <a:spcPct val="90000"/>
+              </a:lnSpc>
+              <a:spcBef>
+                <a:spcPts val="1001"/>
+              </a:spcBef>
+              <a:buClr>
+                <a:srgbClr val="000000"/>
+              </a:buClr>
+              <a:buSzPct val="45000"/>
+              <a:buFont typeface="Wingdings" charset="2"/>
+              <a:buChar char=""/>
+            </a:pPr>
+            <a:r>
+              <a:rPr b="0" lang="en-US" sz="1800" spc="-1" strike="noStrike">
+                <a:solidFill>
+                  <a:srgbClr val="000000"/>
+                </a:solidFill>
+                <a:latin typeface="Calibri"/>
+                <a:ea typeface="DejaVu Sans"/>
+              </a:rPr>
+              <a:t>Very rare words are typically uninformative.</a:t>
+            </a:r>
+            <a:endParaRPr b="0" lang="en-US" sz="1800" spc="-1" strike="noStrike">
+              <a:latin typeface="Arial"/>
+            </a:endParaRPr>
+          </a:p>
+          <a:p>
+            <a:pPr marL="228600" indent="-226080">
+              <a:lnSpc>
+                <a:spcPct val="90000"/>
+              </a:lnSpc>
+              <a:spcBef>
+                <a:spcPts val="1001"/>
+              </a:spcBef>
+              <a:buClr>
+                <a:srgbClr val="000000"/>
+              </a:buClr>
+              <a:buFont typeface="Arial"/>
+              <a:buChar char="•"/>
+            </a:pPr>
+            <a:r>
+              <a:rPr b="0" lang="en-US" sz="2800" spc="-1" strike="noStrike">
+                <a:solidFill>
+                  <a:srgbClr val="000000"/>
+                </a:solidFill>
+                <a:latin typeface="Calibri"/>
+                <a:ea typeface="DejaVu Sans"/>
+              </a:rPr>
+              <a:t>Remove terms which appear in many documents.</a:t>
+            </a:r>
+            <a:endParaRPr b="0" lang="en-US" sz="2800" spc="-1" strike="noStrike">
+              <a:latin typeface="Arial"/>
+            </a:endParaRPr>
+          </a:p>
+          <a:p>
+            <a:pPr lvl="1" marL="432000" indent="-214920">
+              <a:lnSpc>
+                <a:spcPct val="90000"/>
+              </a:lnSpc>
+              <a:spcBef>
+                <a:spcPts val="1001"/>
+              </a:spcBef>
+              <a:buClr>
+                <a:srgbClr val="000000"/>
+              </a:buClr>
+              <a:buSzPct val="45000"/>
+              <a:buFont typeface="Wingdings" charset="2"/>
+              <a:buChar char=""/>
+            </a:pPr>
+            <a:r>
+              <a:rPr b="0" lang="en-US" sz="1800" spc="-1" strike="noStrike">
+                <a:solidFill>
+                  <a:srgbClr val="000000"/>
+                </a:solidFill>
+                <a:latin typeface="Calibri"/>
+                <a:ea typeface="DejaVu Sans"/>
+              </a:rPr>
+              <a:t>Common words are typically uninformative.</a:t>
+            </a:r>
+            <a:endParaRPr b="0" lang="en-US" sz="1800" spc="-1" strike="noStrike">
+              <a:latin typeface="Arial"/>
+            </a:endParaRPr>
+          </a:p>
+          <a:p>
+            <a:pPr marL="228600" indent="-226080">
+              <a:lnSpc>
+                <a:spcPct val="90000"/>
+              </a:lnSpc>
+              <a:spcBef>
+                <a:spcPts val="1001"/>
+              </a:spcBef>
+              <a:buClr>
+                <a:srgbClr val="000000"/>
+              </a:buClr>
+              <a:buFont typeface="Arial"/>
+              <a:buChar char="•"/>
+            </a:pPr>
+            <a:r>
+              <a:rPr b="0" lang="en-US" sz="2800" spc="-1" strike="noStrike">
+                <a:solidFill>
+                  <a:srgbClr val="000000"/>
+                </a:solidFill>
+                <a:latin typeface="Calibri"/>
+                <a:ea typeface="DejaVu Sans"/>
+              </a:rPr>
+              <a:t>Remove stop words.</a:t>
+            </a:r>
+            <a:endParaRPr b="0" lang="en-US" sz="2800" spc="-1" strike="noStrike">
+              <a:latin typeface="Arial"/>
+            </a:endParaRPr>
+          </a:p>
+          <a:p>
+            <a:pPr marL="228600" indent="-226080">
+              <a:lnSpc>
+                <a:spcPct val="90000"/>
+              </a:lnSpc>
+              <a:spcBef>
+                <a:spcPts val="1001"/>
+              </a:spcBef>
+              <a:buClr>
+                <a:srgbClr val="000000"/>
+              </a:buClr>
+              <a:buFont typeface="Arial"/>
+              <a:buChar char="•"/>
+            </a:pPr>
+            <a:r>
+              <a:rPr b="0" lang="en-US" sz="2800" spc="-1" strike="noStrike">
+                <a:solidFill>
+                  <a:srgbClr val="000000"/>
+                </a:solidFill>
+                <a:latin typeface="Calibri"/>
+                <a:ea typeface="DejaVu Sans"/>
+              </a:rPr>
+              <a:t>Lemmatize terms.</a:t>
             </a:r>
             <a:endParaRPr b="0" lang="en-US" sz="2800" spc="-1" strike="noStrike">
               <a:latin typeface="Arial"/>
@@ -2492,7 +2636,7 @@
         <p:spPr>
           <a:xfrm>
             <a:off x="838080" y="365040"/>
-            <a:ext cx="10513440" cy="1323360"/>
+            <a:ext cx="10513080" cy="1323000"/>
           </a:xfrm>
           <a:prstGeom prst="rect">
             <a:avLst/>
@@ -2526,7 +2670,7 @@
                 <a:latin typeface="Calibri"/>
                 <a:ea typeface="DejaVu Sans"/>
               </a:rPr>
-              <a:t>Additional Useful Preprocessing</a:t>
+              <a:t>Stop Words</a:t>
             </a:r>
             <a:endParaRPr b="0" lang="en-US" sz="4400" spc="-1" strike="noStrike">
               <a:latin typeface="Arial"/>
@@ -2543,7 +2687,7 @@
         <p:spPr>
           <a:xfrm>
             <a:off x="838080" y="1825560"/>
-            <a:ext cx="10513440" cy="4349160"/>
+            <a:ext cx="10513080" cy="4348800"/>
           </a:xfrm>
           <a:prstGeom prst="rect">
             <a:avLst/>
@@ -2564,285 +2708,238 @@
             <a:noAutofit/>
           </a:bodyPr>
           <a:p>
-            <a:pPr marL="228600" indent="-226440">
-              <a:lnSpc>
-                <a:spcPct val="90000"/>
-              </a:lnSpc>
-              <a:spcBef>
-                <a:spcPts val="1001"/>
-              </a:spcBef>
-              <a:buClr>
-                <a:srgbClr val="000000"/>
-              </a:buClr>
-              <a:buFont typeface="Arial"/>
-              <a:buChar char="•"/>
-            </a:pPr>
-            <a:r>
-              <a:rPr b="0" lang="en-US" sz="2800" spc="-1" strike="noStrike">
-                <a:solidFill>
-                  <a:srgbClr val="000000"/>
-                </a:solidFill>
-                <a:latin typeface="Calibri"/>
-                <a:ea typeface="DejaVu Sans"/>
-              </a:rPr>
-              <a:t>Evict tokens less than 2 characters long.</a:t>
-            </a:r>
-            <a:endParaRPr b="0" lang="en-US" sz="2800" spc="-1" strike="noStrike">
-              <a:latin typeface="Arial"/>
-            </a:endParaRPr>
-          </a:p>
-          <a:p>
-            <a:pPr lvl="1" marL="432000" indent="-215280">
-              <a:lnSpc>
-                <a:spcPct val="90000"/>
-              </a:lnSpc>
-              <a:spcBef>
-                <a:spcPts val="1001"/>
-              </a:spcBef>
-              <a:buClr>
-                <a:srgbClr val="000000"/>
-              </a:buClr>
-              <a:buSzPct val="45000"/>
-              <a:buFont typeface="Wingdings" charset="2"/>
-              <a:buChar char=""/>
-            </a:pPr>
-            <a:r>
-              <a:rPr b="0" lang="en-US" sz="1800" spc="-1" strike="noStrike">
-                <a:solidFill>
-                  <a:srgbClr val="000000"/>
-                </a:solidFill>
-                <a:latin typeface="Calibri"/>
-                <a:ea typeface="DejaVu Sans"/>
-              </a:rPr>
-              <a:t>These are typically uninformative and often are stop words.</a:t>
-            </a:r>
-            <a:endParaRPr b="0" lang="en-US" sz="1800" spc="-1" strike="noStrike">
-              <a:latin typeface="Arial"/>
-            </a:endParaRPr>
-          </a:p>
-          <a:p>
-            <a:pPr marL="228600" indent="-226440">
-              <a:lnSpc>
-                <a:spcPct val="90000"/>
-              </a:lnSpc>
-              <a:spcBef>
-                <a:spcPts val="1001"/>
-              </a:spcBef>
-              <a:buClr>
-                <a:srgbClr val="000000"/>
-              </a:buClr>
-              <a:buFont typeface="Arial"/>
-              <a:buChar char="•"/>
-            </a:pPr>
-            <a:r>
-              <a:rPr b="0" lang="en-US" sz="2800" spc="-1" strike="noStrike">
-                <a:solidFill>
-                  <a:srgbClr val="000000"/>
-                </a:solidFill>
-                <a:latin typeface="Calibri"/>
-                <a:ea typeface="DejaVu Sans"/>
-              </a:rPr>
-              <a:t>Convert all terms to lower case.</a:t>
-            </a:r>
-            <a:endParaRPr b="0" lang="en-US" sz="2800" spc="-1" strike="noStrike">
-              <a:latin typeface="Arial"/>
-            </a:endParaRPr>
-          </a:p>
-          <a:p>
-            <a:pPr lvl="1" marL="432000" indent="-215280">
-              <a:lnSpc>
-                <a:spcPct val="90000"/>
-              </a:lnSpc>
-              <a:spcBef>
-                <a:spcPts val="1001"/>
-              </a:spcBef>
-              <a:buClr>
-                <a:srgbClr val="000000"/>
-              </a:buClr>
-              <a:buSzPct val="45000"/>
-              <a:buFont typeface="Wingdings" charset="2"/>
-              <a:buChar char=""/>
-            </a:pPr>
-            <a:r>
-              <a:rPr b="0" lang="en-US" sz="1800" spc="-1" strike="noStrike">
-                <a:solidFill>
-                  <a:srgbClr val="000000"/>
-                </a:solidFill>
-                <a:latin typeface="Calibri"/>
-                <a:ea typeface="DejaVu Sans"/>
-              </a:rPr>
-              <a:t>Except for names, case distinctions are typically uninformative.</a:t>
-            </a:r>
-            <a:endParaRPr b="0" lang="en-US" sz="1800" spc="-1" strike="noStrike">
-              <a:latin typeface="Arial"/>
-            </a:endParaRPr>
-          </a:p>
-          <a:p>
-            <a:pPr marL="228600" indent="-226440">
-              <a:lnSpc>
-                <a:spcPct val="90000"/>
-              </a:lnSpc>
-              <a:spcBef>
-                <a:spcPts val="1001"/>
-              </a:spcBef>
-              <a:buClr>
-                <a:srgbClr val="000000"/>
-              </a:buClr>
-              <a:buFont typeface="Arial"/>
-              <a:buChar char="•"/>
-            </a:pPr>
-            <a:r>
-              <a:rPr b="0" lang="en-US" sz="2800" spc="-1" strike="noStrike">
-                <a:solidFill>
-                  <a:srgbClr val="000000"/>
-                </a:solidFill>
-                <a:latin typeface="Calibri"/>
-                <a:ea typeface="DejaVu Sans"/>
-              </a:rPr>
-              <a:t>Remove terms which appear in few documents.</a:t>
-            </a:r>
-            <a:endParaRPr b="0" lang="en-US" sz="2800" spc="-1" strike="noStrike">
-              <a:latin typeface="Arial"/>
-            </a:endParaRPr>
-          </a:p>
-          <a:p>
-            <a:pPr lvl="1" marL="432000" indent="-215280">
-              <a:lnSpc>
-                <a:spcPct val="90000"/>
-              </a:lnSpc>
-              <a:spcBef>
-                <a:spcPts val="1001"/>
-              </a:spcBef>
-              <a:buClr>
-                <a:srgbClr val="000000"/>
-              </a:buClr>
-              <a:buSzPct val="45000"/>
-              <a:buFont typeface="Wingdings" charset="2"/>
-              <a:buChar char=""/>
-            </a:pPr>
-            <a:r>
-              <a:rPr b="0" lang="en-US" sz="1800" spc="-1" strike="noStrike">
-                <a:solidFill>
-                  <a:srgbClr val="000000"/>
-                </a:solidFill>
-                <a:latin typeface="Calibri"/>
-                <a:ea typeface="DejaVu Sans"/>
-              </a:rPr>
-              <a:t>Very rare words are typically uninformative.</a:t>
-            </a:r>
-            <a:endParaRPr b="0" lang="en-US" sz="1800" spc="-1" strike="noStrike">
-              <a:latin typeface="Arial"/>
-            </a:endParaRPr>
-          </a:p>
-          <a:p>
-            <a:pPr marL="228600" indent="-226440">
-              <a:lnSpc>
-                <a:spcPct val="90000"/>
-              </a:lnSpc>
-              <a:spcBef>
-                <a:spcPts val="1001"/>
-              </a:spcBef>
-              <a:buClr>
-                <a:srgbClr val="000000"/>
-              </a:buClr>
-              <a:buFont typeface="Arial"/>
-              <a:buChar char="•"/>
-            </a:pPr>
-            <a:r>
-              <a:rPr b="0" lang="en-US" sz="2800" spc="-1" strike="noStrike">
-                <a:solidFill>
-                  <a:srgbClr val="000000"/>
-                </a:solidFill>
-                <a:latin typeface="Calibri"/>
-                <a:ea typeface="DejaVu Sans"/>
-              </a:rPr>
-              <a:t>Remove terms which appear in many documents.</a:t>
-            </a:r>
-            <a:endParaRPr b="0" lang="en-US" sz="2800" spc="-1" strike="noStrike">
-              <a:latin typeface="Arial"/>
-            </a:endParaRPr>
-          </a:p>
-          <a:p>
-            <a:pPr lvl="1" marL="432000" indent="-215280">
-              <a:lnSpc>
-                <a:spcPct val="90000"/>
-              </a:lnSpc>
-              <a:spcBef>
-                <a:spcPts val="1001"/>
-              </a:spcBef>
-              <a:buClr>
-                <a:srgbClr val="000000"/>
-              </a:buClr>
-              <a:buSzPct val="45000"/>
-              <a:buFont typeface="Wingdings" charset="2"/>
-              <a:buChar char=""/>
-            </a:pPr>
-            <a:r>
-              <a:rPr b="0" lang="en-US" sz="1800" spc="-1" strike="noStrike">
-                <a:solidFill>
-                  <a:srgbClr val="000000"/>
-                </a:solidFill>
-                <a:latin typeface="Calibri"/>
-                <a:ea typeface="DejaVu Sans"/>
-              </a:rPr>
-              <a:t>Common words are typically uninformative.</a:t>
-            </a:r>
-            <a:endParaRPr b="0" lang="en-US" sz="1800" spc="-1" strike="noStrike">
-              <a:latin typeface="Arial"/>
-            </a:endParaRPr>
-          </a:p>
-          <a:p>
-            <a:pPr marL="228600" indent="-226440">
-              <a:lnSpc>
-                <a:spcPct val="90000"/>
-              </a:lnSpc>
-              <a:spcBef>
-                <a:spcPts val="1001"/>
-              </a:spcBef>
-              <a:buClr>
-                <a:srgbClr val="000000"/>
-              </a:buClr>
-              <a:buFont typeface="Arial"/>
-              <a:buChar char="•"/>
-            </a:pPr>
-            <a:r>
-              <a:rPr b="0" lang="en-US" sz="2800" spc="-1" strike="noStrike">
-                <a:solidFill>
-                  <a:srgbClr val="000000"/>
-                </a:solidFill>
-                <a:latin typeface="Calibri"/>
-                <a:ea typeface="DejaVu Sans"/>
-              </a:rPr>
-              <a:t>Remove stop words.</a:t>
-            </a:r>
-            <a:endParaRPr b="0" lang="en-US" sz="2800" spc="-1" strike="noStrike">
-              <a:latin typeface="Arial"/>
-            </a:endParaRPr>
-          </a:p>
-          <a:p>
-            <a:pPr marL="228600" indent="-226440">
-              <a:lnSpc>
-                <a:spcPct val="90000"/>
-              </a:lnSpc>
-              <a:spcBef>
-                <a:spcPts val="1001"/>
-              </a:spcBef>
-              <a:buClr>
-                <a:srgbClr val="000000"/>
-              </a:buClr>
-              <a:buFont typeface="Arial"/>
-              <a:buChar char="•"/>
-            </a:pPr>
-            <a:r>
-              <a:rPr b="0" lang="en-US" sz="2800" spc="-1" strike="noStrike">
-                <a:solidFill>
-                  <a:srgbClr val="000000"/>
-                </a:solidFill>
-                <a:latin typeface="Calibri"/>
-                <a:ea typeface="DejaVu Sans"/>
-              </a:rPr>
-              <a:t>Lemmatize terms.</a:t>
-            </a:r>
+            <a:pPr marL="228600" indent="-226080">
+              <a:lnSpc>
+                <a:spcPct val="90000"/>
+              </a:lnSpc>
+              <a:spcBef>
+                <a:spcPts val="1001"/>
+              </a:spcBef>
+              <a:buClr>
+                <a:srgbClr val="000000"/>
+              </a:buClr>
+              <a:buFont typeface="Arial"/>
+              <a:buChar char="•"/>
+            </a:pPr>
+            <a:r>
+              <a:rPr b="0" lang="en-US" sz="2800" spc="-1" strike="noStrike">
+                <a:solidFill>
+                  <a:srgbClr val="000000"/>
+                </a:solidFill>
+                <a:latin typeface="Calibri"/>
+                <a:ea typeface="DejaVu Sans"/>
+              </a:rPr>
+              <a:t>Words which do little to distinguish texts.</a:t>
+            </a:r>
+            <a:endParaRPr b="0" lang="en-US" sz="2800" spc="-1" strike="noStrike">
+              <a:latin typeface="Arial"/>
+            </a:endParaRPr>
+          </a:p>
+          <a:p>
+            <a:pPr marL="228600" indent="-226080">
+              <a:lnSpc>
+                <a:spcPct val="90000"/>
+              </a:lnSpc>
+              <a:spcBef>
+                <a:spcPts val="1001"/>
+              </a:spcBef>
+              <a:buClr>
+                <a:srgbClr val="000000"/>
+              </a:buClr>
+              <a:buFont typeface="Arial"/>
+              <a:buChar char="•"/>
+            </a:pPr>
+            <a:r>
+              <a:rPr b="0" lang="en-US" sz="2800" spc="-1" strike="noStrike">
+                <a:solidFill>
+                  <a:srgbClr val="000000"/>
+                </a:solidFill>
+                <a:latin typeface="Calibri"/>
+                <a:ea typeface="DejaVu Sans"/>
+              </a:rPr>
+              <a:t>Typical stop words include function words (“Syntactic glue”)  </a:t>
+            </a:r>
+            <a:endParaRPr b="0" lang="en-US" sz="2800" spc="-1" strike="noStrike">
+              <a:latin typeface="Arial"/>
+            </a:endParaRPr>
+          </a:p>
+          <a:p>
+            <a:pPr marL="228600" indent="-226080">
+              <a:lnSpc>
+                <a:spcPct val="90000"/>
+              </a:lnSpc>
+              <a:spcBef>
+                <a:spcPts val="1001"/>
+              </a:spcBef>
+              <a:buClr>
+                <a:srgbClr val="000000"/>
+              </a:buClr>
+              <a:buFont typeface="Arial"/>
+              <a:buChar char="•"/>
+            </a:pPr>
+            <a:r>
+              <a:rPr b="0" lang="en-US" sz="2800" spc="-1" strike="noStrike">
+                <a:solidFill>
+                  <a:srgbClr val="000000"/>
+                </a:solidFill>
+                <a:latin typeface="Calibri"/>
+                <a:ea typeface="DejaVu Sans"/>
+              </a:rPr>
+              <a:t>Conjunctions (and, or)</a:t>
+            </a:r>
+            <a:endParaRPr b="0" lang="en-US" sz="2800" spc="-1" strike="noStrike">
+              <a:latin typeface="Arial"/>
+            </a:endParaRPr>
+          </a:p>
+          <a:p>
+            <a:pPr marL="228600" indent="-226080">
+              <a:lnSpc>
+                <a:spcPct val="90000"/>
+              </a:lnSpc>
+              <a:spcBef>
+                <a:spcPts val="1001"/>
+              </a:spcBef>
+              <a:buClr>
+                <a:srgbClr val="000000"/>
+              </a:buClr>
+              <a:buFont typeface="Arial"/>
+              <a:buChar char="•"/>
+            </a:pPr>
+            <a:r>
+              <a:rPr b="0" lang="en-US" sz="2800" spc="-1" strike="noStrike">
+                <a:solidFill>
+                  <a:srgbClr val="000000"/>
+                </a:solidFill>
+                <a:latin typeface="Calibri"/>
+                <a:ea typeface="DejaVu Sans"/>
+              </a:rPr>
+              <a:t>Prepositions (of, in)</a:t>
+            </a:r>
+            <a:endParaRPr b="0" lang="en-US" sz="2800" spc="-1" strike="noStrike">
+              <a:latin typeface="Arial"/>
+            </a:endParaRPr>
+          </a:p>
+          <a:p>
+            <a:pPr marL="228600" indent="-226080">
+              <a:lnSpc>
+                <a:spcPct val="90000"/>
+              </a:lnSpc>
+              <a:spcBef>
+                <a:spcPts val="1001"/>
+              </a:spcBef>
+              <a:buClr>
+                <a:srgbClr val="000000"/>
+              </a:buClr>
+              <a:buFont typeface="Arial"/>
+              <a:buChar char="•"/>
+            </a:pPr>
+            <a:r>
+              <a:rPr b="0" lang="en-US" sz="2800" spc="-1" strike="noStrike">
+                <a:solidFill>
+                  <a:srgbClr val="000000"/>
+                </a:solidFill>
+                <a:latin typeface="Calibri"/>
+                <a:ea typeface="DejaVu Sans"/>
+              </a:rPr>
+              <a:t>Articles (a, an, the)</a:t>
+            </a:r>
+            <a:endParaRPr b="0" lang="en-US" sz="2800" spc="-1" strike="noStrike">
+              <a:latin typeface="Arial"/>
+            </a:endParaRPr>
+          </a:p>
+          <a:p>
+            <a:pPr marL="228600" indent="-226080">
+              <a:lnSpc>
+                <a:spcPct val="90000"/>
+              </a:lnSpc>
+              <a:spcBef>
+                <a:spcPts val="1001"/>
+              </a:spcBef>
+              <a:buClr>
+                <a:srgbClr val="000000"/>
+              </a:buClr>
+              <a:buFont typeface="Arial"/>
+              <a:buChar char="•"/>
+            </a:pPr>
+            <a:r>
+              <a:rPr b="0" lang="en-US" sz="2800" spc="-1" strike="noStrike">
+                <a:solidFill>
+                  <a:srgbClr val="000000"/>
+                </a:solidFill>
+                <a:latin typeface="Calibri"/>
+                <a:ea typeface="DejaVu Sans"/>
+              </a:rPr>
+              <a:t>Particles (up, on, down)</a:t>
+            </a:r>
+            <a:endParaRPr b="0" lang="en-US" sz="2800" spc="-1" strike="noStrike">
+              <a:latin typeface="Arial"/>
+            </a:endParaRPr>
+          </a:p>
+          <a:p>
+            <a:pPr marL="228600" indent="-226080">
+              <a:lnSpc>
+                <a:spcPct val="90000"/>
+              </a:lnSpc>
+              <a:spcBef>
+                <a:spcPts val="1001"/>
+              </a:spcBef>
+              <a:buClr>
+                <a:srgbClr val="000000"/>
+              </a:buClr>
+              <a:buFont typeface="Arial"/>
+              <a:buChar char="•"/>
+            </a:pPr>
+            <a:r>
+              <a:rPr b="0" lang="en-US" sz="2800" spc="-1" strike="noStrike">
+                <a:solidFill>
+                  <a:srgbClr val="000000"/>
+                </a:solidFill>
+                <a:latin typeface="Calibri"/>
+                <a:ea typeface="DejaVu Sans"/>
+              </a:rPr>
+              <a:t>Expletives (Ah! Ouch! Swear words)</a:t>
+            </a:r>
+            <a:endParaRPr b="0" lang="en-US" sz="2800" spc="-1" strike="noStrike">
+              <a:latin typeface="Arial"/>
+            </a:endParaRPr>
+          </a:p>
+          <a:p>
+            <a:pPr marL="228600" indent="-226080">
+              <a:lnSpc>
+                <a:spcPct val="90000"/>
+              </a:lnSpc>
+              <a:spcBef>
+                <a:spcPts val="1001"/>
+              </a:spcBef>
+              <a:buClr>
+                <a:srgbClr val="000000"/>
+              </a:buClr>
+              <a:buFont typeface="Arial"/>
+              <a:buChar char="•"/>
+            </a:pPr>
+            <a:r>
+              <a:rPr b="0" lang="en-US" sz="2800" spc="-1" strike="noStrike">
+                <a:solidFill>
+                  <a:srgbClr val="000000"/>
+                </a:solidFill>
+                <a:latin typeface="Calibri"/>
+                <a:ea typeface="DejaVu Sans"/>
+              </a:rPr>
+              <a:t>Subject area specific terms</a:t>
+            </a:r>
+            <a:endParaRPr b="0" lang="en-US" sz="2800" spc="-1" strike="noStrike">
+              <a:latin typeface="Arial"/>
+            </a:endParaRPr>
+          </a:p>
+          <a:p>
+            <a:pPr>
+              <a:lnSpc>
+                <a:spcPct val="90000"/>
+              </a:lnSpc>
+              <a:spcBef>
+                <a:spcPts val="1001"/>
+              </a:spcBef>
+            </a:pPr>
             <a:endParaRPr b="0" lang="en-US" sz="2800" spc="-1" strike="noStrike">
               <a:latin typeface="Arial"/>
             </a:endParaRPr>
@@ -2915,7 +3012,7 @@
         <p:spPr>
           <a:xfrm>
             <a:off x="838080" y="365040"/>
-            <a:ext cx="10513440" cy="1323360"/>
+            <a:ext cx="10513080" cy="1323000"/>
           </a:xfrm>
           <a:prstGeom prst="rect">
             <a:avLst/>
@@ -2949,7 +3046,7 @@
                 <a:latin typeface="Calibri"/>
                 <a:ea typeface="DejaVu Sans"/>
               </a:rPr>
-              <a:t>Stop Words</a:t>
+              <a:t>Stop Words (cont.)</a:t>
             </a:r>
             <a:endParaRPr b="0" lang="en-US" sz="4400" spc="-1" strike="noStrike">
               <a:latin typeface="Arial"/>
@@ -2966,7 +3063,7 @@
         <p:spPr>
           <a:xfrm>
             <a:off x="838080" y="1825560"/>
-            <a:ext cx="10513440" cy="4349160"/>
+            <a:ext cx="10513080" cy="4348800"/>
           </a:xfrm>
           <a:prstGeom prst="rect">
             <a:avLst/>
@@ -2987,224 +3084,84 @@
             <a:noAutofit/>
           </a:bodyPr>
           <a:p>
-            <a:pPr marL="228600" indent="-226440">
-              <a:lnSpc>
-                <a:spcPct val="90000"/>
-              </a:lnSpc>
-              <a:spcBef>
-                <a:spcPts val="1001"/>
-              </a:spcBef>
-              <a:buClr>
-                <a:srgbClr val="000000"/>
-              </a:buClr>
-              <a:buFont typeface="Arial"/>
-              <a:buChar char="•"/>
-            </a:pPr>
-            <a:r>
-              <a:rPr b="0" lang="en-US" sz="2800" spc="-1" strike="noStrike">
-                <a:solidFill>
-                  <a:srgbClr val="000000"/>
-                </a:solidFill>
-                <a:latin typeface="Calibri"/>
-                <a:ea typeface="DejaVu Sans"/>
-              </a:rPr>
-              <a:t>Words which do little to distinguish texts.</a:t>
-            </a:r>
-            <a:endParaRPr b="0" lang="en-US" sz="2800" spc="-1" strike="noStrike">
-              <a:latin typeface="Arial"/>
-            </a:endParaRPr>
-          </a:p>
-          <a:p>
-            <a:pPr marL="228600" indent="-226440">
-              <a:lnSpc>
-                <a:spcPct val="90000"/>
-              </a:lnSpc>
-              <a:spcBef>
-                <a:spcPts val="1001"/>
-              </a:spcBef>
-              <a:buClr>
-                <a:srgbClr val="000000"/>
-              </a:buClr>
-              <a:buFont typeface="Arial"/>
-              <a:buChar char="•"/>
-            </a:pPr>
-            <a:r>
-              <a:rPr b="0" lang="en-US" sz="2800" spc="-1" strike="noStrike">
-                <a:solidFill>
-                  <a:srgbClr val="000000"/>
-                </a:solidFill>
-                <a:latin typeface="Calibri"/>
-                <a:ea typeface="DejaVu Sans"/>
-              </a:rPr>
-              <a:t>Typical stop words include function words (“Syntactic glue”)  </a:t>
-            </a:r>
-            <a:endParaRPr b="0" lang="en-US" sz="2800" spc="-1" strike="noStrike">
-              <a:latin typeface="Arial"/>
-            </a:endParaRPr>
-          </a:p>
-          <a:p>
-            <a:pPr marL="228600" indent="-226440">
-              <a:lnSpc>
-                <a:spcPct val="90000"/>
-              </a:lnSpc>
-              <a:spcBef>
-                <a:spcPts val="1001"/>
-              </a:spcBef>
-              <a:buClr>
-                <a:srgbClr val="000000"/>
-              </a:buClr>
-              <a:buFont typeface="Arial"/>
-              <a:buChar char="•"/>
-            </a:pPr>
-            <a:r>
-              <a:rPr b="0" lang="en-US" sz="2800" spc="-1" strike="noStrike">
-                <a:solidFill>
-                  <a:srgbClr val="000000"/>
-                </a:solidFill>
-                <a:latin typeface="Calibri"/>
-                <a:ea typeface="DejaVu Sans"/>
-              </a:rPr>
-              <a:t>Conjunctions (and, or)</a:t>
-            </a:r>
-            <a:endParaRPr b="0" lang="en-US" sz="2800" spc="-1" strike="noStrike">
-              <a:latin typeface="Arial"/>
-            </a:endParaRPr>
-          </a:p>
-          <a:p>
-            <a:pPr marL="228600" indent="-226440">
-              <a:lnSpc>
-                <a:spcPct val="90000"/>
-              </a:lnSpc>
-              <a:spcBef>
-                <a:spcPts val="1001"/>
-              </a:spcBef>
-              <a:buClr>
-                <a:srgbClr val="000000"/>
-              </a:buClr>
-              <a:buFont typeface="Arial"/>
-              <a:buChar char="•"/>
-            </a:pPr>
-            <a:r>
-              <a:rPr b="0" lang="en-US" sz="2800" spc="-1" strike="noStrike">
-                <a:solidFill>
-                  <a:srgbClr val="000000"/>
-                </a:solidFill>
-                <a:latin typeface="Calibri"/>
-                <a:ea typeface="DejaVu Sans"/>
-              </a:rPr>
-              <a:t>Prepositions (of, in)</a:t>
-            </a:r>
-            <a:endParaRPr b="0" lang="en-US" sz="2800" spc="-1" strike="noStrike">
-              <a:latin typeface="Arial"/>
-            </a:endParaRPr>
-          </a:p>
-          <a:p>
-            <a:pPr marL="228600" indent="-226440">
-              <a:lnSpc>
-                <a:spcPct val="90000"/>
-              </a:lnSpc>
-              <a:spcBef>
-                <a:spcPts val="1001"/>
-              </a:spcBef>
-              <a:buClr>
-                <a:srgbClr val="000000"/>
-              </a:buClr>
-              <a:buFont typeface="Arial"/>
-              <a:buChar char="•"/>
-            </a:pPr>
-            <a:r>
-              <a:rPr b="0" lang="en-US" sz="2800" spc="-1" strike="noStrike">
-                <a:solidFill>
-                  <a:srgbClr val="000000"/>
-                </a:solidFill>
-                <a:latin typeface="Calibri"/>
-                <a:ea typeface="DejaVu Sans"/>
-              </a:rPr>
-              <a:t>Articles (a, an, the)</a:t>
-            </a:r>
-            <a:endParaRPr b="0" lang="en-US" sz="2800" spc="-1" strike="noStrike">
-              <a:latin typeface="Arial"/>
-            </a:endParaRPr>
-          </a:p>
-          <a:p>
-            <a:pPr marL="228600" indent="-226440">
-              <a:lnSpc>
-                <a:spcPct val="90000"/>
-              </a:lnSpc>
-              <a:spcBef>
-                <a:spcPts val="1001"/>
-              </a:spcBef>
-              <a:buClr>
-                <a:srgbClr val="000000"/>
-              </a:buClr>
-              <a:buFont typeface="Arial"/>
-              <a:buChar char="•"/>
-            </a:pPr>
-            <a:r>
-              <a:rPr b="0" lang="en-US" sz="2800" spc="-1" strike="noStrike">
-                <a:solidFill>
-                  <a:srgbClr val="000000"/>
-                </a:solidFill>
-                <a:latin typeface="Calibri"/>
-                <a:ea typeface="DejaVu Sans"/>
-              </a:rPr>
-              <a:t>Particles (up, on, down)</a:t>
-            </a:r>
-            <a:endParaRPr b="0" lang="en-US" sz="2800" spc="-1" strike="noStrike">
-              <a:latin typeface="Arial"/>
-            </a:endParaRPr>
-          </a:p>
-          <a:p>
-            <a:pPr marL="228600" indent="-226440">
-              <a:lnSpc>
-                <a:spcPct val="90000"/>
-              </a:lnSpc>
-              <a:spcBef>
-                <a:spcPts val="1001"/>
-              </a:spcBef>
-              <a:buClr>
-                <a:srgbClr val="000000"/>
-              </a:buClr>
-              <a:buFont typeface="Arial"/>
-              <a:buChar char="•"/>
-            </a:pPr>
-            <a:r>
-              <a:rPr b="0" lang="en-US" sz="2800" spc="-1" strike="noStrike">
-                <a:solidFill>
-                  <a:srgbClr val="000000"/>
-                </a:solidFill>
-                <a:latin typeface="Calibri"/>
-                <a:ea typeface="DejaVu Sans"/>
-              </a:rPr>
-              <a:t>Expletives (Ah! Ouch! Swear words)</a:t>
-            </a:r>
-            <a:endParaRPr b="0" lang="en-US" sz="2800" spc="-1" strike="noStrike">
-              <a:latin typeface="Arial"/>
-            </a:endParaRPr>
-          </a:p>
-          <a:p>
-            <a:pPr marL="228600" indent="-226440">
-              <a:lnSpc>
-                <a:spcPct val="90000"/>
-              </a:lnSpc>
-              <a:spcBef>
-                <a:spcPts val="1001"/>
-              </a:spcBef>
-              <a:buClr>
-                <a:srgbClr val="000000"/>
-              </a:buClr>
-              <a:buFont typeface="Arial"/>
-              <a:buChar char="•"/>
-            </a:pPr>
-            <a:r>
-              <a:rPr b="0" lang="en-US" sz="2800" spc="-1" strike="noStrike">
-                <a:solidFill>
-                  <a:srgbClr val="000000"/>
-                </a:solidFill>
-                <a:latin typeface="Calibri"/>
-                <a:ea typeface="DejaVu Sans"/>
-              </a:rPr>
-              <a:t>Subject area specific terms</a:t>
+            <a:pPr marL="228600" indent="-226080">
+              <a:lnSpc>
+                <a:spcPct val="90000"/>
+              </a:lnSpc>
+              <a:spcBef>
+                <a:spcPts val="1001"/>
+              </a:spcBef>
+              <a:buClr>
+                <a:srgbClr val="000000"/>
+              </a:buClr>
+              <a:buFont typeface="Arial"/>
+              <a:buChar char="•"/>
+            </a:pPr>
+            <a:r>
+              <a:rPr b="0" lang="en-US" sz="2800" spc="-1" strike="noStrike">
+                <a:solidFill>
+                  <a:srgbClr val="000000"/>
+                </a:solidFill>
+                <a:latin typeface="Calibri"/>
+                <a:ea typeface="DejaVu Sans"/>
+              </a:rPr>
+              <a:t>Stop words have a major impact on topic models.</a:t>
+            </a:r>
+            <a:endParaRPr b="0" lang="en-US" sz="2800" spc="-1" strike="noStrike">
+              <a:latin typeface="Arial"/>
+            </a:endParaRPr>
+          </a:p>
+          <a:p>
+            <a:pPr marL="228600" indent="-226080">
+              <a:lnSpc>
+                <a:spcPct val="90000"/>
+              </a:lnSpc>
+              <a:spcBef>
+                <a:spcPts val="1001"/>
+              </a:spcBef>
+              <a:buClr>
+                <a:srgbClr val="000000"/>
+              </a:buClr>
+              <a:buFont typeface="Arial"/>
+              <a:buChar char="•"/>
+            </a:pPr>
+            <a:r>
+              <a:rPr b="0" lang="en-US" sz="2800" spc="-1" strike="noStrike">
+                <a:solidFill>
+                  <a:srgbClr val="000000"/>
+                </a:solidFill>
+                <a:latin typeface="Calibri"/>
+                <a:ea typeface="DejaVu Sans"/>
+              </a:rPr>
+              <a:t>Stop lists in popular software are not always good.</a:t>
+            </a:r>
+            <a:endParaRPr b="0" lang="en-US" sz="2800" spc="-1" strike="noStrike">
+              <a:latin typeface="Arial"/>
+            </a:endParaRPr>
+          </a:p>
+          <a:p>
+            <a:pPr marL="228600" indent="-226080">
+              <a:lnSpc>
+                <a:spcPct val="90000"/>
+              </a:lnSpc>
+              <a:spcBef>
+                <a:spcPts val="499"/>
+              </a:spcBef>
+              <a:buClr>
+                <a:srgbClr val="000000"/>
+              </a:buClr>
+              <a:buFont typeface="Arial"/>
+              <a:buChar char="•"/>
+            </a:pPr>
+            <a:r>
+              <a:rPr b="0" lang="en-US" sz="2800" spc="-1" strike="noStrike">
+                <a:solidFill>
+                  <a:srgbClr val="000000"/>
+                </a:solidFill>
+                <a:latin typeface="Calibri"/>
+                <a:ea typeface="DejaVu Sans"/>
+              </a:rPr>
+              <a:t>Custom lists often give better results.</a:t>
             </a:r>
             <a:endParaRPr b="0" lang="en-US" sz="2800" spc="-1" strike="noStrike">
               <a:latin typeface="Arial"/>
@@ -3291,7 +3248,7 @@
         <p:spPr>
           <a:xfrm>
             <a:off x="838080" y="365040"/>
-            <a:ext cx="10513440" cy="1323360"/>
+            <a:ext cx="10513080" cy="1323000"/>
           </a:xfrm>
           <a:prstGeom prst="rect">
             <a:avLst/>
@@ -3325,7 +3282,7 @@
                 <a:latin typeface="Calibri"/>
                 <a:ea typeface="DejaVu Sans"/>
               </a:rPr>
-              <a:t>Stop Words (cont.)</a:t>
+              <a:t>Bag of Words Representation</a:t>
             </a:r>
             <a:endParaRPr b="0" lang="en-US" sz="4400" spc="-1" strike="noStrike">
               <a:latin typeface="Arial"/>
@@ -3342,7 +3299,7 @@
         <p:spPr>
           <a:xfrm>
             <a:off x="838080" y="1825560"/>
-            <a:ext cx="10513440" cy="4349160"/>
+            <a:ext cx="10513080" cy="4348800"/>
           </a:xfrm>
           <a:prstGeom prst="rect">
             <a:avLst/>
@@ -3363,98 +3320,141 @@
             <a:noAutofit/>
           </a:bodyPr>
           <a:p>
-            <a:pPr marL="228600" indent="-226440">
-              <a:lnSpc>
-                <a:spcPct val="90000"/>
-              </a:lnSpc>
-              <a:spcBef>
-                <a:spcPts val="1001"/>
-              </a:spcBef>
-              <a:buClr>
-                <a:srgbClr val="000000"/>
-              </a:buClr>
-              <a:buFont typeface="Arial"/>
-              <a:buChar char="•"/>
-            </a:pPr>
-            <a:r>
-              <a:rPr b="0" lang="en-US" sz="2800" spc="-1" strike="noStrike">
-                <a:solidFill>
-                  <a:srgbClr val="000000"/>
-                </a:solidFill>
-                <a:latin typeface="Calibri"/>
-                <a:ea typeface="DejaVu Sans"/>
-              </a:rPr>
-              <a:t>Stop words have a major impact on topic models.</a:t>
-            </a:r>
-            <a:endParaRPr b="0" lang="en-US" sz="2800" spc="-1" strike="noStrike">
-              <a:latin typeface="Arial"/>
-            </a:endParaRPr>
-          </a:p>
-          <a:p>
-            <a:pPr marL="228600" indent="-226440">
-              <a:lnSpc>
-                <a:spcPct val="90000"/>
-              </a:lnSpc>
-              <a:spcBef>
-                <a:spcPts val="1001"/>
-              </a:spcBef>
-              <a:buClr>
-                <a:srgbClr val="000000"/>
-              </a:buClr>
-              <a:buFont typeface="Arial"/>
-              <a:buChar char="•"/>
-            </a:pPr>
-            <a:r>
-              <a:rPr b="0" lang="en-US" sz="2800" spc="-1" strike="noStrike">
-                <a:solidFill>
-                  <a:srgbClr val="000000"/>
-                </a:solidFill>
-                <a:latin typeface="Calibri"/>
-                <a:ea typeface="DejaVu Sans"/>
-              </a:rPr>
-              <a:t>Stop lists in popular software are not always good.</a:t>
-            </a:r>
-            <a:endParaRPr b="0" lang="en-US" sz="2800" spc="-1" strike="noStrike">
-              <a:latin typeface="Arial"/>
-            </a:endParaRPr>
-          </a:p>
-          <a:p>
-            <a:pPr marL="228600" indent="-226440">
-              <a:lnSpc>
-                <a:spcPct val="90000"/>
-              </a:lnSpc>
-              <a:spcBef>
-                <a:spcPts val="499"/>
-              </a:spcBef>
-              <a:buClr>
-                <a:srgbClr val="000000"/>
-              </a:buClr>
-              <a:buFont typeface="Arial"/>
-              <a:buChar char="•"/>
-            </a:pPr>
-            <a:r>
-              <a:rPr b="0" lang="en-US" sz="2800" spc="-1" strike="noStrike">
-                <a:solidFill>
-                  <a:srgbClr val="000000"/>
-                </a:solidFill>
-                <a:latin typeface="Calibri"/>
-                <a:ea typeface="DejaVu Sans"/>
-              </a:rPr>
-              <a:t>Custom lists often give better results.</a:t>
-            </a:r>
-            <a:endParaRPr b="0" lang="en-US" sz="2800" spc="-1" strike="noStrike">
-              <a:latin typeface="Arial"/>
-            </a:endParaRPr>
-          </a:p>
-          <a:p>
-            <a:pPr>
-              <a:lnSpc>
-                <a:spcPct val="90000"/>
-              </a:lnSpc>
-              <a:spcBef>
-                <a:spcPts val="1001"/>
-              </a:spcBef>
-            </a:pPr>
+            <a:pPr marL="228600" indent="-226080">
+              <a:lnSpc>
+                <a:spcPct val="90000"/>
+              </a:lnSpc>
+              <a:spcBef>
+                <a:spcPts val="1001"/>
+              </a:spcBef>
+              <a:buClr>
+                <a:srgbClr val="000000"/>
+              </a:buClr>
+              <a:buFont typeface="Arial"/>
+              <a:buChar char="•"/>
+            </a:pPr>
+            <a:r>
+              <a:rPr b="0" lang="en-US" sz="2800" spc="-1" strike="noStrike">
+                <a:solidFill>
+                  <a:srgbClr val="000000"/>
+                </a:solidFill>
+                <a:latin typeface="Calibri"/>
+                <a:ea typeface="DejaVu Sans"/>
+              </a:rPr>
+              <a:t>Create a vocabulary from all the unique tokens.</a:t>
+            </a:r>
+            <a:endParaRPr b="0" lang="en-US" sz="2800" spc="-1" strike="noStrike">
+              <a:latin typeface="Arial"/>
+            </a:endParaRPr>
+          </a:p>
+          <a:p>
+            <a:pPr marL="228600" indent="-226080">
+              <a:lnSpc>
+                <a:spcPct val="90000"/>
+              </a:lnSpc>
+              <a:spcBef>
+                <a:spcPts val="1001"/>
+              </a:spcBef>
+              <a:buClr>
+                <a:srgbClr val="000000"/>
+              </a:buClr>
+              <a:buFont typeface="Arial"/>
+              <a:buChar char="•"/>
+            </a:pPr>
+            <a:r>
+              <a:rPr b="0" lang="en-US" sz="2800" spc="-1" strike="noStrike">
+                <a:solidFill>
+                  <a:srgbClr val="000000"/>
+                </a:solidFill>
+                <a:latin typeface="Calibri"/>
+                <a:ea typeface="DejaVu Sans"/>
+              </a:rPr>
+              <a:t>Convert each document to a term vector.</a:t>
+            </a:r>
+            <a:endParaRPr b="0" lang="en-US" sz="2800" spc="-1" strike="noStrike">
+              <a:latin typeface="Arial"/>
+            </a:endParaRPr>
+          </a:p>
+          <a:p>
+            <a:pPr marL="228600" indent="-226080">
+              <a:lnSpc>
+                <a:spcPct val="90000"/>
+              </a:lnSpc>
+              <a:spcBef>
+                <a:spcPts val="1001"/>
+              </a:spcBef>
+              <a:buClr>
+                <a:srgbClr val="000000"/>
+              </a:buClr>
+              <a:buFont typeface="Arial"/>
+              <a:buChar char="•"/>
+            </a:pPr>
+            <a:r>
+              <a:rPr b="0" lang="en-US" sz="2800" spc="-1" strike="noStrike">
+                <a:solidFill>
+                  <a:srgbClr val="000000"/>
+                </a:solidFill>
+                <a:latin typeface="Calibri"/>
+                <a:ea typeface="DejaVu Sans"/>
+              </a:rPr>
+              <a:t>A term vector maps each term to the number of times that term appears in the document.</a:t>
+            </a:r>
+            <a:endParaRPr b="0" lang="en-US" sz="2800" spc="-1" strike="noStrike">
+              <a:latin typeface="Arial"/>
+            </a:endParaRPr>
+          </a:p>
+          <a:p>
+            <a:pPr marL="228600" indent="-226080">
+              <a:lnSpc>
+                <a:spcPct val="90000"/>
+              </a:lnSpc>
+              <a:spcBef>
+                <a:spcPts val="1001"/>
+              </a:spcBef>
+              <a:buClr>
+                <a:srgbClr val="000000"/>
+              </a:buClr>
+              <a:buFont typeface="Arial"/>
+              <a:buChar char="•"/>
+            </a:pPr>
+            <a:r>
+              <a:rPr b="0" lang="en-US" sz="2800" spc="-1" strike="noStrike">
+                <a:solidFill>
+                  <a:srgbClr val="000000"/>
+                </a:solidFill>
+                <a:latin typeface="Calibri"/>
+                <a:ea typeface="DejaVu Sans"/>
+              </a:rPr>
+              <a:t>The document set or corpus is then represented as a stacked set of term vectors.</a:t>
+            </a:r>
+            <a:endParaRPr b="0" lang="en-US" sz="2800" spc="-1" strike="noStrike">
+              <a:latin typeface="Arial"/>
+            </a:endParaRPr>
+          </a:p>
+          <a:p>
+            <a:pPr marL="228600" indent="-226080">
+              <a:lnSpc>
+                <a:spcPct val="90000"/>
+              </a:lnSpc>
+              <a:spcBef>
+                <a:spcPts val="1001"/>
+              </a:spcBef>
+              <a:buClr>
+                <a:srgbClr val="000000"/>
+              </a:buClr>
+              <a:buFont typeface="Arial"/>
+              <a:buChar char="•"/>
+            </a:pPr>
+            <a:r>
+              <a:rPr b="0" lang="en-US" sz="2800" spc="-1" strike="noStrike">
+                <a:solidFill>
+                  <a:srgbClr val="000000"/>
+                </a:solidFill>
+                <a:latin typeface="Calibri"/>
+                <a:ea typeface="DejaVu Sans"/>
+              </a:rPr>
+              <a:t>This is called a document-term matrix.</a:t>
+            </a:r>
             <a:endParaRPr b="0" lang="en-US" sz="2800" spc="-1" strike="noStrike">
               <a:latin typeface="Arial"/>
             </a:endParaRPr>
@@ -3527,7 +3527,7 @@
         <p:spPr>
           <a:xfrm>
             <a:off x="838080" y="365040"/>
-            <a:ext cx="10513440" cy="1323360"/>
+            <a:ext cx="10513080" cy="1323000"/>
           </a:xfrm>
           <a:prstGeom prst="rect">
             <a:avLst/>
@@ -3578,7 +3578,7 @@
         <p:spPr>
           <a:xfrm>
             <a:off x="838080" y="1825560"/>
-            <a:ext cx="10513440" cy="4349160"/>
+            <a:ext cx="10513080" cy="4348800"/>
           </a:xfrm>
           <a:prstGeom prst="rect">
             <a:avLst/>
@@ -3599,7 +3599,7 @@
             <a:noAutofit/>
           </a:bodyPr>
           <a:p>
-            <a:pPr marL="228600" indent="-226440">
+            <a:pPr marL="228600" indent="-226080">
               <a:lnSpc>
                 <a:spcPct val="90000"/>
               </a:lnSpc>
@@ -3627,7 +3627,7 @@
             </a:endParaRPr>
           </a:p>
           <a:p>
-            <a:pPr marL="228600" indent="-226440">
+            <a:pPr marL="228600" indent="-226080">
               <a:lnSpc>
                 <a:spcPct val="90000"/>
               </a:lnSpc>
@@ -3655,7 +3655,7 @@
             </a:endParaRPr>
           </a:p>
           <a:p>
-            <a:pPr marL="228600" indent="-226440">
+            <a:pPr marL="228600" indent="-226080">
               <a:lnSpc>
                 <a:spcPct val="90000"/>
               </a:lnSpc>
@@ -3683,7 +3683,7 @@
             </a:endParaRPr>
           </a:p>
           <a:p>
-            <a:pPr marL="228600" indent="-226440">
+            <a:pPr marL="228600" indent="-226080">
               <a:lnSpc>
                 <a:spcPct val="90000"/>
               </a:lnSpc>
@@ -3778,7 +3778,7 @@
         <p:spPr>
           <a:xfrm>
             <a:off x="838080" y="365040"/>
-            <a:ext cx="10513440" cy="1323360"/>
+            <a:ext cx="10513080" cy="1323000"/>
           </a:xfrm>
           <a:prstGeom prst="rect">
             <a:avLst/>
@@ -3829,7 +3829,7 @@
         <p:spPr>
           <a:xfrm>
             <a:off x="838080" y="1825560"/>
-            <a:ext cx="10513440" cy="4349160"/>
+            <a:ext cx="10513080" cy="4348800"/>
           </a:xfrm>
           <a:prstGeom prst="rect">
             <a:avLst/>
@@ -3850,7 +3850,7 @@
             <a:noAutofit/>
           </a:bodyPr>
           <a:p>
-            <a:pPr marL="228600" indent="-226440">
+            <a:pPr marL="228600" indent="-226080">
               <a:lnSpc>
                 <a:spcPct val="90000"/>
               </a:lnSpc>
@@ -3878,7 +3878,7 @@
             </a:endParaRPr>
           </a:p>
           <a:p>
-            <a:pPr marL="228600" indent="-226440">
+            <a:pPr marL="228600" indent="-226080">
               <a:lnSpc>
                 <a:spcPct val="90000"/>
               </a:lnSpc>
@@ -3906,7 +3906,7 @@
             </a:endParaRPr>
           </a:p>
           <a:p>
-            <a:pPr lvl="1" marL="432000" indent="-215280">
+            <a:pPr lvl="1" marL="432000" indent="-214920">
               <a:lnSpc>
                 <a:spcPct val="90000"/>
               </a:lnSpc>
@@ -3935,7 +3935,7 @@
             </a:endParaRPr>
           </a:p>
           <a:p>
-            <a:pPr lvl="1" marL="432000" indent="-215280">
+            <a:pPr lvl="1" marL="432000" indent="-214920">
               <a:lnSpc>
                 <a:spcPct val="90000"/>
               </a:lnSpc>
@@ -3964,7 +3964,7 @@
             </a:endParaRPr>
           </a:p>
           <a:p>
-            <a:pPr lvl="1" marL="432000" indent="-215280">
+            <a:pPr lvl="1" marL="432000" indent="-214920">
               <a:lnSpc>
                 <a:spcPct val="90000"/>
               </a:lnSpc>
@@ -3993,7 +3993,7 @@
             </a:endParaRPr>
           </a:p>
           <a:p>
-            <a:pPr lvl="1" marL="432000" indent="-215280">
+            <a:pPr lvl="1" marL="432000" indent="-214920">
               <a:lnSpc>
                 <a:spcPct val="90000"/>
               </a:lnSpc>
@@ -4138,7 +4138,7 @@
         <p:spPr>
           <a:xfrm>
             <a:off x="838080" y="365040"/>
-            <a:ext cx="10513440" cy="1323360"/>
+            <a:ext cx="10513080" cy="1323000"/>
           </a:xfrm>
           <a:prstGeom prst="rect">
             <a:avLst/>
@@ -4189,7 +4189,7 @@
         <p:spPr>
           <a:xfrm>
             <a:off x="838080" y="1821240"/>
-            <a:ext cx="10513440" cy="4349160"/>
+            <a:ext cx="10513080" cy="4348800"/>
           </a:xfrm>
           <a:prstGeom prst="rect">
             <a:avLst/>
@@ -4210,7 +4210,7 @@
             <a:noAutofit/>
           </a:bodyPr>
           <a:p>
-            <a:pPr marL="228600" indent="-226440">
+            <a:pPr marL="228600" indent="-226080">
               <a:lnSpc>
                 <a:spcPct val="90000"/>
               </a:lnSpc>
@@ -4238,7 +4238,7 @@
             </a:endParaRPr>
           </a:p>
           <a:p>
-            <a:pPr marL="228600" indent="-226440">
+            <a:pPr marL="228600" indent="-226080">
               <a:lnSpc>
                 <a:spcPct val="90000"/>
               </a:lnSpc>
@@ -4266,7 +4266,7 @@
             </a:endParaRPr>
           </a:p>
           <a:p>
-            <a:pPr marL="228600" indent="-226440">
+            <a:pPr marL="228600" indent="-226080">
               <a:lnSpc>
                 <a:spcPct val="90000"/>
               </a:lnSpc>
@@ -4294,7 +4294,7 @@
             </a:endParaRPr>
           </a:p>
           <a:p>
-            <a:pPr marL="228600" indent="-226440">
+            <a:pPr marL="228600" indent="-226080">
               <a:lnSpc>
                 <a:spcPct val="90000"/>
               </a:lnSpc>
@@ -4425,7 +4425,7 @@
         <p:spPr>
           <a:xfrm>
             <a:off x="838080" y="365040"/>
-            <a:ext cx="10513440" cy="1323360"/>
+            <a:ext cx="10513080" cy="1323000"/>
           </a:xfrm>
           <a:prstGeom prst="rect">
             <a:avLst/>
@@ -4476,7 +4476,7 @@
         <p:spPr>
           <a:xfrm>
             <a:off x="838080" y="1825560"/>
-            <a:ext cx="10513440" cy="4349160"/>
+            <a:ext cx="10513080" cy="4348800"/>
           </a:xfrm>
           <a:prstGeom prst="rect">
             <a:avLst/>
@@ -4497,7 +4497,7 @@
             <a:noAutofit/>
           </a:bodyPr>
           <a:p>
-            <a:pPr marL="228600" indent="-226440">
+            <a:pPr marL="228600" indent="-226080">
               <a:lnSpc>
                 <a:spcPct val="90000"/>
               </a:lnSpc>
@@ -4525,7 +4525,7 @@
             </a:endParaRPr>
           </a:p>
           <a:p>
-            <a:pPr marL="228600" indent="-226440">
+            <a:pPr marL="228600" indent="-226080">
               <a:lnSpc>
                 <a:spcPct val="90000"/>
               </a:lnSpc>
@@ -4553,7 +4553,7 @@
             </a:endParaRPr>
           </a:p>
           <a:p>
-            <a:pPr marL="228600" indent="-226440">
+            <a:pPr marL="228600" indent="-226080">
               <a:lnSpc>
                 <a:spcPct val="90000"/>
               </a:lnSpc>
@@ -4581,7 +4581,7 @@
             </a:endParaRPr>
           </a:p>
           <a:p>
-            <a:pPr marL="228600" indent="-226440">
+            <a:pPr marL="228600" indent="-226080">
               <a:lnSpc>
                 <a:spcPct val="90000"/>
               </a:lnSpc>
@@ -4689,7 +4689,7 @@
         <p:spPr>
           <a:xfrm>
             <a:off x="838080" y="365040"/>
-            <a:ext cx="10513440" cy="1323360"/>
+            <a:ext cx="10513080" cy="1323000"/>
           </a:xfrm>
           <a:prstGeom prst="rect">
             <a:avLst/>
@@ -4740,7 +4740,7 @@
         <p:spPr>
           <a:xfrm>
             <a:off x="838080" y="1825560"/>
-            <a:ext cx="10513440" cy="4349160"/>
+            <a:ext cx="10513080" cy="4348800"/>
           </a:xfrm>
           <a:prstGeom prst="rect">
             <a:avLst/>
@@ -4761,7 +4761,7 @@
             <a:noAutofit/>
           </a:bodyPr>
           <a:p>
-            <a:pPr marL="228600" indent="-226440">
+            <a:pPr marL="228600" indent="-226080">
               <a:lnSpc>
                 <a:spcPct val="100000"/>
               </a:lnSpc>
@@ -4789,7 +4789,7 @@
             </a:endParaRPr>
           </a:p>
           <a:p>
-            <a:pPr marL="228600" indent="-226440">
+            <a:pPr marL="228600" indent="-226080">
               <a:lnSpc>
                 <a:spcPct val="100000"/>
               </a:lnSpc>
@@ -4817,7 +4817,7 @@
             </a:endParaRPr>
           </a:p>
           <a:p>
-            <a:pPr marL="228600" indent="-226440">
+            <a:pPr marL="228600" indent="-226080">
               <a:lnSpc>
                 <a:spcPct val="100000"/>
               </a:lnSpc>
@@ -4845,7 +4845,7 @@
             </a:endParaRPr>
           </a:p>
           <a:p>
-            <a:pPr marL="228600" indent="-226440">
+            <a:pPr marL="228600" indent="-226080">
               <a:lnSpc>
                 <a:spcPct val="100000"/>
               </a:lnSpc>
@@ -4873,7 +4873,7 @@
             </a:endParaRPr>
           </a:p>
           <a:p>
-            <a:pPr marL="228600" indent="-226440">
+            <a:pPr marL="228600" indent="-226080">
               <a:lnSpc>
                 <a:spcPct val="100000"/>
               </a:lnSpc>
@@ -4968,7 +4968,7 @@
         <p:spPr>
           <a:xfrm>
             <a:off x="838080" y="365040"/>
-            <a:ext cx="10513440" cy="1323360"/>
+            <a:ext cx="10513080" cy="1323000"/>
           </a:xfrm>
           <a:prstGeom prst="rect">
             <a:avLst/>
@@ -5019,7 +5019,7 @@
         <p:spPr>
           <a:xfrm>
             <a:off x="838080" y="1825560"/>
-            <a:ext cx="10513440" cy="4349160"/>
+            <a:ext cx="10513080" cy="4348800"/>
           </a:xfrm>
           <a:prstGeom prst="rect">
             <a:avLst/>
@@ -5040,7 +5040,7 @@
             <a:noAutofit/>
           </a:bodyPr>
           <a:p>
-            <a:pPr marL="228600" indent="-226440">
+            <a:pPr marL="228600" indent="-226080">
               <a:lnSpc>
                 <a:spcPct val="90000"/>
               </a:lnSpc>
@@ -5068,7 +5068,7 @@
             </a:endParaRPr>
           </a:p>
           <a:p>
-            <a:pPr marL="228600" indent="-226440">
+            <a:pPr marL="228600" indent="-226080">
               <a:lnSpc>
                 <a:spcPct val="90000"/>
               </a:lnSpc>
@@ -5096,7 +5096,7 @@
             </a:endParaRPr>
           </a:p>
           <a:p>
-            <a:pPr marL="228600" indent="-226440">
+            <a:pPr marL="228600" indent="-226080">
               <a:lnSpc>
                 <a:spcPct val="90000"/>
               </a:lnSpc>
@@ -5124,7 +5124,7 @@
             </a:endParaRPr>
           </a:p>
           <a:p>
-            <a:pPr lvl="1" marL="685800" indent="-226440">
+            <a:pPr lvl="1" marL="685800" indent="-226080">
               <a:lnSpc>
                 <a:spcPct val="90000"/>
               </a:lnSpc>
@@ -5152,7 +5152,7 @@
             </a:endParaRPr>
           </a:p>
           <a:p>
-            <a:pPr lvl="1" marL="685800" indent="-226440">
+            <a:pPr lvl="1" marL="685800" indent="-226080">
               <a:lnSpc>
                 <a:spcPct val="90000"/>
               </a:lnSpc>
@@ -5180,7 +5180,7 @@
             </a:endParaRPr>
           </a:p>
           <a:p>
-            <a:pPr lvl="1" marL="685800" indent="-226440">
+            <a:pPr lvl="1" marL="685800" indent="-226080">
               <a:lnSpc>
                 <a:spcPct val="90000"/>
               </a:lnSpc>
@@ -5208,7 +5208,7 @@
             </a:endParaRPr>
           </a:p>
           <a:p>
-            <a:pPr marL="228600" indent="-226440">
+            <a:pPr marL="228600" indent="-226080">
               <a:lnSpc>
                 <a:spcPct val="90000"/>
               </a:lnSpc>
@@ -5236,7 +5236,7 @@
             </a:endParaRPr>
           </a:p>
           <a:p>
-            <a:pPr lvl="1" marL="685800" indent="-226440">
+            <a:pPr lvl="1" marL="685800" indent="-226080">
               <a:lnSpc>
                 <a:spcPct val="90000"/>
               </a:lnSpc>
@@ -5264,7 +5264,7 @@
             </a:endParaRPr>
           </a:p>
           <a:p>
-            <a:pPr lvl="1" marL="685800" indent="-226440">
+            <a:pPr lvl="1" marL="685800" indent="-226080">
               <a:lnSpc>
                 <a:spcPct val="90000"/>
               </a:lnSpc>
@@ -5359,7 +5359,7 @@
         <p:spPr>
           <a:xfrm>
             <a:off x="838080" y="365040"/>
-            <a:ext cx="10513440" cy="1323360"/>
+            <a:ext cx="10513080" cy="1323000"/>
           </a:xfrm>
           <a:prstGeom prst="rect">
             <a:avLst/>
@@ -5410,7 +5410,7 @@
         <p:spPr>
           <a:xfrm>
             <a:off x="838080" y="1825560"/>
-            <a:ext cx="10513440" cy="4349160"/>
+            <a:ext cx="10513080" cy="4348800"/>
           </a:xfrm>
           <a:prstGeom prst="rect">
             <a:avLst/>
@@ -5441,7 +5441,7 @@
             </a:endParaRPr>
           </a:p>
           <a:p>
-            <a:pPr lvl="1" marL="432000" indent="-215280">
+            <a:pPr lvl="1" marL="432000" indent="-214920">
               <a:lnSpc>
                 <a:spcPct val="100000"/>
               </a:lnSpc>
@@ -5467,7 +5467,7 @@
             </a:endParaRPr>
           </a:p>
           <a:p>
-            <a:pPr lvl="1" marL="432000" indent="-215280">
+            <a:pPr lvl="1" marL="432000" indent="-214920">
               <a:lnSpc>
                 <a:spcPct val="100000"/>
               </a:lnSpc>
@@ -5503,7 +5503,7 @@
             </a:endParaRPr>
           </a:p>
           <a:p>
-            <a:pPr lvl="1" marL="432000" indent="-215280">
+            <a:pPr lvl="1" marL="432000" indent="-214920">
               <a:lnSpc>
                 <a:spcPct val="100000"/>
               </a:lnSpc>
@@ -5529,7 +5529,7 @@
             </a:endParaRPr>
           </a:p>
           <a:p>
-            <a:pPr lvl="1" marL="432000" indent="-215280">
+            <a:pPr lvl="1" marL="432000" indent="-214920">
               <a:lnSpc>
                 <a:spcPct val="100000"/>
               </a:lnSpc>
@@ -5555,7 +5555,7 @@
             </a:endParaRPr>
           </a:p>
           <a:p>
-            <a:pPr lvl="1" marL="432000" indent="-215280">
+            <a:pPr lvl="1" marL="432000" indent="-214920">
               <a:lnSpc>
                 <a:spcPct val="100000"/>
               </a:lnSpc>
@@ -5648,7 +5648,7 @@
         <p:spPr>
           <a:xfrm>
             <a:off x="838080" y="365040"/>
-            <a:ext cx="10513440" cy="1323360"/>
+            <a:ext cx="10513080" cy="1323000"/>
           </a:xfrm>
           <a:prstGeom prst="rect">
             <a:avLst/>
@@ -5699,7 +5699,7 @@
         <p:spPr>
           <a:xfrm>
             <a:off x="838080" y="1825560"/>
-            <a:ext cx="10513440" cy="4349160"/>
+            <a:ext cx="10513080" cy="4348800"/>
           </a:xfrm>
           <a:prstGeom prst="rect">
             <a:avLst/>
@@ -5720,7 +5720,7 @@
             <a:noAutofit/>
           </a:bodyPr>
           <a:p>
-            <a:pPr marL="228600" indent="-226440">
+            <a:pPr marL="228600" indent="-226080">
               <a:lnSpc>
                 <a:spcPct val="90000"/>
               </a:lnSpc>
@@ -5748,7 +5748,7 @@
             </a:endParaRPr>
           </a:p>
           <a:p>
-            <a:pPr lvl="1" marL="685800" indent="-226440">
+            <a:pPr lvl="1" marL="685800" indent="-226080">
               <a:lnSpc>
                 <a:spcPct val="90000"/>
               </a:lnSpc>
@@ -5776,7 +5776,7 @@
             </a:endParaRPr>
           </a:p>
           <a:p>
-            <a:pPr lvl="1" marL="685800" indent="-226440">
+            <a:pPr lvl="1" marL="685800" indent="-226080">
               <a:lnSpc>
                 <a:spcPct val="90000"/>
               </a:lnSpc>
@@ -5804,7 +5804,7 @@
             </a:endParaRPr>
           </a:p>
           <a:p>
-            <a:pPr lvl="1" marL="685800" indent="-226440">
+            <a:pPr lvl="1" marL="685800" indent="-226080">
               <a:lnSpc>
                 <a:spcPct val="90000"/>
               </a:lnSpc>
@@ -5832,7 +5832,7 @@
             </a:endParaRPr>
           </a:p>
           <a:p>
-            <a:pPr lvl="1" marL="685800" indent="-226440">
+            <a:pPr lvl="1" marL="685800" indent="-226080">
               <a:lnSpc>
                 <a:spcPct val="90000"/>
               </a:lnSpc>
@@ -5860,7 +5860,7 @@
             </a:endParaRPr>
           </a:p>
           <a:p>
-            <a:pPr lvl="1" marL="685800" indent="-226440">
+            <a:pPr lvl="1" marL="685800" indent="-226080">
               <a:lnSpc>
                 <a:spcPct val="90000"/>
               </a:lnSpc>
@@ -5888,7 +5888,7 @@
             </a:endParaRPr>
           </a:p>
           <a:p>
-            <a:pPr lvl="1" marL="685800" indent="-226440">
+            <a:pPr lvl="1" marL="685800" indent="-226080">
               <a:lnSpc>
                 <a:spcPct val="90000"/>
               </a:lnSpc>
@@ -5916,7 +5916,7 @@
             </a:endParaRPr>
           </a:p>
           <a:p>
-            <a:pPr lvl="1" marL="685800" indent="-226440">
+            <a:pPr lvl="1" marL="685800" indent="-226080">
               <a:lnSpc>
                 <a:spcPct val="90000"/>
               </a:lnSpc>
@@ -5944,7 +5944,7 @@
             </a:endParaRPr>
           </a:p>
           <a:p>
-            <a:pPr lvl="1" marL="685800" indent="-226440">
+            <a:pPr lvl="1" marL="685800" indent="-226080">
               <a:lnSpc>
                 <a:spcPct val="90000"/>
               </a:lnSpc>
@@ -5972,7 +5972,7 @@
             </a:endParaRPr>
           </a:p>
           <a:p>
-            <a:pPr marL="228600" indent="-226440">
+            <a:pPr marL="228600" indent="-226080">
               <a:lnSpc>
                 <a:spcPct val="90000"/>
               </a:lnSpc>
@@ -6067,7 +6067,7 @@
         <p:spPr>
           <a:xfrm>
             <a:off x="838080" y="365040"/>
-            <a:ext cx="10513440" cy="1323360"/>
+            <a:ext cx="10513080" cy="1323000"/>
           </a:xfrm>
           <a:prstGeom prst="rect">
             <a:avLst/>
@@ -6118,7 +6118,7 @@
         <p:spPr>
           <a:xfrm>
             <a:off x="838080" y="1825560"/>
-            <a:ext cx="10513440" cy="4349160"/>
+            <a:ext cx="10513080" cy="4348800"/>
           </a:xfrm>
           <a:prstGeom prst="rect">
             <a:avLst/>
@@ -6139,7 +6139,7 @@
             <a:noAutofit/>
           </a:bodyPr>
           <a:p>
-            <a:pPr marL="228600" indent="-226440">
+            <a:pPr marL="228600" indent="-226080">
               <a:lnSpc>
                 <a:spcPct val="90000"/>
               </a:lnSpc>
@@ -6167,12 +6167,68 @@
             </a:endParaRPr>
           </a:p>
           <a:p>
+            <a:pPr lvl="1" marL="685800" indent="-226080">
+              <a:lnSpc>
+                <a:spcPct val="90000"/>
+              </a:lnSpc>
+              <a:spcBef>
+                <a:spcPts val="499"/>
+              </a:spcBef>
+              <a:buClr>
+                <a:srgbClr val="000000"/>
+              </a:buClr>
+              <a:buFont typeface="Arial"/>
+              <a:buChar char="•"/>
+            </a:pPr>
+            <a:r>
+              <a:rPr b="0" lang="en-US" sz="2400" spc="-1" strike="noStrike">
+                <a:solidFill>
+                  <a:srgbClr val="000000"/>
+                </a:solidFill>
+                <a:latin typeface="Calibri"/>
+                <a:ea typeface="DejaVu Sans"/>
+              </a:rPr>
+              <a:t>Latent Dirichlet Allocation (LDA)</a:t>
+            </a:r>
+            <a:endParaRPr b="0" lang="en-US" sz="2400" spc="-1" strike="noStrike">
+              <a:latin typeface="Arial"/>
+            </a:endParaRPr>
+          </a:p>
+          <a:p>
+            <a:pPr marL="228600" indent="-226080">
+              <a:lnSpc>
+                <a:spcPct val="90000"/>
+              </a:lnSpc>
+              <a:spcBef>
+                <a:spcPts val="1001"/>
+              </a:spcBef>
+              <a:buClr>
+                <a:srgbClr val="000000"/>
+              </a:buClr>
+              <a:buFont typeface="Arial"/>
+              <a:buChar char="•"/>
+            </a:pPr>
+            <a:r>
+              <a:rPr b="0" lang="en-US" sz="2800" spc="-1" strike="noStrike">
+                <a:solidFill>
+                  <a:srgbClr val="000000"/>
+                </a:solidFill>
+                <a:latin typeface="Calibri"/>
+                <a:ea typeface="DejaVu Sans"/>
+              </a:rPr>
+              <a:t>Matrix decomposition-based approaches:</a:t>
+            </a:r>
+            <a:endParaRPr b="0" lang="en-US" sz="2800" spc="-1" strike="noStrike">
+              <a:latin typeface="Arial"/>
+            </a:endParaRPr>
+          </a:p>
+          <a:p>
             <a:pPr lvl="1" marL="685800" indent="-226440">
               <a:lnSpc>
-                <a:spcPct val="90000"/>
-              </a:lnSpc>
-              <a:spcBef>
-                <a:spcPts val="499"/>
+                <a:spcPct val="100000"/>
+              </a:lnSpc>
+              <a:spcBef>
+                <a:spcPts val="1134"/>
               </a:spcBef>
               <a:buClr>
                 <a:srgbClr val="000000"/>
@@ -6188,42 +6244,14 @@
                 <a:latin typeface="Calibri"/>
                 <a:ea typeface="DejaVu Sans"/>
               </a:rPr>
-              <a:t>Latent Dirichlet Allocation (LDA)</a:t>
+              <a:t>Latent Semantic Indexing (LSI)</a:t>
             </a:r>
             <a:endParaRPr b="0" lang="en-US" sz="2400" spc="-1" strike="noStrike">
               <a:latin typeface="Arial"/>
             </a:endParaRPr>
           </a:p>
           <a:p>
-            <a:pPr marL="228600" indent="-226440">
-              <a:lnSpc>
-                <a:spcPct val="90000"/>
-              </a:lnSpc>
-              <a:spcBef>
-                <a:spcPts val="1001"/>
-              </a:spcBef>
-              <a:buClr>
-                <a:srgbClr val="000000"/>
-              </a:buClr>
-              <a:buFont typeface="Arial"/>
-              <a:buChar char="•"/>
-            </a:pPr>
-            <a:r>
-              <a:rPr b="0" lang="en-US" sz="2800" spc="-1" strike="noStrike">
-                <a:solidFill>
-                  <a:srgbClr val="000000"/>
-                </a:solidFill>
-                <a:latin typeface="Calibri"/>
-                <a:ea typeface="DejaVu Sans"/>
-              </a:rPr>
-              <a:t>Matrix decomposition-based approaches:</a:t>
-            </a:r>
-            <a:endParaRPr b="0" lang="en-US" sz="2800" spc="-1" strike="noStrike">
-              <a:latin typeface="Arial"/>
-            </a:endParaRPr>
-          </a:p>
-          <a:p>
-            <a:pPr lvl="1" marL="685800" indent="-226800">
+            <a:pPr lvl="1" marL="685800" indent="-226440">
               <a:lnSpc>
                 <a:spcPct val="100000"/>
               </a:lnSpc>
@@ -6244,42 +6272,14 @@
                 <a:latin typeface="Calibri"/>
                 <a:ea typeface="DejaVu Sans"/>
               </a:rPr>
-              <a:t>Latent Semantic Indexing (LSI)</a:t>
+              <a:t>Non-negative Matrix Factorization (NNMF)</a:t>
             </a:r>
             <a:endParaRPr b="0" lang="en-US" sz="2400" spc="-1" strike="noStrike">
               <a:latin typeface="Arial"/>
             </a:endParaRPr>
           </a:p>
           <a:p>
-            <a:pPr lvl="1" marL="685800" indent="-226800">
-              <a:lnSpc>
-                <a:spcPct val="100000"/>
-              </a:lnSpc>
-              <a:spcBef>
-                <a:spcPts val="1134"/>
-              </a:spcBef>
-              <a:buClr>
-                <a:srgbClr val="000000"/>
-              </a:buClr>
-              <a:buFont typeface="Arial"/>
-              <a:buChar char="•"/>
-            </a:pPr>
-            <a:r>
-              <a:rPr b="0" lang="en-US" sz="2400" spc="-1" strike="noStrike">
-                <a:solidFill>
-                  <a:srgbClr val="000000"/>
-                </a:solidFill>
-                <a:latin typeface="Calibri"/>
-                <a:ea typeface="DejaVu Sans"/>
-              </a:rPr>
-              <a:t>Non-negative Matrix Factorization (NNMF)</a:t>
-            </a:r>
-            <a:endParaRPr b="0" lang="en-US" sz="2400" spc="-1" strike="noStrike">
-              <a:latin typeface="Arial"/>
-            </a:endParaRPr>
-          </a:p>
-          <a:p>
-            <a:pPr lvl="1" marL="685800" indent="-226800">
+            <a:pPr lvl="1" marL="685800" indent="-226440">
               <a:lnSpc>
                 <a:spcPct val="100000"/>
               </a:lnSpc>
@@ -6387,7 +6387,7 @@
         <p:spPr>
           <a:xfrm>
             <a:off x="838080" y="365040"/>
-            <a:ext cx="10513440" cy="1323360"/>
+            <a:ext cx="10513080" cy="1323000"/>
           </a:xfrm>
           <a:prstGeom prst="rect">
             <a:avLst/>
@@ -6588,7 +6588,7 @@
             </a:endParaRPr>
           </a:p>
           <a:p>
-            <a:pPr lvl="3" marL="864000" indent="-214920">
+            <a:pPr lvl="3" marL="864000" indent="-214560">
               <a:lnSpc>
                 <a:spcPct val="90000"/>
               </a:lnSpc>
@@ -6614,7 +6614,7 @@
             </a:endParaRPr>
           </a:p>
           <a:p>
-            <a:pPr lvl="3" marL="864000" indent="-214920">
+            <a:pPr lvl="3" marL="864000" indent="-214560">
               <a:lnSpc>
                 <a:spcPct val="90000"/>
               </a:lnSpc>
@@ -6710,7 +6710,7 @@
         <p:spPr>
           <a:xfrm>
             <a:off x="838080" y="2905560"/>
-            <a:ext cx="10513440" cy="4349160"/>
+            <a:ext cx="10513080" cy="4348800"/>
           </a:xfrm>
           <a:prstGeom prst="rect">
             <a:avLst/>
@@ -6736,7 +6736,7 @@
         <p:spPr>
           <a:xfrm>
             <a:off x="634320" y="5168520"/>
-            <a:ext cx="179640" cy="394560"/>
+            <a:ext cx="179280" cy="394200"/>
           </a:xfrm>
           <a:prstGeom prst="rect">
             <a:avLst/>
@@ -6819,7 +6819,7 @@
         <p:spPr>
           <a:xfrm>
             <a:off x="838080" y="365040"/>
-            <a:ext cx="10513440" cy="1323360"/>
+            <a:ext cx="10513080" cy="1323000"/>
           </a:xfrm>
           <a:prstGeom prst="rect">
             <a:avLst/>
@@ -7020,7 +7020,7 @@
             </a:endParaRPr>
           </a:p>
           <a:p>
-            <a:pPr lvl="3" marL="864000" indent="-214920">
+            <a:pPr lvl="3" marL="864000" indent="-214560">
               <a:lnSpc>
                 <a:spcPct val="90000"/>
               </a:lnSpc>
@@ -7046,7 +7046,7 @@
             </a:endParaRPr>
           </a:p>
           <a:p>
-            <a:pPr lvl="3" marL="864000" indent="-214920">
+            <a:pPr lvl="3" marL="864000" indent="-214560">
               <a:lnSpc>
                 <a:spcPct val="90000"/>
               </a:lnSpc>
@@ -7132,7 +7132,7 @@
         <p:spPr>
           <a:xfrm>
             <a:off x="838080" y="2905560"/>
-            <a:ext cx="10513440" cy="4349160"/>
+            <a:ext cx="10513080" cy="4348800"/>
           </a:xfrm>
           <a:prstGeom prst="rect">
             <a:avLst/>
@@ -7158,7 +7158,7 @@
         <p:spPr>
           <a:xfrm>
             <a:off x="634320" y="5168520"/>
-            <a:ext cx="179640" cy="394560"/>
+            <a:ext cx="179280" cy="394200"/>
           </a:xfrm>
           <a:prstGeom prst="rect">
             <a:avLst/>
@@ -7241,7 +7241,7 @@
         <p:spPr>
           <a:xfrm>
             <a:off x="838080" y="365040"/>
-            <a:ext cx="10513440" cy="1323360"/>
+            <a:ext cx="10513080" cy="1323000"/>
           </a:xfrm>
           <a:prstGeom prst="rect">
             <a:avLst/>
@@ -7292,7 +7292,7 @@
         <p:spPr>
           <a:xfrm>
             <a:off x="838080" y="1825560"/>
-            <a:ext cx="10513440" cy="4349160"/>
+            <a:ext cx="10513080" cy="4348800"/>
           </a:xfrm>
           <a:prstGeom prst="rect">
             <a:avLst/>
@@ -7313,7 +7313,7 @@
             <a:noAutofit/>
           </a:bodyPr>
           <a:p>
-            <a:pPr marL="228600" indent="-226440">
+            <a:pPr marL="228600" indent="-226080">
               <a:lnSpc>
                 <a:spcPct val="90000"/>
               </a:lnSpc>
@@ -7341,7 +7341,7 @@
             </a:endParaRPr>
           </a:p>
           <a:p>
-            <a:pPr marL="228600" indent="-226440">
+            <a:pPr marL="228600" indent="-226080">
               <a:lnSpc>
                 <a:spcPct val="90000"/>
               </a:lnSpc>
@@ -7369,7 +7369,7 @@
             </a:endParaRPr>
           </a:p>
           <a:p>
-            <a:pPr marL="228600" indent="-226440">
+            <a:pPr marL="228600" indent="-226080">
               <a:lnSpc>
                 <a:spcPct val="90000"/>
               </a:lnSpc>
@@ -7397,7 +7397,7 @@
             </a:endParaRPr>
           </a:p>
           <a:p>
-            <a:pPr marL="228600" indent="-226440">
+            <a:pPr marL="228600" indent="-226080">
               <a:lnSpc>
                 <a:spcPct val="90000"/>
               </a:lnSpc>
@@ -7425,7 +7425,7 @@
             </a:endParaRPr>
           </a:p>
           <a:p>
-            <a:pPr marL="228600" indent="-226440">
+            <a:pPr marL="228600" indent="-226080">
               <a:lnSpc>
                 <a:spcPct val="90000"/>
               </a:lnSpc>
@@ -7453,7 +7453,7 @@
             </a:endParaRPr>
           </a:p>
           <a:p>
-            <a:pPr marL="228600" indent="-226440">
+            <a:pPr marL="228600" indent="-226080">
               <a:lnSpc>
                 <a:spcPct val="90000"/>
               </a:lnSpc>
@@ -7481,7 +7481,7 @@
             </a:endParaRPr>
           </a:p>
           <a:p>
-            <a:pPr lvl="1" marL="432000" indent="-214920">
+            <a:pPr lvl="1" marL="432000" indent="-214560">
               <a:lnSpc>
                 <a:spcPct val="90000"/>
               </a:lnSpc>
@@ -7510,7 +7510,7 @@
             </a:endParaRPr>
           </a:p>
           <a:p>
-            <a:pPr lvl="1" marL="432000" indent="-214920">
+            <a:pPr lvl="1" marL="432000" indent="-214560">
               <a:lnSpc>
                 <a:spcPct val="90000"/>
               </a:lnSpc>
@@ -7606,7 +7606,7 @@
         <p:spPr>
           <a:xfrm>
             <a:off x="838080" y="365040"/>
-            <a:ext cx="10513440" cy="1323360"/>
+            <a:ext cx="10513080" cy="1323000"/>
           </a:xfrm>
           <a:prstGeom prst="rect">
             <a:avLst/>
@@ -7657,7 +7657,7 @@
         <p:spPr>
           <a:xfrm>
             <a:off x="838080" y="1825560"/>
-            <a:ext cx="10513440" cy="4349160"/>
+            <a:ext cx="10513080" cy="4348800"/>
           </a:xfrm>
           <a:prstGeom prst="rect">
             <a:avLst/>
@@ -7678,7 +7678,7 @@
             <a:noAutofit/>
           </a:bodyPr>
           <a:p>
-            <a:pPr marL="228600" indent="-226440">
+            <a:pPr marL="228600" indent="-226080">
               <a:lnSpc>
                 <a:spcPct val="90000"/>
               </a:lnSpc>
@@ -7706,7 +7706,7 @@
             </a:endParaRPr>
           </a:p>
           <a:p>
-            <a:pPr marL="228600" indent="-226440">
+            <a:pPr marL="228600" indent="-226080">
               <a:lnSpc>
                 <a:spcPct val="90000"/>
               </a:lnSpc>
@@ -7734,7 +7734,7 @@
             </a:endParaRPr>
           </a:p>
           <a:p>
-            <a:pPr marL="228600" indent="-226440">
+            <a:pPr marL="228600" indent="-226080">
               <a:lnSpc>
                 <a:spcPct val="90000"/>
               </a:lnSpc>
@@ -7762,7 +7762,7 @@
             </a:endParaRPr>
           </a:p>
           <a:p>
-            <a:pPr lvl="1" marL="685800" indent="-226440">
+            <a:pPr lvl="1" marL="685800" indent="-226080">
               <a:lnSpc>
                 <a:spcPct val="90000"/>
               </a:lnSpc>
@@ -7790,7 +7790,7 @@
             </a:endParaRPr>
           </a:p>
           <a:p>
-            <a:pPr lvl="1" marL="685800" indent="-226440">
+            <a:pPr lvl="1" marL="685800" indent="-226080">
               <a:lnSpc>
                 <a:spcPct val="90000"/>
               </a:lnSpc>
@@ -7818,7 +7818,7 @@
             </a:endParaRPr>
           </a:p>
           <a:p>
-            <a:pPr lvl="1" marL="685800" indent="-226440">
+            <a:pPr lvl="1" marL="685800" indent="-226080">
               <a:lnSpc>
                 <a:spcPct val="90000"/>
               </a:lnSpc>
@@ -7839,7 +7839,7 @@
                 <a:latin typeface="Calibri"/>
                 <a:ea typeface="DejaVu Sans"/>
               </a:rPr>
-              <a:t>Sci-kit Learn does not compute coherence.</a:t>
+              <a:t>Sci-kit Learn does not compute coherence, but we will see how we can write code to do it using Sci-kit output.</a:t>
             </a:r>
             <a:endParaRPr b="0" lang="en-US" sz="2400" spc="-1" strike="noStrike">
               <a:latin typeface="Arial"/>
@@ -7913,7 +7913,7 @@
         <p:spPr>
           <a:xfrm>
             <a:off x="838080" y="365040"/>
-            <a:ext cx="10513440" cy="1323360"/>
+            <a:ext cx="10513080" cy="1323000"/>
           </a:xfrm>
           <a:prstGeom prst="rect">
             <a:avLst/>
@@ -7964,7 +7964,7 @@
         <p:spPr>
           <a:xfrm>
             <a:off x="838080" y="1825560"/>
-            <a:ext cx="10513440" cy="4349160"/>
+            <a:ext cx="10513080" cy="4348800"/>
           </a:xfrm>
           <a:prstGeom prst="rect">
             <a:avLst/>
@@ -7985,7 +7985,7 @@
             <a:noAutofit/>
           </a:bodyPr>
           <a:p>
-            <a:pPr marL="228600" indent="-226440">
+            <a:pPr marL="228600" indent="-226080">
               <a:lnSpc>
                 <a:spcPct val="90000"/>
               </a:lnSpc>
@@ -8013,7 +8013,7 @@
             </a:endParaRPr>
           </a:p>
           <a:p>
-            <a:pPr marL="228600" indent="-226440">
+            <a:pPr marL="228600" indent="-226080">
               <a:lnSpc>
                 <a:spcPct val="90000"/>
               </a:lnSpc>
@@ -8041,7 +8041,7 @@
             </a:endParaRPr>
           </a:p>
           <a:p>
-            <a:pPr marL="228600" indent="-226440">
+            <a:pPr marL="228600" indent="-226080">
               <a:lnSpc>
                 <a:spcPct val="90000"/>
               </a:lnSpc>
@@ -8069,7 +8069,7 @@
             </a:endParaRPr>
           </a:p>
           <a:p>
-            <a:pPr marL="228600" indent="-226440">
+            <a:pPr marL="228600" indent="-226080">
               <a:lnSpc>
                 <a:spcPct val="90000"/>
               </a:lnSpc>
@@ -8097,56 +8097,56 @@
             </a:endParaRPr>
           </a:p>
           <a:p>
-            <a:pPr marL="228600" indent="-226440">
-              <a:lnSpc>
-                <a:spcPct val="90000"/>
-              </a:lnSpc>
-              <a:spcBef>
-                <a:spcPts val="1001"/>
-              </a:spcBef>
-              <a:buClr>
-                <a:srgbClr val="000000"/>
-              </a:buClr>
-              <a:buFont typeface="Arial"/>
-              <a:buChar char="•"/>
-            </a:pPr>
-            <a:r>
-              <a:rPr b="0" lang="en-US" sz="2800" spc="-1" strike="noStrike">
-                <a:solidFill>
-                  <a:srgbClr val="000000"/>
-                </a:solidFill>
-                <a:latin typeface="Calibri"/>
-                <a:ea typeface="DejaVu Sans"/>
-              </a:rPr>
-              <a:t>Use Gensim to get coherence values -- sci-kit learn does not provide coherence.  (You can write your own code to compute coherence.)</a:t>
-            </a:r>
-            <a:endParaRPr b="0" lang="en-US" sz="2800" spc="-1" strike="noStrike">
-              <a:latin typeface="Arial"/>
-            </a:endParaRPr>
-          </a:p>
-          <a:p>
-            <a:pPr marL="228600" indent="-226440">
-              <a:lnSpc>
-                <a:spcPct val="90000"/>
-              </a:lnSpc>
-              <a:spcBef>
-                <a:spcPts val="1001"/>
-              </a:spcBef>
-              <a:buClr>
-                <a:srgbClr val="000000"/>
-              </a:buClr>
-              <a:buFont typeface="Arial"/>
-              <a:buChar char="•"/>
-            </a:pPr>
-            <a:r>
-              <a:rPr b="0" lang="en-US" sz="2800" spc="-1" strike="noStrike">
-                <a:solidFill>
-                  <a:srgbClr val="000000"/>
-                </a:solidFill>
-                <a:latin typeface="Calibri"/>
-                <a:ea typeface="DejaVu Sans"/>
-              </a:rPr>
-              <a:t>sklearn does include grid search methods.</a:t>
+            <a:pPr marL="228600" indent="-226080">
+              <a:lnSpc>
+                <a:spcPct val="90000"/>
+              </a:lnSpc>
+              <a:spcBef>
+                <a:spcPts val="1001"/>
+              </a:spcBef>
+              <a:buClr>
+                <a:srgbClr val="000000"/>
+              </a:buClr>
+              <a:buFont typeface="Arial"/>
+              <a:buChar char="•"/>
+            </a:pPr>
+            <a:r>
+              <a:rPr b="0" lang="en-US" sz="2800" spc="-1" strike="noStrike">
+                <a:solidFill>
+                  <a:srgbClr val="000000"/>
+                </a:solidFill>
+                <a:latin typeface="Calibri"/>
+                <a:ea typeface="DejaVu Sans"/>
+              </a:rPr>
+              <a:t>Use Gensim to get coherence values -- Sci-kit Learn does not provide coherence.  (You can write your own code to compute coherence.)</a:t>
+            </a:r>
+            <a:endParaRPr b="0" lang="en-US" sz="2800" spc="-1" strike="noStrike">
+              <a:latin typeface="Arial"/>
+            </a:endParaRPr>
+          </a:p>
+          <a:p>
+            <a:pPr marL="228600" indent="-226080">
+              <a:lnSpc>
+                <a:spcPct val="90000"/>
+              </a:lnSpc>
+              <a:spcBef>
+                <a:spcPts val="1001"/>
+              </a:spcBef>
+              <a:buClr>
+                <a:srgbClr val="000000"/>
+              </a:buClr>
+              <a:buFont typeface="Arial"/>
+              <a:buChar char="•"/>
+            </a:pPr>
+            <a:r>
+              <a:rPr b="0" lang="en-US" sz="2800" spc="-1" strike="noStrike">
+                <a:solidFill>
+                  <a:srgbClr val="000000"/>
+                </a:solidFill>
+                <a:latin typeface="Calibri"/>
+                <a:ea typeface="DejaVu Sans"/>
+              </a:rPr>
+              <a:t>Sci-kit Learn does include grid search methods.  We won’t discuss those today.</a:t>
             </a:r>
             <a:endParaRPr b="0" lang="en-US" sz="2800" spc="-1" strike="noStrike">
               <a:latin typeface="Arial"/>
@@ -8220,7 +8220,7 @@
         <p:spPr>
           <a:xfrm>
             <a:off x="838080" y="365040"/>
-            <a:ext cx="10513440" cy="1323360"/>
+            <a:ext cx="10513080" cy="1323000"/>
           </a:xfrm>
           <a:prstGeom prst="rect">
             <a:avLst/>
@@ -8271,7 +8271,7 @@
         <p:spPr>
           <a:xfrm>
             <a:off x="838080" y="1825560"/>
-            <a:ext cx="10513440" cy="4349160"/>
+            <a:ext cx="10513080" cy="4348800"/>
           </a:xfrm>
           <a:prstGeom prst="rect">
             <a:avLst/>
@@ -8292,7 +8292,7 @@
             <a:normAutofit/>
           </a:bodyPr>
           <a:p>
-            <a:pPr marL="228600" indent="-226440">
+            <a:pPr marL="228600" indent="-226080">
               <a:lnSpc>
                 <a:spcPct val="90000"/>
               </a:lnSpc>
@@ -8320,7 +8320,7 @@
             </a:endParaRPr>
           </a:p>
           <a:p>
-            <a:pPr lvl="1" marL="685800" indent="-226440">
+            <a:pPr lvl="1" marL="685800" indent="-226080">
               <a:lnSpc>
                 <a:spcPct val="90000"/>
               </a:lnSpc>
@@ -8341,14 +8341,14 @@
                 <a:latin typeface="Calibri"/>
                 <a:ea typeface="DejaVu Sans"/>
               </a:rPr>
-              <a:t>NNMF more scalable than LDA, but run time increases as number of topics increases.</a:t>
+              <a:t>NNMF is more scalable than LDA, but run time increases as number of topics increases.</a:t>
             </a:r>
             <a:endParaRPr b="0" lang="en-US" sz="2400" spc="-1" strike="noStrike">
               <a:latin typeface="Arial"/>
             </a:endParaRPr>
           </a:p>
           <a:p>
-            <a:pPr marL="228600" indent="-226440">
+            <a:pPr marL="228600" indent="-226080">
               <a:lnSpc>
                 <a:spcPct val="90000"/>
               </a:lnSpc>
@@ -8376,7 +8376,7 @@
             </a:endParaRPr>
           </a:p>
           <a:p>
-            <a:pPr lvl="1" marL="685800" indent="-226440">
+            <a:pPr lvl="1" marL="685800" indent="-226080">
               <a:lnSpc>
                 <a:spcPct val="90000"/>
               </a:lnSpc>
@@ -8404,7 +8404,7 @@
             </a:endParaRPr>
           </a:p>
           <a:p>
-            <a:pPr lvl="1" marL="685800" indent="-226440">
+            <a:pPr lvl="1" marL="685800" indent="-226080">
               <a:lnSpc>
                 <a:spcPct val="90000"/>
               </a:lnSpc>
@@ -8499,7 +8499,7 @@
         <p:spPr>
           <a:xfrm>
             <a:off x="838080" y="365040"/>
-            <a:ext cx="10513440" cy="1323360"/>
+            <a:ext cx="10513080" cy="1323000"/>
           </a:xfrm>
           <a:prstGeom prst="rect">
             <a:avLst/>
@@ -8550,7 +8550,7 @@
         <p:spPr>
           <a:xfrm>
             <a:off x="838080" y="1825560"/>
-            <a:ext cx="10513440" cy="4349160"/>
+            <a:ext cx="10513080" cy="4348800"/>
           </a:xfrm>
           <a:prstGeom prst="rect">
             <a:avLst/>
@@ -8796,7 +8796,7 @@
         <p:spPr>
           <a:xfrm>
             <a:off x="838080" y="365040"/>
-            <a:ext cx="10513440" cy="1323360"/>
+            <a:ext cx="10513080" cy="1323000"/>
           </a:xfrm>
           <a:prstGeom prst="rect">
             <a:avLst/>
@@ -8847,7 +8847,7 @@
         <p:spPr>
           <a:xfrm>
             <a:off x="838080" y="1825560"/>
-            <a:ext cx="10513440" cy="4349160"/>
+            <a:ext cx="10513080" cy="4348800"/>
           </a:xfrm>
           <a:prstGeom prst="rect">
             <a:avLst/>
@@ -8868,7 +8868,7 @@
             <a:noAutofit/>
           </a:bodyPr>
           <a:p>
-            <a:pPr marL="228600" indent="-226440">
+            <a:pPr marL="228600" indent="-226080">
               <a:lnSpc>
                 <a:spcPct val="90000"/>
               </a:lnSpc>
@@ -8896,7 +8896,7 @@
             </a:endParaRPr>
           </a:p>
           <a:p>
-            <a:pPr marL="228600" indent="-226440">
+            <a:pPr marL="228600" indent="-226080">
               <a:lnSpc>
                 <a:spcPct val="90000"/>
               </a:lnSpc>
@@ -8924,7 +8924,7 @@
             </a:endParaRPr>
           </a:p>
           <a:p>
-            <a:pPr marL="228600" indent="-226440">
+            <a:pPr marL="228600" indent="-226080">
               <a:lnSpc>
                 <a:spcPct val="90000"/>
               </a:lnSpc>
@@ -8952,7 +8952,7 @@
             </a:endParaRPr>
           </a:p>
           <a:p>
-            <a:pPr marL="228600" indent="-226440">
+            <a:pPr marL="228600" indent="-226080">
               <a:lnSpc>
                 <a:spcPct val="90000"/>
               </a:lnSpc>
@@ -9047,7 +9047,7 @@
         <p:spPr>
           <a:xfrm>
             <a:off x="838080" y="365040"/>
-            <a:ext cx="10513440" cy="1323360"/>
+            <a:ext cx="10513080" cy="1323000"/>
           </a:xfrm>
           <a:prstGeom prst="rect">
             <a:avLst/>
@@ -9098,7 +9098,7 @@
         <p:spPr>
           <a:xfrm>
             <a:off x="838080" y="1825560"/>
-            <a:ext cx="10513440" cy="4349160"/>
+            <a:ext cx="10513080" cy="4348800"/>
           </a:xfrm>
           <a:prstGeom prst="rect">
             <a:avLst/>
@@ -9119,7 +9119,7 @@
             <a:noAutofit/>
           </a:bodyPr>
           <a:p>
-            <a:pPr marL="228600" indent="-226440">
+            <a:pPr marL="228600" indent="-226080">
               <a:lnSpc>
                 <a:spcPct val="90000"/>
               </a:lnSpc>
@@ -9147,7 +9147,7 @@
             </a:endParaRPr>
           </a:p>
           <a:p>
-            <a:pPr marL="228600" indent="-226440">
+            <a:pPr marL="228600" indent="-226080">
               <a:lnSpc>
                 <a:spcPct val="90000"/>
               </a:lnSpc>
@@ -9175,7 +9175,7 @@
             </a:endParaRPr>
           </a:p>
           <a:p>
-            <a:pPr lvl="1" marL="685800" indent="-226440">
+            <a:pPr lvl="1" marL="685800" indent="-226080">
               <a:lnSpc>
                 <a:spcPct val="90000"/>
               </a:lnSpc>
@@ -9203,7 +9203,7 @@
             </a:endParaRPr>
           </a:p>
           <a:p>
-            <a:pPr lvl="1" marL="685800" indent="-226440">
+            <a:pPr lvl="1" marL="685800" indent="-226080">
               <a:lnSpc>
                 <a:spcPct val="90000"/>
               </a:lnSpc>
@@ -9231,7 +9231,7 @@
             </a:endParaRPr>
           </a:p>
           <a:p>
-            <a:pPr marL="228600" indent="-226440">
+            <a:pPr marL="228600" indent="-226080">
               <a:lnSpc>
                 <a:spcPct val="90000"/>
               </a:lnSpc>
@@ -9259,7 +9259,7 @@
             </a:endParaRPr>
           </a:p>
           <a:p>
-            <a:pPr lvl="1" marL="685800" indent="-226440">
+            <a:pPr lvl="1" marL="685800" indent="-226080">
               <a:lnSpc>
                 <a:spcPct val="90000"/>
               </a:lnSpc>
@@ -9287,7 +9287,7 @@
             </a:endParaRPr>
           </a:p>
           <a:p>
-            <a:pPr marL="228600" indent="-226440">
+            <a:pPr marL="228600" indent="-226080">
               <a:lnSpc>
                 <a:spcPct val="90000"/>
               </a:lnSpc>
@@ -9315,7 +9315,7 @@
             </a:endParaRPr>
           </a:p>
           <a:p>
-            <a:pPr marL="228600" indent="-226440">
+            <a:pPr marL="228600" indent="-226080">
               <a:lnSpc>
                 <a:spcPct val="90000"/>
               </a:lnSpc>
@@ -9343,7 +9343,7 @@
             </a:endParaRPr>
           </a:p>
           <a:p>
-            <a:pPr marL="228600" indent="-226440">
+            <a:pPr marL="228600" indent="-226080">
               <a:lnSpc>
                 <a:spcPct val="90000"/>
               </a:lnSpc>
@@ -9438,7 +9438,7 @@
         <p:spPr>
           <a:xfrm>
             <a:off x="838080" y="365040"/>
-            <a:ext cx="10513440" cy="1323360"/>
+            <a:ext cx="10513080" cy="1323000"/>
           </a:xfrm>
           <a:prstGeom prst="rect">
             <a:avLst/>
@@ -9489,7 +9489,7 @@
         <p:spPr>
           <a:xfrm>
             <a:off x="838080" y="1825560"/>
-            <a:ext cx="10513440" cy="4349160"/>
+            <a:ext cx="10513080" cy="4348800"/>
           </a:xfrm>
           <a:prstGeom prst="rect">
             <a:avLst/>
@@ -9510,7 +9510,7 @@
             <a:noAutofit/>
           </a:bodyPr>
           <a:p>
-            <a:pPr marL="228600" indent="-226440">
+            <a:pPr marL="228600" indent="-226080">
               <a:lnSpc>
                 <a:spcPct val="90000"/>
               </a:lnSpc>
@@ -9548,7 +9548,7 @@
             </a:endParaRPr>
           </a:p>
           <a:p>
-            <a:pPr marL="228600" indent="-226440">
+            <a:pPr marL="228600" indent="-226080">
               <a:lnSpc>
                 <a:spcPct val="90000"/>
               </a:lnSpc>
@@ -9666,7 +9666,7 @@
         <p:spPr>
           <a:xfrm>
             <a:off x="838080" y="365040"/>
-            <a:ext cx="10513440" cy="1323360"/>
+            <a:ext cx="10513080" cy="1323000"/>
           </a:xfrm>
           <a:prstGeom prst="rect">
             <a:avLst/>
@@ -9717,7 +9717,7 @@
         <p:spPr>
           <a:xfrm>
             <a:off x="838080" y="1825560"/>
-            <a:ext cx="10513440" cy="4349160"/>
+            <a:ext cx="10513080" cy="4348800"/>
           </a:xfrm>
           <a:prstGeom prst="rect">
             <a:avLst/>
@@ -9738,7 +9738,7 @@
             <a:noAutofit/>
           </a:bodyPr>
           <a:p>
-            <a:pPr marL="228600" indent="-226440">
+            <a:pPr marL="228600" indent="-226080">
               <a:lnSpc>
                 <a:spcPct val="90000"/>
               </a:lnSpc>
@@ -9796,7 +9796,7 @@
             </a:endParaRPr>
           </a:p>
           <a:p>
-            <a:pPr marL="228600" indent="-226440">
+            <a:pPr marL="228600" indent="-226080">
               <a:lnSpc>
                 <a:spcPct val="90000"/>
               </a:lnSpc>
@@ -9854,7 +9854,7 @@
             </a:endParaRPr>
           </a:p>
           <a:p>
-            <a:pPr marL="228600" indent="-226440">
+            <a:pPr marL="228600" indent="-226080">
               <a:lnSpc>
                 <a:spcPct val="90000"/>
               </a:lnSpc>
@@ -9912,7 +9912,7 @@
             </a:endParaRPr>
           </a:p>
           <a:p>
-            <a:pPr marL="228600" indent="-226440">
+            <a:pPr marL="228600" indent="-226080">
               <a:lnSpc>
                 <a:spcPct val="90000"/>
               </a:lnSpc>
@@ -9970,7 +9970,7 @@
             </a:endParaRPr>
           </a:p>
           <a:p>
-            <a:pPr marL="228600" indent="-226440">
+            <a:pPr marL="228600" indent="-226080">
               <a:lnSpc>
                 <a:spcPct val="90000"/>
               </a:lnSpc>
@@ -10041,7 +10041,7 @@
             </a:endParaRPr>
           </a:p>
           <a:p>
-            <a:pPr marL="228600" indent="-226440">
+            <a:pPr marL="228600" indent="-226080">
               <a:lnSpc>
                 <a:spcPct val="90000"/>
               </a:lnSpc>
@@ -10136,7 +10136,7 @@
         <p:spPr>
           <a:xfrm>
             <a:off x="838080" y="365040"/>
-            <a:ext cx="10513440" cy="1323360"/>
+            <a:ext cx="10513080" cy="1323000"/>
           </a:xfrm>
           <a:prstGeom prst="rect">
             <a:avLst/>
@@ -10187,7 +10187,7 @@
         <p:spPr>
           <a:xfrm>
             <a:off x="838080" y="1825560"/>
-            <a:ext cx="10513440" cy="4349160"/>
+            <a:ext cx="10513080" cy="4348800"/>
           </a:xfrm>
           <a:prstGeom prst="rect">
             <a:avLst/>
@@ -10208,7 +10208,7 @@
             <a:noAutofit/>
           </a:bodyPr>
           <a:p>
-            <a:pPr marL="228600" indent="-226440">
+            <a:pPr marL="228600" indent="-226080">
               <a:lnSpc>
                 <a:spcPct val="90000"/>
               </a:lnSpc>
@@ -10236,7 +10236,7 @@
             </a:endParaRPr>
           </a:p>
           <a:p>
-            <a:pPr marL="228600" indent="-226440">
+            <a:pPr marL="228600" indent="-226080">
               <a:lnSpc>
                 <a:spcPct val="90000"/>
               </a:lnSpc>
@@ -10264,7 +10264,7 @@
             </a:endParaRPr>
           </a:p>
           <a:p>
-            <a:pPr lvl="1" marL="685800" indent="-226440">
+            <a:pPr lvl="1" marL="685800" indent="-226080">
               <a:lnSpc>
                 <a:spcPct val="90000"/>
               </a:lnSpc>
@@ -10292,7 +10292,7 @@
             </a:endParaRPr>
           </a:p>
           <a:p>
-            <a:pPr lvl="3" marL="864000" indent="-215280">
+            <a:pPr lvl="3" marL="864000" indent="-214920">
               <a:lnSpc>
                 <a:spcPct val="90000"/>
               </a:lnSpc>
@@ -10321,7 +10321,7 @@
             </a:endParaRPr>
           </a:p>
           <a:p>
-            <a:pPr lvl="1" marL="685800" indent="-226440">
+            <a:pPr lvl="1" marL="685800" indent="-226080">
               <a:lnSpc>
                 <a:spcPct val="90000"/>
               </a:lnSpc>
@@ -10349,7 +10349,7 @@
             </a:endParaRPr>
           </a:p>
           <a:p>
-            <a:pPr lvl="3" marL="864000" indent="-215280">
+            <a:pPr lvl="3" marL="864000" indent="-214920">
               <a:lnSpc>
                 <a:spcPct val="90000"/>
               </a:lnSpc>
@@ -10378,7 +10378,7 @@
             </a:endParaRPr>
           </a:p>
           <a:p>
-            <a:pPr lvl="3" marL="864000" indent="-215280">
+            <a:pPr lvl="3" marL="864000" indent="-214920">
               <a:lnSpc>
                 <a:spcPct val="90000"/>
               </a:lnSpc>
@@ -10407,7 +10407,7 @@
             </a:endParaRPr>
           </a:p>
           <a:p>
-            <a:pPr marL="228600" indent="-226440">
+            <a:pPr marL="228600" indent="-226080">
               <a:lnSpc>
                 <a:spcPct val="90000"/>
               </a:lnSpc>
@@ -10435,7 +10435,7 @@
             </a:endParaRPr>
           </a:p>
           <a:p>
-            <a:pPr marL="228600" indent="-226440">
+            <a:pPr marL="228600" indent="-226080">
               <a:lnSpc>
                 <a:spcPct val="90000"/>
               </a:lnSpc>
@@ -10543,7 +10543,7 @@
         <p:spPr>
           <a:xfrm>
             <a:off x="838080" y="365040"/>
-            <a:ext cx="10513440" cy="1323360"/>
+            <a:ext cx="10513080" cy="1323000"/>
           </a:xfrm>
           <a:prstGeom prst="rect">
             <a:avLst/>
@@ -10594,7 +10594,7 @@
         <p:spPr>
           <a:xfrm>
             <a:off x="838080" y="1825560"/>
-            <a:ext cx="10513440" cy="4349160"/>
+            <a:ext cx="10513080" cy="4348800"/>
           </a:xfrm>
           <a:prstGeom prst="rect">
             <a:avLst/>
@@ -10615,7 +10615,7 @@
             <a:noAutofit/>
           </a:bodyPr>
           <a:p>
-            <a:pPr marL="228600" indent="-226440">
+            <a:pPr marL="228600" indent="-226080">
               <a:lnSpc>
                 <a:spcPct val="90000"/>
               </a:lnSpc>
@@ -10643,7 +10643,7 @@
             </a:endParaRPr>
           </a:p>
           <a:p>
-            <a:pPr marL="228600" indent="-226440">
+            <a:pPr marL="228600" indent="-226080">
               <a:lnSpc>
                 <a:spcPct val="90000"/>
               </a:lnSpc>
@@ -10671,7 +10671,7 @@
             </a:endParaRPr>
           </a:p>
           <a:p>
-            <a:pPr marL="228600" indent="-226440">
+            <a:pPr marL="228600" indent="-226080">
               <a:lnSpc>
                 <a:spcPct val="90000"/>
               </a:lnSpc>
@@ -10699,7 +10699,7 @@
             </a:endParaRPr>
           </a:p>
           <a:p>
-            <a:pPr marL="228600" indent="-226440">
+            <a:pPr marL="228600" indent="-226080">
               <a:lnSpc>
                 <a:spcPct val="90000"/>
               </a:lnSpc>
@@ -10727,7 +10727,7 @@
             </a:endParaRPr>
           </a:p>
           <a:p>
-            <a:pPr marL="228600" indent="-226440">
+            <a:pPr marL="228600" indent="-226080">
               <a:lnSpc>
                 <a:spcPct val="90000"/>
               </a:lnSpc>
@@ -10755,28 +10755,28 @@
             </a:endParaRPr>
           </a:p>
           <a:p>
-            <a:pPr marL="228600" indent="-226440">
-              <a:lnSpc>
-                <a:spcPct val="90000"/>
-              </a:lnSpc>
-              <a:spcBef>
-                <a:spcPts val="1001"/>
-              </a:spcBef>
-              <a:buClr>
-                <a:srgbClr val="000000"/>
-              </a:buClr>
-              <a:buFont typeface="Arial"/>
-              <a:buChar char="•"/>
-            </a:pPr>
-            <a:r>
-              <a:rPr b="0" lang="en-US" sz="2800" spc="-1" strike="noStrike">
-                <a:solidFill>
-                  <a:srgbClr val="000000"/>
-                </a:solidFill>
-                <a:latin typeface="Calibri"/>
-                <a:ea typeface="DejaVu Sans"/>
-              </a:rPr>
-              <a:t>Any meaningful collection of texts can probably be analyzed using modeling.</a:t>
+            <a:pPr marL="228600" indent="-226080">
+              <a:lnSpc>
+                <a:spcPct val="90000"/>
+              </a:lnSpc>
+              <a:spcBef>
+                <a:spcPts val="1001"/>
+              </a:spcBef>
+              <a:buClr>
+                <a:srgbClr val="000000"/>
+              </a:buClr>
+              <a:buFont typeface="Arial"/>
+              <a:buChar char="•"/>
+            </a:pPr>
+            <a:r>
+              <a:rPr b="0" lang="en-US" sz="2800" spc="-1" strike="noStrike">
+                <a:solidFill>
+                  <a:srgbClr val="000000"/>
+                </a:solidFill>
+                <a:latin typeface="Calibri"/>
+                <a:ea typeface="DejaVu Sans"/>
+              </a:rPr>
+              <a:t>Any meaningful collection of texts can probably be analyzed using topic modeling.</a:t>
             </a:r>
             <a:endParaRPr b="0" lang="en-US" sz="2800" spc="-1" strike="noStrike">
               <a:latin typeface="Arial"/>
@@ -10850,7 +10850,7 @@
         <p:spPr>
           <a:xfrm>
             <a:off x="838080" y="365040"/>
-            <a:ext cx="10513440" cy="1323360"/>
+            <a:ext cx="10513080" cy="1323000"/>
           </a:xfrm>
           <a:prstGeom prst="rect">
             <a:avLst/>
@@ -10901,7 +10901,7 @@
         <p:spPr>
           <a:xfrm>
             <a:off x="838080" y="1825560"/>
-            <a:ext cx="10513440" cy="4349160"/>
+            <a:ext cx="10513080" cy="4348800"/>
           </a:xfrm>
           <a:prstGeom prst="rect">
             <a:avLst/>
@@ -10922,7 +10922,7 @@
             <a:noAutofit/>
           </a:bodyPr>
           <a:p>
-            <a:pPr marL="228600" indent="-226440">
+            <a:pPr marL="228600" indent="-226080">
               <a:lnSpc>
                 <a:spcPct val="90000"/>
               </a:lnSpc>
@@ -10950,7 +10950,7 @@
             </a:endParaRPr>
           </a:p>
           <a:p>
-            <a:pPr marL="228600" indent="-226440">
+            <a:pPr marL="228600" indent="-226080">
               <a:lnSpc>
                 <a:spcPct val="90000"/>
               </a:lnSpc>
@@ -10978,7 +10978,7 @@
             </a:endParaRPr>
           </a:p>
           <a:p>
-            <a:pPr marL="228600" indent="-226440">
+            <a:pPr marL="228600" indent="-226080">
               <a:lnSpc>
                 <a:spcPct val="90000"/>
               </a:lnSpc>
@@ -11006,7 +11006,7 @@
             </a:endParaRPr>
           </a:p>
           <a:p>
-            <a:pPr marL="228600" indent="-226440">
+            <a:pPr marL="228600" indent="-226080">
               <a:lnSpc>
                 <a:spcPct val="90000"/>
               </a:lnSpc>
@@ -11034,7 +11034,7 @@
             </a:endParaRPr>
           </a:p>
           <a:p>
-            <a:pPr marL="228600" indent="-226440">
+            <a:pPr marL="228600" indent="-226080">
               <a:lnSpc>
                 <a:spcPct val="90000"/>
               </a:lnSpc>
@@ -11062,7 +11062,7 @@
             </a:endParaRPr>
           </a:p>
           <a:p>
-            <a:pPr marL="228600" indent="-226440">
+            <a:pPr marL="228600" indent="-226080">
               <a:lnSpc>
                 <a:spcPct val="90000"/>
               </a:lnSpc>
@@ -11090,7 +11090,7 @@
             </a:endParaRPr>
           </a:p>
           <a:p>
-            <a:pPr marL="228600" indent="-226440">
+            <a:pPr marL="228600" indent="-226080">
               <a:lnSpc>
                 <a:spcPct val="90000"/>
               </a:lnSpc>
@@ -11185,7 +11185,7 @@
         <p:spPr>
           <a:xfrm>
             <a:off x="838080" y="365040"/>
-            <a:ext cx="10513440" cy="1323360"/>
+            <a:ext cx="10513080" cy="1323000"/>
           </a:xfrm>
           <a:prstGeom prst="rect">
             <a:avLst/>
@@ -11236,7 +11236,7 @@
         <p:spPr>
           <a:xfrm>
             <a:off x="838080" y="1825560"/>
-            <a:ext cx="10513440" cy="4349160"/>
+            <a:ext cx="10513080" cy="4348800"/>
           </a:xfrm>
           <a:prstGeom prst="rect">
             <a:avLst/>
@@ -11257,7 +11257,7 @@
             <a:noAutofit/>
           </a:bodyPr>
           <a:p>
-            <a:pPr marL="228600" indent="-226440">
+            <a:pPr marL="228600" indent="-226080">
               <a:lnSpc>
                 <a:spcPct val="90000"/>
               </a:lnSpc>
@@ -11285,7 +11285,7 @@
             </a:endParaRPr>
           </a:p>
           <a:p>
-            <a:pPr marL="228600" indent="-226440">
+            <a:pPr marL="228600" indent="-226080">
               <a:lnSpc>
                 <a:spcPct val="90000"/>
               </a:lnSpc>
@@ -11313,7 +11313,7 @@
             </a:endParaRPr>
           </a:p>
           <a:p>
-            <a:pPr marL="228600" indent="-226440">
+            <a:pPr marL="228600" indent="-226080">
               <a:lnSpc>
                 <a:spcPct val="90000"/>
               </a:lnSpc>
@@ -11341,7 +11341,7 @@
             </a:endParaRPr>
           </a:p>
           <a:p>
-            <a:pPr marL="228600" indent="-226440">
+            <a:pPr marL="228600" indent="-226080">
               <a:lnSpc>
                 <a:spcPct val="90000"/>
               </a:lnSpc>

--- a/topic-model-slides.pptx
+++ b/topic-model-slides.pptx
@@ -35,6 +35,7 @@
     <p:sldId id="283" r:id="rId30"/>
     <p:sldId id="284" r:id="rId31"/>
     <p:sldId id="285" r:id="rId32"/>
+    <p:sldId id="286" r:id="rId33"/>
   </p:sldIdLst>
   <p:sldSz cx="12192000" cy="6858000"/>
   <p:notesSz cx="7772400" cy="10058400"/>
@@ -1683,7 +1684,7 @@
         <p:spPr>
           <a:xfrm>
             <a:off x="838080" y="365040"/>
-            <a:ext cx="10513080" cy="1323000"/>
+            <a:ext cx="10512360" cy="1322280"/>
           </a:xfrm>
           <a:prstGeom prst="rect">
             <a:avLst/>
@@ -1734,7 +1735,7 @@
         <p:spPr>
           <a:xfrm>
             <a:off x="838080" y="1825560"/>
-            <a:ext cx="10513080" cy="4348800"/>
+            <a:ext cx="10512360" cy="4348080"/>
           </a:xfrm>
           <a:prstGeom prst="rect">
             <a:avLst/>
@@ -1755,7 +1756,7 @@
             <a:noAutofit/>
           </a:bodyPr>
           <a:p>
-            <a:pPr marL="228600" indent="-226080">
+            <a:pPr marL="228600" indent="-225360">
               <a:lnSpc>
                 <a:spcPct val="90000"/>
               </a:lnSpc>
@@ -1783,7 +1784,7 @@
             </a:endParaRPr>
           </a:p>
           <a:p>
-            <a:pPr marL="228600" indent="-226080">
+            <a:pPr marL="228600" indent="-225360">
               <a:lnSpc>
                 <a:spcPct val="90000"/>
               </a:lnSpc>
@@ -1811,7 +1812,7 @@
             </a:endParaRPr>
           </a:p>
           <a:p>
-            <a:pPr marL="228600" indent="-226080">
+            <a:pPr marL="228600" indent="-225360">
               <a:lnSpc>
                 <a:spcPct val="90000"/>
               </a:lnSpc>
@@ -1906,7 +1907,7 @@
         <p:spPr>
           <a:xfrm>
             <a:off x="838080" y="365040"/>
-            <a:ext cx="10513080" cy="1323000"/>
+            <a:ext cx="10512360" cy="1322280"/>
           </a:xfrm>
           <a:prstGeom prst="rect">
             <a:avLst/>
@@ -1957,7 +1958,7 @@
         <p:spPr>
           <a:xfrm>
             <a:off x="838080" y="1825560"/>
-            <a:ext cx="10513080" cy="4348800"/>
+            <a:ext cx="10512360" cy="4348080"/>
           </a:xfrm>
           <a:prstGeom prst="rect">
             <a:avLst/>
@@ -1978,7 +1979,7 @@
             <a:noAutofit/>
           </a:bodyPr>
           <a:p>
-            <a:pPr marL="228600" indent="-226080">
+            <a:pPr marL="228600" indent="-225360">
               <a:lnSpc>
                 <a:spcPct val="90000"/>
               </a:lnSpc>
@@ -2006,7 +2007,7 @@
             </a:endParaRPr>
           </a:p>
           <a:p>
-            <a:pPr marL="228600" indent="-226080">
+            <a:pPr marL="228600" indent="-225360">
               <a:lnSpc>
                 <a:spcPct val="90000"/>
               </a:lnSpc>
@@ -2034,7 +2035,7 @@
             </a:endParaRPr>
           </a:p>
           <a:p>
-            <a:pPr marL="228600" indent="-226080">
+            <a:pPr marL="228600" indent="-225360">
               <a:lnSpc>
                 <a:spcPct val="90000"/>
               </a:lnSpc>
@@ -2062,7 +2063,7 @@
             </a:endParaRPr>
           </a:p>
           <a:p>
-            <a:pPr marL="228600" indent="-226080">
+            <a:pPr marL="228600" indent="-225360">
               <a:lnSpc>
                 <a:spcPct val="90000"/>
               </a:lnSpc>
@@ -2090,7 +2091,7 @@
             </a:endParaRPr>
           </a:p>
           <a:p>
-            <a:pPr marL="228600" indent="-226080">
+            <a:pPr marL="228600" indent="-225360">
               <a:lnSpc>
                 <a:spcPct val="90000"/>
               </a:lnSpc>
@@ -2118,7 +2119,7 @@
             </a:endParaRPr>
           </a:p>
           <a:p>
-            <a:pPr marL="228600" indent="-226080">
+            <a:pPr marL="228600" indent="-225360">
               <a:lnSpc>
                 <a:spcPct val="90000"/>
               </a:lnSpc>
@@ -2213,7 +2214,7 @@
         <p:spPr>
           <a:xfrm>
             <a:off x="838080" y="365040"/>
-            <a:ext cx="10513080" cy="1323000"/>
+            <a:ext cx="10512360" cy="1322280"/>
           </a:xfrm>
           <a:prstGeom prst="rect">
             <a:avLst/>
@@ -2264,7 +2265,7 @@
         <p:spPr>
           <a:xfrm>
             <a:off x="838080" y="1825560"/>
-            <a:ext cx="10513080" cy="4348800"/>
+            <a:ext cx="10512360" cy="4348080"/>
           </a:xfrm>
           <a:prstGeom prst="rect">
             <a:avLst/>
@@ -2285,7 +2286,7 @@
             <a:noAutofit/>
           </a:bodyPr>
           <a:p>
-            <a:pPr marL="228600" indent="-226080">
+            <a:pPr marL="228600" indent="-225360">
               <a:lnSpc>
                 <a:spcPct val="90000"/>
               </a:lnSpc>
@@ -2313,7 +2314,7 @@
             </a:endParaRPr>
           </a:p>
           <a:p>
-            <a:pPr lvl="1" marL="432000" indent="-214920">
+            <a:pPr lvl="1" marL="432000" indent="-214200">
               <a:lnSpc>
                 <a:spcPct val="90000"/>
               </a:lnSpc>
@@ -2342,7 +2343,7 @@
             </a:endParaRPr>
           </a:p>
           <a:p>
-            <a:pPr marL="228600" indent="-226080">
+            <a:pPr marL="228600" indent="-225360">
               <a:lnSpc>
                 <a:spcPct val="90000"/>
               </a:lnSpc>
@@ -2370,7 +2371,7 @@
             </a:endParaRPr>
           </a:p>
           <a:p>
-            <a:pPr lvl="1" marL="432000" indent="-214920">
+            <a:pPr lvl="1" marL="432000" indent="-214200">
               <a:lnSpc>
                 <a:spcPct val="90000"/>
               </a:lnSpc>
@@ -2399,7 +2400,7 @@
             </a:endParaRPr>
           </a:p>
           <a:p>
-            <a:pPr marL="228600" indent="-226080">
+            <a:pPr marL="228600" indent="-225360">
               <a:lnSpc>
                 <a:spcPct val="90000"/>
               </a:lnSpc>
@@ -2427,7 +2428,7 @@
             </a:endParaRPr>
           </a:p>
           <a:p>
-            <a:pPr lvl="1" marL="432000" indent="-214920">
+            <a:pPr lvl="1" marL="432000" indent="-214200">
               <a:lnSpc>
                 <a:spcPct val="90000"/>
               </a:lnSpc>
@@ -2456,7 +2457,7 @@
             </a:endParaRPr>
           </a:p>
           <a:p>
-            <a:pPr marL="228600" indent="-226080">
+            <a:pPr marL="228600" indent="-225360">
               <a:lnSpc>
                 <a:spcPct val="90000"/>
               </a:lnSpc>
@@ -2484,7 +2485,7 @@
             </a:endParaRPr>
           </a:p>
           <a:p>
-            <a:pPr lvl="1" marL="432000" indent="-214920">
+            <a:pPr lvl="1" marL="432000" indent="-214200">
               <a:lnSpc>
                 <a:spcPct val="90000"/>
               </a:lnSpc>
@@ -2513,7 +2514,7 @@
             </a:endParaRPr>
           </a:p>
           <a:p>
-            <a:pPr marL="228600" indent="-226080">
+            <a:pPr marL="228600" indent="-225360">
               <a:lnSpc>
                 <a:spcPct val="90000"/>
               </a:lnSpc>
@@ -2541,7 +2542,7 @@
             </a:endParaRPr>
           </a:p>
           <a:p>
-            <a:pPr marL="228600" indent="-226080">
+            <a:pPr marL="228600" indent="-225360">
               <a:lnSpc>
                 <a:spcPct val="90000"/>
               </a:lnSpc>
@@ -2636,7 +2637,7 @@
         <p:spPr>
           <a:xfrm>
             <a:off x="838080" y="365040"/>
-            <a:ext cx="10513080" cy="1323000"/>
+            <a:ext cx="10512360" cy="1322280"/>
           </a:xfrm>
           <a:prstGeom prst="rect">
             <a:avLst/>
@@ -2687,7 +2688,7 @@
         <p:spPr>
           <a:xfrm>
             <a:off x="838080" y="1825560"/>
-            <a:ext cx="10513080" cy="4348800"/>
+            <a:ext cx="10512360" cy="4348080"/>
           </a:xfrm>
           <a:prstGeom prst="rect">
             <a:avLst/>
@@ -2708,7 +2709,7 @@
             <a:noAutofit/>
           </a:bodyPr>
           <a:p>
-            <a:pPr marL="228600" indent="-226080">
+            <a:pPr marL="228600" indent="-225360">
               <a:lnSpc>
                 <a:spcPct val="90000"/>
               </a:lnSpc>
@@ -2736,7 +2737,7 @@
             </a:endParaRPr>
           </a:p>
           <a:p>
-            <a:pPr marL="228600" indent="-226080">
+            <a:pPr marL="228600" indent="-225360">
               <a:lnSpc>
                 <a:spcPct val="90000"/>
               </a:lnSpc>
@@ -2764,7 +2765,7 @@
             </a:endParaRPr>
           </a:p>
           <a:p>
-            <a:pPr marL="228600" indent="-226080">
+            <a:pPr marL="228600" indent="-225360">
               <a:lnSpc>
                 <a:spcPct val="90000"/>
               </a:lnSpc>
@@ -2792,7 +2793,7 @@
             </a:endParaRPr>
           </a:p>
           <a:p>
-            <a:pPr marL="228600" indent="-226080">
+            <a:pPr marL="228600" indent="-225360">
               <a:lnSpc>
                 <a:spcPct val="90000"/>
               </a:lnSpc>
@@ -2820,7 +2821,7 @@
             </a:endParaRPr>
           </a:p>
           <a:p>
-            <a:pPr marL="228600" indent="-226080">
+            <a:pPr marL="228600" indent="-225360">
               <a:lnSpc>
                 <a:spcPct val="90000"/>
               </a:lnSpc>
@@ -2848,7 +2849,7 @@
             </a:endParaRPr>
           </a:p>
           <a:p>
-            <a:pPr marL="228600" indent="-226080">
+            <a:pPr marL="228600" indent="-225360">
               <a:lnSpc>
                 <a:spcPct val="90000"/>
               </a:lnSpc>
@@ -2876,7 +2877,7 @@
             </a:endParaRPr>
           </a:p>
           <a:p>
-            <a:pPr marL="228600" indent="-226080">
+            <a:pPr marL="228600" indent="-225360">
               <a:lnSpc>
                 <a:spcPct val="90000"/>
               </a:lnSpc>
@@ -2904,7 +2905,7 @@
             </a:endParaRPr>
           </a:p>
           <a:p>
-            <a:pPr marL="228600" indent="-226080">
+            <a:pPr marL="228600" indent="-225360">
               <a:lnSpc>
                 <a:spcPct val="90000"/>
               </a:lnSpc>
@@ -3012,7 +3013,7 @@
         <p:spPr>
           <a:xfrm>
             <a:off x="838080" y="365040"/>
-            <a:ext cx="10513080" cy="1323000"/>
+            <a:ext cx="10512360" cy="1322280"/>
           </a:xfrm>
           <a:prstGeom prst="rect">
             <a:avLst/>
@@ -3063,7 +3064,7 @@
         <p:spPr>
           <a:xfrm>
             <a:off x="838080" y="1825560"/>
-            <a:ext cx="10513080" cy="4348800"/>
+            <a:ext cx="10512360" cy="4348080"/>
           </a:xfrm>
           <a:prstGeom prst="rect">
             <a:avLst/>
@@ -3084,7 +3085,7 @@
             <a:noAutofit/>
           </a:bodyPr>
           <a:p>
-            <a:pPr marL="228600" indent="-226080">
+            <a:pPr marL="228600" indent="-225360">
               <a:lnSpc>
                 <a:spcPct val="90000"/>
               </a:lnSpc>
@@ -3112,7 +3113,7 @@
             </a:endParaRPr>
           </a:p>
           <a:p>
-            <a:pPr marL="228600" indent="-226080">
+            <a:pPr marL="228600" indent="-225360">
               <a:lnSpc>
                 <a:spcPct val="90000"/>
               </a:lnSpc>
@@ -3140,7 +3141,7 @@
             </a:endParaRPr>
           </a:p>
           <a:p>
-            <a:pPr marL="228600" indent="-226080">
+            <a:pPr marL="228600" indent="-225360">
               <a:lnSpc>
                 <a:spcPct val="90000"/>
               </a:lnSpc>
@@ -3248,7 +3249,7 @@
         <p:spPr>
           <a:xfrm>
             <a:off x="838080" y="365040"/>
-            <a:ext cx="10513080" cy="1323000"/>
+            <a:ext cx="10512360" cy="1322280"/>
           </a:xfrm>
           <a:prstGeom prst="rect">
             <a:avLst/>
@@ -3299,7 +3300,7 @@
         <p:spPr>
           <a:xfrm>
             <a:off x="838080" y="1825560"/>
-            <a:ext cx="10513080" cy="4348800"/>
+            <a:ext cx="10512360" cy="4348080"/>
           </a:xfrm>
           <a:prstGeom prst="rect">
             <a:avLst/>
@@ -3320,7 +3321,7 @@
             <a:noAutofit/>
           </a:bodyPr>
           <a:p>
-            <a:pPr marL="228600" indent="-226080">
+            <a:pPr marL="228600" indent="-225360">
               <a:lnSpc>
                 <a:spcPct val="90000"/>
               </a:lnSpc>
@@ -3348,7 +3349,7 @@
             </a:endParaRPr>
           </a:p>
           <a:p>
-            <a:pPr marL="228600" indent="-226080">
+            <a:pPr marL="228600" indent="-225360">
               <a:lnSpc>
                 <a:spcPct val="90000"/>
               </a:lnSpc>
@@ -3376,7 +3377,7 @@
             </a:endParaRPr>
           </a:p>
           <a:p>
-            <a:pPr marL="228600" indent="-226080">
+            <a:pPr marL="228600" indent="-225360">
               <a:lnSpc>
                 <a:spcPct val="90000"/>
               </a:lnSpc>
@@ -3404,7 +3405,7 @@
             </a:endParaRPr>
           </a:p>
           <a:p>
-            <a:pPr marL="228600" indent="-226080">
+            <a:pPr marL="228600" indent="-225360">
               <a:lnSpc>
                 <a:spcPct val="90000"/>
               </a:lnSpc>
@@ -3432,7 +3433,7 @@
             </a:endParaRPr>
           </a:p>
           <a:p>
-            <a:pPr marL="228600" indent="-226080">
+            <a:pPr marL="228600" indent="-225360">
               <a:lnSpc>
                 <a:spcPct val="90000"/>
               </a:lnSpc>
@@ -3527,7 +3528,7 @@
         <p:spPr>
           <a:xfrm>
             <a:off x="838080" y="365040"/>
-            <a:ext cx="10513080" cy="1323000"/>
+            <a:ext cx="10512360" cy="1322280"/>
           </a:xfrm>
           <a:prstGeom prst="rect">
             <a:avLst/>
@@ -3578,7 +3579,7 @@
         <p:spPr>
           <a:xfrm>
             <a:off x="838080" y="1825560"/>
-            <a:ext cx="10513080" cy="4348800"/>
+            <a:ext cx="10512360" cy="4348080"/>
           </a:xfrm>
           <a:prstGeom prst="rect">
             <a:avLst/>
@@ -3599,7 +3600,7 @@
             <a:noAutofit/>
           </a:bodyPr>
           <a:p>
-            <a:pPr marL="228600" indent="-226080">
+            <a:pPr marL="228600" indent="-225360">
               <a:lnSpc>
                 <a:spcPct val="90000"/>
               </a:lnSpc>
@@ -3627,7 +3628,7 @@
             </a:endParaRPr>
           </a:p>
           <a:p>
-            <a:pPr marL="228600" indent="-226080">
+            <a:pPr marL="228600" indent="-225360">
               <a:lnSpc>
                 <a:spcPct val="90000"/>
               </a:lnSpc>
@@ -3655,7 +3656,7 @@
             </a:endParaRPr>
           </a:p>
           <a:p>
-            <a:pPr marL="228600" indent="-226080">
+            <a:pPr marL="228600" indent="-225360">
               <a:lnSpc>
                 <a:spcPct val="90000"/>
               </a:lnSpc>
@@ -3683,7 +3684,7 @@
             </a:endParaRPr>
           </a:p>
           <a:p>
-            <a:pPr marL="228600" indent="-226080">
+            <a:pPr marL="228600" indent="-225360">
               <a:lnSpc>
                 <a:spcPct val="90000"/>
               </a:lnSpc>
@@ -3778,7 +3779,7 @@
         <p:spPr>
           <a:xfrm>
             <a:off x="838080" y="365040"/>
-            <a:ext cx="10513080" cy="1323000"/>
+            <a:ext cx="10512360" cy="1322280"/>
           </a:xfrm>
           <a:prstGeom prst="rect">
             <a:avLst/>
@@ -3829,7 +3830,7 @@
         <p:spPr>
           <a:xfrm>
             <a:off x="838080" y="1825560"/>
-            <a:ext cx="10513080" cy="4348800"/>
+            <a:ext cx="10512360" cy="4348080"/>
           </a:xfrm>
           <a:prstGeom prst="rect">
             <a:avLst/>
@@ -3850,7 +3851,7 @@
             <a:noAutofit/>
           </a:bodyPr>
           <a:p>
-            <a:pPr marL="228600" indent="-226080">
+            <a:pPr marL="228600" indent="-225360">
               <a:lnSpc>
                 <a:spcPct val="90000"/>
               </a:lnSpc>
@@ -3878,7 +3879,7 @@
             </a:endParaRPr>
           </a:p>
           <a:p>
-            <a:pPr marL="228600" indent="-226080">
+            <a:pPr marL="228600" indent="-225360">
               <a:lnSpc>
                 <a:spcPct val="90000"/>
               </a:lnSpc>
@@ -3906,7 +3907,7 @@
             </a:endParaRPr>
           </a:p>
           <a:p>
-            <a:pPr lvl="1" marL="432000" indent="-214920">
+            <a:pPr lvl="1" marL="432000" indent="-214200">
               <a:lnSpc>
                 <a:spcPct val="90000"/>
               </a:lnSpc>
@@ -3935,7 +3936,7 @@
             </a:endParaRPr>
           </a:p>
           <a:p>
-            <a:pPr lvl="1" marL="432000" indent="-214920">
+            <a:pPr lvl="1" marL="432000" indent="-214200">
               <a:lnSpc>
                 <a:spcPct val="90000"/>
               </a:lnSpc>
@@ -3964,7 +3965,7 @@
             </a:endParaRPr>
           </a:p>
           <a:p>
-            <a:pPr lvl="1" marL="432000" indent="-214920">
+            <a:pPr lvl="1" marL="432000" indent="-214200">
               <a:lnSpc>
                 <a:spcPct val="90000"/>
               </a:lnSpc>
@@ -3993,7 +3994,7 @@
             </a:endParaRPr>
           </a:p>
           <a:p>
-            <a:pPr lvl="1" marL="432000" indent="-214920">
+            <a:pPr lvl="1" marL="432000" indent="-214200">
               <a:lnSpc>
                 <a:spcPct val="90000"/>
               </a:lnSpc>
@@ -4138,7 +4139,7 @@
         <p:spPr>
           <a:xfrm>
             <a:off x="838080" y="365040"/>
-            <a:ext cx="10513080" cy="1323000"/>
+            <a:ext cx="10512360" cy="1322280"/>
           </a:xfrm>
           <a:prstGeom prst="rect">
             <a:avLst/>
@@ -4189,7 +4190,7 @@
         <p:spPr>
           <a:xfrm>
             <a:off x="838080" y="1821240"/>
-            <a:ext cx="10513080" cy="4348800"/>
+            <a:ext cx="10512360" cy="4348080"/>
           </a:xfrm>
           <a:prstGeom prst="rect">
             <a:avLst/>
@@ -4210,7 +4211,7 @@
             <a:noAutofit/>
           </a:bodyPr>
           <a:p>
-            <a:pPr marL="228600" indent="-226080">
+            <a:pPr marL="228600" indent="-225360">
               <a:lnSpc>
                 <a:spcPct val="90000"/>
               </a:lnSpc>
@@ -4238,7 +4239,7 @@
             </a:endParaRPr>
           </a:p>
           <a:p>
-            <a:pPr marL="228600" indent="-226080">
+            <a:pPr marL="228600" indent="-225360">
               <a:lnSpc>
                 <a:spcPct val="90000"/>
               </a:lnSpc>
@@ -4266,7 +4267,7 @@
             </a:endParaRPr>
           </a:p>
           <a:p>
-            <a:pPr marL="228600" indent="-226080">
+            <a:pPr marL="228600" indent="-225360">
               <a:lnSpc>
                 <a:spcPct val="90000"/>
               </a:lnSpc>
@@ -4294,7 +4295,7 @@
             </a:endParaRPr>
           </a:p>
           <a:p>
-            <a:pPr marL="228600" indent="-226080">
+            <a:pPr marL="228600" indent="-225360">
               <a:lnSpc>
                 <a:spcPct val="90000"/>
               </a:lnSpc>
@@ -4425,7 +4426,7 @@
         <p:spPr>
           <a:xfrm>
             <a:off x="838080" y="365040"/>
-            <a:ext cx="10513080" cy="1323000"/>
+            <a:ext cx="10512360" cy="1322280"/>
           </a:xfrm>
           <a:prstGeom prst="rect">
             <a:avLst/>
@@ -4476,7 +4477,7 @@
         <p:spPr>
           <a:xfrm>
             <a:off x="838080" y="1825560"/>
-            <a:ext cx="10513080" cy="4348800"/>
+            <a:ext cx="10512360" cy="4348080"/>
           </a:xfrm>
           <a:prstGeom prst="rect">
             <a:avLst/>
@@ -4497,7 +4498,7 @@
             <a:noAutofit/>
           </a:bodyPr>
           <a:p>
-            <a:pPr marL="228600" indent="-226080">
+            <a:pPr marL="228600" indent="-225360">
               <a:lnSpc>
                 <a:spcPct val="90000"/>
               </a:lnSpc>
@@ -4525,7 +4526,7 @@
             </a:endParaRPr>
           </a:p>
           <a:p>
-            <a:pPr marL="228600" indent="-226080">
+            <a:pPr marL="228600" indent="-225360">
               <a:lnSpc>
                 <a:spcPct val="90000"/>
               </a:lnSpc>
@@ -4553,7 +4554,7 @@
             </a:endParaRPr>
           </a:p>
           <a:p>
-            <a:pPr marL="228600" indent="-226080">
+            <a:pPr marL="228600" indent="-225360">
               <a:lnSpc>
                 <a:spcPct val="90000"/>
               </a:lnSpc>
@@ -4581,7 +4582,7 @@
             </a:endParaRPr>
           </a:p>
           <a:p>
-            <a:pPr marL="228600" indent="-226080">
+            <a:pPr marL="228600" indent="-225360">
               <a:lnSpc>
                 <a:spcPct val="90000"/>
               </a:lnSpc>
@@ -4689,7 +4690,7 @@
         <p:spPr>
           <a:xfrm>
             <a:off x="838080" y="365040"/>
-            <a:ext cx="10513080" cy="1323000"/>
+            <a:ext cx="10512360" cy="1322280"/>
           </a:xfrm>
           <a:prstGeom prst="rect">
             <a:avLst/>
@@ -4740,7 +4741,7 @@
         <p:spPr>
           <a:xfrm>
             <a:off x="838080" y="1825560"/>
-            <a:ext cx="10513080" cy="4348800"/>
+            <a:ext cx="10512360" cy="4348080"/>
           </a:xfrm>
           <a:prstGeom prst="rect">
             <a:avLst/>
@@ -4761,7 +4762,7 @@
             <a:noAutofit/>
           </a:bodyPr>
           <a:p>
-            <a:pPr marL="228600" indent="-226080">
+            <a:pPr marL="228600" indent="-225360">
               <a:lnSpc>
                 <a:spcPct val="100000"/>
               </a:lnSpc>
@@ -4789,7 +4790,7 @@
             </a:endParaRPr>
           </a:p>
           <a:p>
-            <a:pPr marL="228600" indent="-226080">
+            <a:pPr marL="228600" indent="-225360">
               <a:lnSpc>
                 <a:spcPct val="100000"/>
               </a:lnSpc>
@@ -4817,7 +4818,7 @@
             </a:endParaRPr>
           </a:p>
           <a:p>
-            <a:pPr marL="228600" indent="-226080">
+            <a:pPr marL="228600" indent="-225360">
               <a:lnSpc>
                 <a:spcPct val="100000"/>
               </a:lnSpc>
@@ -4845,7 +4846,7 @@
             </a:endParaRPr>
           </a:p>
           <a:p>
-            <a:pPr marL="228600" indent="-226080">
+            <a:pPr marL="228600" indent="-225360">
               <a:lnSpc>
                 <a:spcPct val="100000"/>
               </a:lnSpc>
@@ -4873,7 +4874,7 @@
             </a:endParaRPr>
           </a:p>
           <a:p>
-            <a:pPr marL="228600" indent="-226080">
+            <a:pPr marL="228600" indent="-225360">
               <a:lnSpc>
                 <a:spcPct val="100000"/>
               </a:lnSpc>
@@ -4968,7 +4969,7 @@
         <p:spPr>
           <a:xfrm>
             <a:off x="838080" y="365040"/>
-            <a:ext cx="10513080" cy="1323000"/>
+            <a:ext cx="10512360" cy="1322280"/>
           </a:xfrm>
           <a:prstGeom prst="rect">
             <a:avLst/>
@@ -5019,7 +5020,7 @@
         <p:spPr>
           <a:xfrm>
             <a:off x="838080" y="1825560"/>
-            <a:ext cx="10513080" cy="4348800"/>
+            <a:ext cx="10512360" cy="4348080"/>
           </a:xfrm>
           <a:prstGeom prst="rect">
             <a:avLst/>
@@ -5040,7 +5041,7 @@
             <a:noAutofit/>
           </a:bodyPr>
           <a:p>
-            <a:pPr marL="228600" indent="-226080">
+            <a:pPr marL="228600" indent="-225360">
               <a:lnSpc>
                 <a:spcPct val="90000"/>
               </a:lnSpc>
@@ -5068,7 +5069,7 @@
             </a:endParaRPr>
           </a:p>
           <a:p>
-            <a:pPr marL="228600" indent="-226080">
+            <a:pPr marL="228600" indent="-225360">
               <a:lnSpc>
                 <a:spcPct val="90000"/>
               </a:lnSpc>
@@ -5096,7 +5097,7 @@
             </a:endParaRPr>
           </a:p>
           <a:p>
-            <a:pPr marL="228600" indent="-226080">
+            <a:pPr marL="228600" indent="-225360">
               <a:lnSpc>
                 <a:spcPct val="90000"/>
               </a:lnSpc>
@@ -5124,7 +5125,7 @@
             </a:endParaRPr>
           </a:p>
           <a:p>
-            <a:pPr lvl="1" marL="685800" indent="-226080">
+            <a:pPr lvl="1" marL="685800" indent="-225360">
               <a:lnSpc>
                 <a:spcPct val="90000"/>
               </a:lnSpc>
@@ -5152,7 +5153,7 @@
             </a:endParaRPr>
           </a:p>
           <a:p>
-            <a:pPr lvl="1" marL="685800" indent="-226080">
+            <a:pPr lvl="1" marL="685800" indent="-225360">
               <a:lnSpc>
                 <a:spcPct val="90000"/>
               </a:lnSpc>
@@ -5180,7 +5181,7 @@
             </a:endParaRPr>
           </a:p>
           <a:p>
-            <a:pPr lvl="1" marL="685800" indent="-226080">
+            <a:pPr lvl="1" marL="685800" indent="-225360">
               <a:lnSpc>
                 <a:spcPct val="90000"/>
               </a:lnSpc>
@@ -5208,7 +5209,7 @@
             </a:endParaRPr>
           </a:p>
           <a:p>
-            <a:pPr marL="228600" indent="-226080">
+            <a:pPr marL="228600" indent="-225360">
               <a:lnSpc>
                 <a:spcPct val="90000"/>
               </a:lnSpc>
@@ -5236,7 +5237,7 @@
             </a:endParaRPr>
           </a:p>
           <a:p>
-            <a:pPr lvl="1" marL="685800" indent="-226080">
+            <a:pPr lvl="1" marL="685800" indent="-225360">
               <a:lnSpc>
                 <a:spcPct val="90000"/>
               </a:lnSpc>
@@ -5264,7 +5265,7 @@
             </a:endParaRPr>
           </a:p>
           <a:p>
-            <a:pPr lvl="1" marL="685800" indent="-226080">
+            <a:pPr lvl="1" marL="685800" indent="-225360">
               <a:lnSpc>
                 <a:spcPct val="90000"/>
               </a:lnSpc>
@@ -5359,7 +5360,7 @@
         <p:spPr>
           <a:xfrm>
             <a:off x="838080" y="365040"/>
-            <a:ext cx="10513080" cy="1323000"/>
+            <a:ext cx="10512360" cy="1322280"/>
           </a:xfrm>
           <a:prstGeom prst="rect">
             <a:avLst/>
@@ -5410,7 +5411,7 @@
         <p:spPr>
           <a:xfrm>
             <a:off x="838080" y="1825560"/>
-            <a:ext cx="10513080" cy="4348800"/>
+            <a:ext cx="10512360" cy="4348080"/>
           </a:xfrm>
           <a:prstGeom prst="rect">
             <a:avLst/>
@@ -5441,7 +5442,7 @@
             </a:endParaRPr>
           </a:p>
           <a:p>
-            <a:pPr lvl="1" marL="432000" indent="-214920">
+            <a:pPr lvl="1" marL="432000" indent="-214200">
               <a:lnSpc>
                 <a:spcPct val="100000"/>
               </a:lnSpc>
@@ -5467,7 +5468,7 @@
             </a:endParaRPr>
           </a:p>
           <a:p>
-            <a:pPr lvl="1" marL="432000" indent="-214920">
+            <a:pPr lvl="1" marL="432000" indent="-214200">
               <a:lnSpc>
                 <a:spcPct val="100000"/>
               </a:lnSpc>
@@ -5503,7 +5504,7 @@
             </a:endParaRPr>
           </a:p>
           <a:p>
-            <a:pPr lvl="1" marL="432000" indent="-214920">
+            <a:pPr lvl="1" marL="432000" indent="-214200">
               <a:lnSpc>
                 <a:spcPct val="100000"/>
               </a:lnSpc>
@@ -5529,7 +5530,7 @@
             </a:endParaRPr>
           </a:p>
           <a:p>
-            <a:pPr lvl="1" marL="432000" indent="-214920">
+            <a:pPr lvl="1" marL="432000" indent="-214200">
               <a:lnSpc>
                 <a:spcPct val="100000"/>
               </a:lnSpc>
@@ -5555,7 +5556,7 @@
             </a:endParaRPr>
           </a:p>
           <a:p>
-            <a:pPr lvl="1" marL="432000" indent="-214920">
+            <a:pPr lvl="1" marL="432000" indent="-214200">
               <a:lnSpc>
                 <a:spcPct val="100000"/>
               </a:lnSpc>
@@ -5648,7 +5649,7 @@
         <p:spPr>
           <a:xfrm>
             <a:off x="838080" y="365040"/>
-            <a:ext cx="10513080" cy="1323000"/>
+            <a:ext cx="10512360" cy="1322280"/>
           </a:xfrm>
           <a:prstGeom prst="rect">
             <a:avLst/>
@@ -5699,7 +5700,7 @@
         <p:spPr>
           <a:xfrm>
             <a:off x="838080" y="1825560"/>
-            <a:ext cx="10513080" cy="4348800"/>
+            <a:ext cx="10512360" cy="4348080"/>
           </a:xfrm>
           <a:prstGeom prst="rect">
             <a:avLst/>
@@ -5720,7 +5721,7 @@
             <a:noAutofit/>
           </a:bodyPr>
           <a:p>
-            <a:pPr marL="228600" indent="-226080">
+            <a:pPr marL="228600" indent="-225360">
               <a:lnSpc>
                 <a:spcPct val="90000"/>
               </a:lnSpc>
@@ -5748,7 +5749,7 @@
             </a:endParaRPr>
           </a:p>
           <a:p>
-            <a:pPr lvl="1" marL="685800" indent="-226080">
+            <a:pPr lvl="1" marL="685800" indent="-225360">
               <a:lnSpc>
                 <a:spcPct val="90000"/>
               </a:lnSpc>
@@ -5776,7 +5777,7 @@
             </a:endParaRPr>
           </a:p>
           <a:p>
-            <a:pPr lvl="1" marL="685800" indent="-226080">
+            <a:pPr lvl="1" marL="685800" indent="-225360">
               <a:lnSpc>
                 <a:spcPct val="90000"/>
               </a:lnSpc>
@@ -5804,7 +5805,7 @@
             </a:endParaRPr>
           </a:p>
           <a:p>
-            <a:pPr lvl="1" marL="685800" indent="-226080">
+            <a:pPr lvl="1" marL="685800" indent="-225360">
               <a:lnSpc>
                 <a:spcPct val="90000"/>
               </a:lnSpc>
@@ -5832,7 +5833,7 @@
             </a:endParaRPr>
           </a:p>
           <a:p>
-            <a:pPr lvl="1" marL="685800" indent="-226080">
+            <a:pPr lvl="1" marL="685800" indent="-225360">
               <a:lnSpc>
                 <a:spcPct val="90000"/>
               </a:lnSpc>
@@ -5860,7 +5861,7 @@
             </a:endParaRPr>
           </a:p>
           <a:p>
-            <a:pPr lvl="1" marL="685800" indent="-226080">
+            <a:pPr lvl="1" marL="685800" indent="-225360">
               <a:lnSpc>
                 <a:spcPct val="90000"/>
               </a:lnSpc>
@@ -5888,7 +5889,7 @@
             </a:endParaRPr>
           </a:p>
           <a:p>
-            <a:pPr lvl="1" marL="685800" indent="-226080">
+            <a:pPr lvl="1" marL="685800" indent="-225360">
               <a:lnSpc>
                 <a:spcPct val="90000"/>
               </a:lnSpc>
@@ -5916,7 +5917,7 @@
             </a:endParaRPr>
           </a:p>
           <a:p>
-            <a:pPr lvl="1" marL="685800" indent="-226080">
+            <a:pPr lvl="1" marL="685800" indent="-225360">
               <a:lnSpc>
                 <a:spcPct val="90000"/>
               </a:lnSpc>
@@ -5944,7 +5945,7 @@
             </a:endParaRPr>
           </a:p>
           <a:p>
-            <a:pPr lvl="1" marL="685800" indent="-226080">
+            <a:pPr lvl="1" marL="685800" indent="-225360">
               <a:lnSpc>
                 <a:spcPct val="90000"/>
               </a:lnSpc>
@@ -5972,7 +5973,7 @@
             </a:endParaRPr>
           </a:p>
           <a:p>
-            <a:pPr marL="228600" indent="-226080">
+            <a:pPr marL="228600" indent="-225360">
               <a:lnSpc>
                 <a:spcPct val="90000"/>
               </a:lnSpc>
@@ -6067,7 +6068,7 @@
         <p:spPr>
           <a:xfrm>
             <a:off x="838080" y="365040"/>
-            <a:ext cx="10513080" cy="1323000"/>
+            <a:ext cx="10512360" cy="1322280"/>
           </a:xfrm>
           <a:prstGeom prst="rect">
             <a:avLst/>
@@ -6118,7 +6119,7 @@
         <p:spPr>
           <a:xfrm>
             <a:off x="838080" y="1825560"/>
-            <a:ext cx="10513080" cy="4348800"/>
+            <a:ext cx="10512360" cy="4348080"/>
           </a:xfrm>
           <a:prstGeom prst="rect">
             <a:avLst/>
@@ -6139,7 +6140,7 @@
             <a:noAutofit/>
           </a:bodyPr>
           <a:p>
-            <a:pPr marL="228600" indent="-226080">
+            <a:pPr marL="228600" indent="-225360">
               <a:lnSpc>
                 <a:spcPct val="90000"/>
               </a:lnSpc>
@@ -6167,7 +6168,7 @@
             </a:endParaRPr>
           </a:p>
           <a:p>
-            <a:pPr lvl="1" marL="685800" indent="-226080">
+            <a:pPr lvl="1" marL="685800" indent="-225360">
               <a:lnSpc>
                 <a:spcPct val="90000"/>
               </a:lnSpc>
@@ -6195,7 +6196,7 @@
             </a:endParaRPr>
           </a:p>
           <a:p>
-            <a:pPr marL="228600" indent="-226080">
+            <a:pPr marL="228600" indent="-225360">
               <a:lnSpc>
                 <a:spcPct val="90000"/>
               </a:lnSpc>
@@ -6223,7 +6224,7 @@
             </a:endParaRPr>
           </a:p>
           <a:p>
-            <a:pPr lvl="1" marL="685800" indent="-226440">
+            <a:pPr lvl="1" marL="685800" indent="-225720">
               <a:lnSpc>
                 <a:spcPct val="100000"/>
               </a:lnSpc>
@@ -6251,7 +6252,7 @@
             </a:endParaRPr>
           </a:p>
           <a:p>
-            <a:pPr lvl="1" marL="685800" indent="-226440">
+            <a:pPr lvl="1" marL="685800" indent="-225720">
               <a:lnSpc>
                 <a:spcPct val="100000"/>
               </a:lnSpc>
@@ -6279,7 +6280,7 @@
             </a:endParaRPr>
           </a:p>
           <a:p>
-            <a:pPr lvl="1" marL="685800" indent="-226440">
+            <a:pPr lvl="1" marL="685800" indent="-225720">
               <a:lnSpc>
                 <a:spcPct val="100000"/>
               </a:lnSpc>
@@ -6387,7 +6388,7 @@
         <p:spPr>
           <a:xfrm>
             <a:off x="838080" y="365040"/>
-            <a:ext cx="10513080" cy="1323000"/>
+            <a:ext cx="10512360" cy="1322280"/>
           </a:xfrm>
           <a:prstGeom prst="rect">
             <a:avLst/>
@@ -6588,7 +6589,7 @@
             </a:endParaRPr>
           </a:p>
           <a:p>
-            <a:pPr lvl="3" marL="864000" indent="-214560">
+            <a:pPr lvl="3" marL="864000" indent="-213840">
               <a:lnSpc>
                 <a:spcPct val="90000"/>
               </a:lnSpc>
@@ -6614,7 +6615,7 @@
             </a:endParaRPr>
           </a:p>
           <a:p>
-            <a:pPr lvl="3" marL="864000" indent="-214560">
+            <a:pPr lvl="3" marL="864000" indent="-213840">
               <a:lnSpc>
                 <a:spcPct val="90000"/>
               </a:lnSpc>
@@ -6710,7 +6711,7 @@
         <p:spPr>
           <a:xfrm>
             <a:off x="838080" y="2905560"/>
-            <a:ext cx="10513080" cy="4348800"/>
+            <a:ext cx="10512360" cy="4348080"/>
           </a:xfrm>
           <a:prstGeom prst="rect">
             <a:avLst/>
@@ -6736,7 +6737,7 @@
         <p:spPr>
           <a:xfrm>
             <a:off x="634320" y="5168520"/>
-            <a:ext cx="179280" cy="394200"/>
+            <a:ext cx="178560" cy="393480"/>
           </a:xfrm>
           <a:prstGeom prst="rect">
             <a:avLst/>
@@ -6819,7 +6820,7 @@
         <p:spPr>
           <a:xfrm>
             <a:off x="838080" y="365040"/>
-            <a:ext cx="10513080" cy="1323000"/>
+            <a:ext cx="10512360" cy="1322280"/>
           </a:xfrm>
           <a:prstGeom prst="rect">
             <a:avLst/>
@@ -7020,7 +7021,7 @@
             </a:endParaRPr>
           </a:p>
           <a:p>
-            <a:pPr lvl="3" marL="864000" indent="-214560">
+            <a:pPr lvl="3" marL="864000" indent="-213840">
               <a:lnSpc>
                 <a:spcPct val="90000"/>
               </a:lnSpc>
@@ -7046,7 +7047,7 @@
             </a:endParaRPr>
           </a:p>
           <a:p>
-            <a:pPr lvl="3" marL="864000" indent="-214560">
+            <a:pPr lvl="3" marL="864000" indent="-213840">
               <a:lnSpc>
                 <a:spcPct val="90000"/>
               </a:lnSpc>
@@ -7132,7 +7133,7 @@
         <p:spPr>
           <a:xfrm>
             <a:off x="838080" y="2905560"/>
-            <a:ext cx="10513080" cy="4348800"/>
+            <a:ext cx="10512360" cy="4348080"/>
           </a:xfrm>
           <a:prstGeom prst="rect">
             <a:avLst/>
@@ -7158,7 +7159,7 @@
         <p:spPr>
           <a:xfrm>
             <a:off x="634320" y="5168520"/>
-            <a:ext cx="179280" cy="394200"/>
+            <a:ext cx="178560" cy="393480"/>
           </a:xfrm>
           <a:prstGeom prst="rect">
             <a:avLst/>
@@ -7241,7 +7242,7 @@
         <p:spPr>
           <a:xfrm>
             <a:off x="838080" y="365040"/>
-            <a:ext cx="10513080" cy="1323000"/>
+            <a:ext cx="10512360" cy="1322280"/>
           </a:xfrm>
           <a:prstGeom prst="rect">
             <a:avLst/>
@@ -7292,7 +7293,7 @@
         <p:spPr>
           <a:xfrm>
             <a:off x="838080" y="1825560"/>
-            <a:ext cx="10513080" cy="4348800"/>
+            <a:ext cx="10512360" cy="4348080"/>
           </a:xfrm>
           <a:prstGeom prst="rect">
             <a:avLst/>
@@ -7313,7 +7314,7 @@
             <a:noAutofit/>
           </a:bodyPr>
           <a:p>
-            <a:pPr marL="228600" indent="-226080">
+            <a:pPr marL="228600" indent="-225360">
               <a:lnSpc>
                 <a:spcPct val="90000"/>
               </a:lnSpc>
@@ -7341,7 +7342,7 @@
             </a:endParaRPr>
           </a:p>
           <a:p>
-            <a:pPr marL="228600" indent="-226080">
+            <a:pPr marL="228600" indent="-225360">
               <a:lnSpc>
                 <a:spcPct val="90000"/>
               </a:lnSpc>
@@ -7369,7 +7370,7 @@
             </a:endParaRPr>
           </a:p>
           <a:p>
-            <a:pPr marL="228600" indent="-226080">
+            <a:pPr marL="228600" indent="-225360">
               <a:lnSpc>
                 <a:spcPct val="90000"/>
               </a:lnSpc>
@@ -7397,7 +7398,7 @@
             </a:endParaRPr>
           </a:p>
           <a:p>
-            <a:pPr marL="228600" indent="-226080">
+            <a:pPr marL="228600" indent="-225360">
               <a:lnSpc>
                 <a:spcPct val="90000"/>
               </a:lnSpc>
@@ -7425,7 +7426,7 @@
             </a:endParaRPr>
           </a:p>
           <a:p>
-            <a:pPr marL="228600" indent="-226080">
+            <a:pPr marL="228600" indent="-225360">
               <a:lnSpc>
                 <a:spcPct val="90000"/>
               </a:lnSpc>
@@ -7453,7 +7454,7 @@
             </a:endParaRPr>
           </a:p>
           <a:p>
-            <a:pPr marL="228600" indent="-226080">
+            <a:pPr marL="228600" indent="-225360">
               <a:lnSpc>
                 <a:spcPct val="90000"/>
               </a:lnSpc>
@@ -7481,7 +7482,7 @@
             </a:endParaRPr>
           </a:p>
           <a:p>
-            <a:pPr lvl="1" marL="432000" indent="-214560">
+            <a:pPr lvl="1" marL="432000" indent="-213840">
               <a:lnSpc>
                 <a:spcPct val="90000"/>
               </a:lnSpc>
@@ -7510,7 +7511,7 @@
             </a:endParaRPr>
           </a:p>
           <a:p>
-            <a:pPr lvl="1" marL="432000" indent="-214560">
+            <a:pPr lvl="1" marL="432000" indent="-213840">
               <a:lnSpc>
                 <a:spcPct val="90000"/>
               </a:lnSpc>
@@ -7606,7 +7607,7 @@
         <p:spPr>
           <a:xfrm>
             <a:off x="838080" y="365040"/>
-            <a:ext cx="10513080" cy="1323000"/>
+            <a:ext cx="10512360" cy="1322280"/>
           </a:xfrm>
           <a:prstGeom prst="rect">
             <a:avLst/>
@@ -7657,7 +7658,7 @@
         <p:spPr>
           <a:xfrm>
             <a:off x="838080" y="1825560"/>
-            <a:ext cx="10513080" cy="4348800"/>
+            <a:ext cx="10512360" cy="4348080"/>
           </a:xfrm>
           <a:prstGeom prst="rect">
             <a:avLst/>
@@ -7678,7 +7679,7 @@
             <a:noAutofit/>
           </a:bodyPr>
           <a:p>
-            <a:pPr marL="228600" indent="-226080">
+            <a:pPr marL="228600" indent="-225360">
               <a:lnSpc>
                 <a:spcPct val="90000"/>
               </a:lnSpc>
@@ -7706,7 +7707,7 @@
             </a:endParaRPr>
           </a:p>
           <a:p>
-            <a:pPr marL="228600" indent="-226080">
+            <a:pPr marL="228600" indent="-225360">
               <a:lnSpc>
                 <a:spcPct val="90000"/>
               </a:lnSpc>
@@ -7734,7 +7735,7 @@
             </a:endParaRPr>
           </a:p>
           <a:p>
-            <a:pPr marL="228600" indent="-226080">
+            <a:pPr marL="228600" indent="-225360">
               <a:lnSpc>
                 <a:spcPct val="90000"/>
               </a:lnSpc>
@@ -7762,7 +7763,7 @@
             </a:endParaRPr>
           </a:p>
           <a:p>
-            <a:pPr lvl="1" marL="685800" indent="-226080">
+            <a:pPr lvl="1" marL="685800" indent="-225360">
               <a:lnSpc>
                 <a:spcPct val="90000"/>
               </a:lnSpc>
@@ -7790,7 +7791,7 @@
             </a:endParaRPr>
           </a:p>
           <a:p>
-            <a:pPr lvl="1" marL="685800" indent="-226080">
+            <a:pPr lvl="1" marL="685800" indent="-225360">
               <a:lnSpc>
                 <a:spcPct val="90000"/>
               </a:lnSpc>
@@ -7818,7 +7819,7 @@
             </a:endParaRPr>
           </a:p>
           <a:p>
-            <a:pPr lvl="1" marL="685800" indent="-226080">
+            <a:pPr lvl="1" marL="685800" indent="-225360">
               <a:lnSpc>
                 <a:spcPct val="90000"/>
               </a:lnSpc>
@@ -7840,6 +7841,68 @@
                 <a:ea typeface="DejaVu Sans"/>
               </a:rPr>
               <a:t>Sci-kit Learn does not compute coherence, but we will see how we can write code to do it using Sci-kit output.</a:t>
+            </a:r>
+            <a:endParaRPr b="0" lang="en-US" sz="2400" spc="-1" strike="noStrike">
+              <a:latin typeface="Arial"/>
+            </a:endParaRPr>
+          </a:p>
+          <a:p>
+            <a:pPr lvl="1" marL="685800" indent="-225360">
+              <a:lnSpc>
+                <a:spcPct val="90000"/>
+              </a:lnSpc>
+              <a:spcBef>
+                <a:spcPts val="499"/>
+              </a:spcBef>
+              <a:buClr>
+                <a:srgbClr val="000000"/>
+              </a:buClr>
+              <a:buFont typeface="Arial"/>
+              <a:buChar char="•"/>
+            </a:pPr>
+            <a:r>
+              <a:rPr b="0" lang="en-US" sz="2400" spc="-1" strike="noStrike">
+                <a:solidFill>
+                  <a:srgbClr val="000000"/>
+                </a:solidFill>
+                <a:latin typeface="Calibri"/>
+                <a:ea typeface="DejaVu Sans"/>
+              </a:rPr>
+              <a:t>Palmetto is a service that can compute coherence given a set of topic words.</a:t>
+            </a:r>
+            <a:r>
+              <a:rPr b="0" lang="en-US" sz="2400" spc="-1" strike="noStrike">
+                <a:solidFill>
+                  <a:srgbClr val="000000"/>
+                </a:solidFill>
+                <a:latin typeface="Calibri"/>
+                <a:ea typeface="DejaVu Sans"/>
+                <a:hlinkClick r:id="rId1"/>
+              </a:rPr>
+              <a:t>http://palmetto.aksw.org/palmetto-webapp/</a:t>
+            </a:r>
+            <a:endParaRPr b="0" lang="en-US" sz="2400" spc="-1" strike="noStrike">
+              <a:latin typeface="Arial"/>
+            </a:endParaRPr>
+          </a:p>
+          <a:p>
+            <a:pPr>
+              <a:lnSpc>
+                <a:spcPct val="90000"/>
+              </a:lnSpc>
+              <a:spcBef>
+                <a:spcPts val="499"/>
+              </a:spcBef>
+            </a:pPr>
+            <a:r>
+              <a:rPr b="0" lang="en-US" sz="2400" spc="-1" strike="noStrike">
+                <a:solidFill>
+                  <a:srgbClr val="000000"/>
+                </a:solidFill>
+                <a:latin typeface="Calibri"/>
+                <a:ea typeface="DejaVu Sans"/>
+              </a:rPr>
+              <a:t>	</a:t>
             </a:r>
             <a:endParaRPr b="0" lang="en-US" sz="2400" spc="-1" strike="noStrike">
               <a:latin typeface="Arial"/>
@@ -7913,7 +7976,7 @@
         <p:spPr>
           <a:xfrm>
             <a:off x="838080" y="365040"/>
-            <a:ext cx="10513080" cy="1323000"/>
+            <a:ext cx="10512360" cy="1322280"/>
           </a:xfrm>
           <a:prstGeom prst="rect">
             <a:avLst/>
@@ -7964,7 +8027,7 @@
         <p:spPr>
           <a:xfrm>
             <a:off x="838080" y="1825560"/>
-            <a:ext cx="10513080" cy="4348800"/>
+            <a:ext cx="10512360" cy="4348080"/>
           </a:xfrm>
           <a:prstGeom prst="rect">
             <a:avLst/>
@@ -7985,7 +8048,7 @@
             <a:noAutofit/>
           </a:bodyPr>
           <a:p>
-            <a:pPr marL="228600" indent="-226080">
+            <a:pPr marL="228600" indent="-225360">
               <a:lnSpc>
                 <a:spcPct val="90000"/>
               </a:lnSpc>
@@ -8013,7 +8076,7 @@
             </a:endParaRPr>
           </a:p>
           <a:p>
-            <a:pPr marL="228600" indent="-226080">
+            <a:pPr marL="228600" indent="-225360">
               <a:lnSpc>
                 <a:spcPct val="90000"/>
               </a:lnSpc>
@@ -8041,7 +8104,7 @@
             </a:endParaRPr>
           </a:p>
           <a:p>
-            <a:pPr marL="228600" indent="-226080">
+            <a:pPr marL="228600" indent="-225360">
               <a:lnSpc>
                 <a:spcPct val="90000"/>
               </a:lnSpc>
@@ -8069,7 +8132,7 @@
             </a:endParaRPr>
           </a:p>
           <a:p>
-            <a:pPr marL="228600" indent="-226080">
+            <a:pPr marL="228600" indent="-225360">
               <a:lnSpc>
                 <a:spcPct val="90000"/>
               </a:lnSpc>
@@ -8097,7 +8160,7 @@
             </a:endParaRPr>
           </a:p>
           <a:p>
-            <a:pPr marL="228600" indent="-226080">
+            <a:pPr marL="228600" indent="-225360">
               <a:lnSpc>
                 <a:spcPct val="90000"/>
               </a:lnSpc>
@@ -8125,7 +8188,7 @@
             </a:endParaRPr>
           </a:p>
           <a:p>
-            <a:pPr marL="228600" indent="-226080">
+            <a:pPr marL="228600" indent="-225360">
               <a:lnSpc>
                 <a:spcPct val="90000"/>
               </a:lnSpc>
@@ -8220,7 +8283,7 @@
         <p:spPr>
           <a:xfrm>
             <a:off x="838080" y="365040"/>
-            <a:ext cx="10513080" cy="1323000"/>
+            <a:ext cx="10512360" cy="1322280"/>
           </a:xfrm>
           <a:prstGeom prst="rect">
             <a:avLst/>
@@ -8271,7 +8334,7 @@
         <p:spPr>
           <a:xfrm>
             <a:off x="838080" y="1825560"/>
-            <a:ext cx="10513080" cy="4348800"/>
+            <a:ext cx="10512360" cy="4348080"/>
           </a:xfrm>
           <a:prstGeom prst="rect">
             <a:avLst/>
@@ -8292,7 +8355,7 @@
             <a:normAutofit/>
           </a:bodyPr>
           <a:p>
-            <a:pPr marL="228600" indent="-226080">
+            <a:pPr marL="228600" indent="-225360">
               <a:lnSpc>
                 <a:spcPct val="90000"/>
               </a:lnSpc>
@@ -8320,7 +8383,7 @@
             </a:endParaRPr>
           </a:p>
           <a:p>
-            <a:pPr lvl="1" marL="685800" indent="-226080">
+            <a:pPr lvl="1" marL="685800" indent="-225360">
               <a:lnSpc>
                 <a:spcPct val="90000"/>
               </a:lnSpc>
@@ -8348,7 +8411,7 @@
             </a:endParaRPr>
           </a:p>
           <a:p>
-            <a:pPr marL="228600" indent="-226080">
+            <a:pPr marL="228600" indent="-225360">
               <a:lnSpc>
                 <a:spcPct val="90000"/>
               </a:lnSpc>
@@ -8376,7 +8439,7 @@
             </a:endParaRPr>
           </a:p>
           <a:p>
-            <a:pPr lvl="1" marL="685800" indent="-226080">
+            <a:pPr lvl="1" marL="685800" indent="-225360">
               <a:lnSpc>
                 <a:spcPct val="90000"/>
               </a:lnSpc>
@@ -8404,7 +8467,7 @@
             </a:endParaRPr>
           </a:p>
           <a:p>
-            <a:pPr lvl="1" marL="685800" indent="-226080">
+            <a:pPr lvl="1" marL="685800" indent="-225360">
               <a:lnSpc>
                 <a:spcPct val="90000"/>
               </a:lnSpc>
@@ -8499,7 +8562,7 @@
         <p:spPr>
           <a:xfrm>
             <a:off x="838080" y="365040"/>
-            <a:ext cx="10513080" cy="1323000"/>
+            <a:ext cx="10512360" cy="1322280"/>
           </a:xfrm>
           <a:prstGeom prst="rect">
             <a:avLst/>
@@ -8533,7 +8596,7 @@
                 <a:latin typeface="Calibri"/>
                 <a:ea typeface="DejaVu Sans"/>
               </a:rPr>
-              <a:t>Web-based topic modeling</a:t>
+              <a:t>What We’ll Be Doing</a:t>
             </a:r>
             <a:endParaRPr b="0" lang="en-US" sz="4400" spc="-1" strike="noStrike">
               <a:latin typeface="Arial"/>
@@ -8550,7 +8613,7 @@
         <p:spPr>
           <a:xfrm>
             <a:off x="838080" y="1825560"/>
-            <a:ext cx="10513080" cy="4348800"/>
+            <a:ext cx="10512360" cy="4348080"/>
           </a:xfrm>
           <a:prstGeom prst="rect">
             <a:avLst/>
@@ -8568,162 +8631,116 @@
         </p:style>
         <p:txBody>
           <a:bodyPr lIns="90000" rIns="90000" tIns="45000" bIns="45000">
-            <a:noAutofit/>
+            <a:normAutofit/>
           </a:bodyPr>
           <a:p>
-            <a:pPr marL="1080">
-              <a:lnSpc>
-                <a:spcPct val="90000"/>
-              </a:lnSpc>
-              <a:spcBef>
-                <a:spcPts val="1001"/>
-              </a:spcBef>
-            </a:pPr>
-            <a:r>
-              <a:rPr b="0" lang="en-US" sz="2800" spc="-1" strike="noStrike">
-                <a:solidFill>
-                  <a:srgbClr val="000000"/>
-                </a:solidFill>
-                <a:latin typeface="Arial"/>
-                <a:ea typeface="DejaVu Sans"/>
-              </a:rPr>
-              <a:t>David Mimno’s jsLDA</a:t>
-            </a:r>
-            <a:endParaRPr b="0" lang="en-US" sz="2800" spc="-1" strike="noStrike">
-              <a:latin typeface="Arial"/>
-            </a:endParaRPr>
-          </a:p>
-          <a:p>
-            <a:pPr marL="1080">
-              <a:lnSpc>
-                <a:spcPct val="90000"/>
-              </a:lnSpc>
-              <a:spcBef>
-                <a:spcPts val="1001"/>
-              </a:spcBef>
-            </a:pPr>
-            <a:endParaRPr b="0" lang="en-US" sz="2800" spc="-1" strike="noStrike">
-              <a:latin typeface="Arial"/>
-            </a:endParaRPr>
-          </a:p>
-          <a:p>
-            <a:pPr marL="1080">
-              <a:lnSpc>
-                <a:spcPct val="90000"/>
-              </a:lnSpc>
-              <a:spcBef>
-                <a:spcPts val="1001"/>
-              </a:spcBef>
-            </a:pPr>
-            <a:r>
-              <a:rPr b="0" lang="en-US" sz="2800" spc="-1" strike="noStrike" u="sng">
-                <a:solidFill>
-                  <a:srgbClr val="0563c1"/>
-                </a:solidFill>
-                <a:uFillTx/>
-                <a:latin typeface="Arial"/>
-                <a:ea typeface="DejaVu Sans"/>
-                <a:hlinkClick r:id="rId1"/>
-              </a:rPr>
-              <a:t>https://mimno.infosci.cornell.edu/jsLDA</a:t>
-            </a:r>
-            <a:r>
-              <a:rPr b="0" lang="en-US" sz="2800" spc="-1" strike="noStrike" u="sng">
-                <a:solidFill>
-                  <a:srgbClr val="0563c1"/>
-                </a:solidFill>
-                <a:uFillTx/>
-                <a:latin typeface="Arial"/>
-                <a:ea typeface="DejaVu Sans"/>
-                <a:hlinkClick r:id="rId2"/>
-              </a:rPr>
-              <a:t>/</a:t>
-            </a:r>
-            <a:endParaRPr b="0" lang="en-US" sz="2800" spc="-1" strike="noStrike">
-              <a:latin typeface="Arial"/>
-            </a:endParaRPr>
-          </a:p>
-          <a:p>
-            <a:pPr marL="1080">
-              <a:lnSpc>
-                <a:spcPct val="90000"/>
-              </a:lnSpc>
-              <a:spcBef>
-                <a:spcPts val="1001"/>
-              </a:spcBef>
-            </a:pPr>
-            <a:endParaRPr b="0" lang="en-US" sz="2800" spc="-1" strike="noStrike">
-              <a:latin typeface="Arial"/>
-            </a:endParaRPr>
-          </a:p>
-          <a:p>
-            <a:pPr marL="1080">
-              <a:lnSpc>
-                <a:spcPct val="90000"/>
-              </a:lnSpc>
-              <a:spcBef>
-                <a:spcPts val="1001"/>
-              </a:spcBef>
-            </a:pPr>
-            <a:r>
-              <a:rPr b="0" lang="en-US" sz="2800" spc="-1" strike="noStrike">
-                <a:solidFill>
-                  <a:srgbClr val="000000"/>
-                </a:solidFill>
-                <a:latin typeface="Arial"/>
-                <a:ea typeface="DejaVu Sans"/>
-              </a:rPr>
-              <a:t>Javascript based topic modeling</a:t>
-            </a:r>
-            <a:endParaRPr b="0" lang="en-US" sz="2800" spc="-1" strike="noStrike">
-              <a:latin typeface="Arial"/>
-            </a:endParaRPr>
-          </a:p>
-          <a:p>
-            <a:pPr marL="1080">
-              <a:lnSpc>
-                <a:spcPct val="90000"/>
-              </a:lnSpc>
-              <a:spcBef>
-                <a:spcPts val="1001"/>
-              </a:spcBef>
-            </a:pPr>
-            <a:r>
-              <a:rPr b="0" lang="en-US" sz="2800" spc="-1" strike="noStrike">
-                <a:solidFill>
-                  <a:srgbClr val="000000"/>
-                </a:solidFill>
-                <a:latin typeface="Arial"/>
-                <a:ea typeface="DejaVu Sans"/>
-              </a:rPr>
-              <a:t>Requires modern web browser (FireFox, Chrome, Edge, Safari)</a:t>
-            </a:r>
-            <a:endParaRPr b="0" lang="en-US" sz="2800" spc="-1" strike="noStrike">
-              <a:latin typeface="Arial"/>
-            </a:endParaRPr>
-          </a:p>
-          <a:p>
-            <a:pPr marL="1080">
-              <a:lnSpc>
-                <a:spcPct val="90000"/>
-              </a:lnSpc>
-              <a:spcBef>
-                <a:spcPts val="1001"/>
-              </a:spcBef>
-            </a:pPr>
-            <a:endParaRPr b="0" lang="en-US" sz="2800" spc="-1" strike="noStrike">
-              <a:latin typeface="Arial"/>
-            </a:endParaRPr>
-          </a:p>
-          <a:p>
-            <a:pPr marL="1080">
-              <a:lnSpc>
-                <a:spcPct val="90000"/>
-              </a:lnSpc>
-              <a:spcBef>
-                <a:spcPts val="1001"/>
-              </a:spcBef>
-            </a:pPr>
+            <a:pPr marL="228600" indent="-225360">
+              <a:lnSpc>
+                <a:spcPct val="90000"/>
+              </a:lnSpc>
+              <a:spcBef>
+                <a:spcPts val="1001"/>
+              </a:spcBef>
+              <a:buClr>
+                <a:srgbClr val="000000"/>
+              </a:buClr>
+              <a:buFont typeface="Arial"/>
+              <a:buChar char="•"/>
+            </a:pPr>
+            <a:r>
+              <a:rPr b="0" lang="en-US" sz="2800" spc="-1" strike="noStrike">
+                <a:solidFill>
+                  <a:srgbClr val="000000"/>
+                </a:solidFill>
+                <a:latin typeface="Calibri"/>
+                <a:ea typeface="DejaVu Sans"/>
+              </a:rPr>
+              <a:t>First, we’ll perform topic modeling using Latent Direchlet Allocation in Gensim on a selection of news articles from the BBC.</a:t>
+            </a:r>
+            <a:endParaRPr b="0" lang="en-US" sz="2800" spc="-1" strike="noStrike">
+              <a:latin typeface="Arial"/>
+            </a:endParaRPr>
+          </a:p>
+          <a:p>
+            <a:pPr marL="228600" indent="-225360">
+              <a:lnSpc>
+                <a:spcPct val="90000"/>
+              </a:lnSpc>
+              <a:spcBef>
+                <a:spcPts val="1001"/>
+              </a:spcBef>
+              <a:buClr>
+                <a:srgbClr val="000000"/>
+              </a:buClr>
+              <a:buFont typeface="Arial"/>
+              <a:buChar char="•"/>
+            </a:pPr>
+            <a:r>
+              <a:rPr b="0" lang="en-US" sz="2800" spc="-1" strike="noStrike">
+                <a:solidFill>
+                  <a:srgbClr val="000000"/>
+                </a:solidFill>
+                <a:latin typeface="Calibri"/>
+                <a:ea typeface="DejaVu Sans"/>
+              </a:rPr>
+              <a:t>Second, we’ll use Non-negative Matrix Factorization on another set of articles.</a:t>
+            </a:r>
+            <a:endParaRPr b="0" lang="en-US" sz="2800" spc="-1" strike="noStrike">
+              <a:latin typeface="Arial"/>
+            </a:endParaRPr>
+          </a:p>
+          <a:p>
+            <a:pPr marL="228600" indent="-225360">
+              <a:lnSpc>
+                <a:spcPct val="90000"/>
+              </a:lnSpc>
+              <a:spcBef>
+                <a:spcPts val="1001"/>
+              </a:spcBef>
+              <a:buClr>
+                <a:srgbClr val="000000"/>
+              </a:buClr>
+              <a:buFont typeface="Arial"/>
+              <a:buChar char="•"/>
+            </a:pPr>
+            <a:r>
+              <a:rPr b="0" lang="en-US" sz="2800" spc="-1" strike="noStrike">
+                <a:solidFill>
+                  <a:srgbClr val="000000"/>
+                </a:solidFill>
+                <a:latin typeface="Calibri"/>
+                <a:ea typeface="DejaVu Sans"/>
+              </a:rPr>
+              <a:t>Third, we’ll compare LDA and NNMF on a sample of news article titles from the Australian Broadcasting Corporation.</a:t>
+            </a:r>
+            <a:endParaRPr b="0" lang="en-US" sz="2800" spc="-1" strike="noStrike">
+              <a:latin typeface="Arial"/>
+            </a:endParaRPr>
+          </a:p>
+          <a:p>
+            <a:pPr marL="228600" indent="-225360">
+              <a:lnSpc>
+                <a:spcPct val="90000"/>
+              </a:lnSpc>
+              <a:spcBef>
+                <a:spcPts val="1001"/>
+              </a:spcBef>
+              <a:buClr>
+                <a:srgbClr val="000000"/>
+              </a:buClr>
+              <a:buFont typeface="Arial"/>
+              <a:buChar char="•"/>
+            </a:pPr>
+            <a:r>
+              <a:rPr b="0" lang="en-US" sz="2800" spc="-1" strike="noStrike">
+                <a:solidFill>
+                  <a:srgbClr val="000000"/>
+                </a:solidFill>
+                <a:latin typeface="Calibri"/>
+                <a:ea typeface="DejaVu Sans"/>
+              </a:rPr>
+              <a:t>Lastly, we’ll try topic modeling on a sample of tweets about climate change.</a:t>
+            </a:r>
             <a:endParaRPr b="0" lang="en-US" sz="2800" spc="-1" strike="noStrike">
               <a:latin typeface="Arial"/>
             </a:endParaRPr>
@@ -8796,7 +8813,7 @@
         <p:spPr>
           <a:xfrm>
             <a:off x="838080" y="365040"/>
-            <a:ext cx="10513080" cy="1323000"/>
+            <a:ext cx="10512360" cy="1322280"/>
           </a:xfrm>
           <a:prstGeom prst="rect">
             <a:avLst/>
@@ -8847,7 +8864,7 @@
         <p:spPr>
           <a:xfrm>
             <a:off x="838080" y="1825560"/>
-            <a:ext cx="10513080" cy="4348800"/>
+            <a:ext cx="10512360" cy="4348080"/>
           </a:xfrm>
           <a:prstGeom prst="rect">
             <a:avLst/>
@@ -8868,7 +8885,7 @@
             <a:noAutofit/>
           </a:bodyPr>
           <a:p>
-            <a:pPr marL="228600" indent="-226080">
+            <a:pPr marL="228600" indent="-225360">
               <a:lnSpc>
                 <a:spcPct val="90000"/>
               </a:lnSpc>
@@ -8896,7 +8913,7 @@
             </a:endParaRPr>
           </a:p>
           <a:p>
-            <a:pPr marL="228600" indent="-226080">
+            <a:pPr marL="228600" indent="-225360">
               <a:lnSpc>
                 <a:spcPct val="90000"/>
               </a:lnSpc>
@@ -8924,7 +8941,7 @@
             </a:endParaRPr>
           </a:p>
           <a:p>
-            <a:pPr marL="228600" indent="-226080">
+            <a:pPr marL="228600" indent="-225360">
               <a:lnSpc>
                 <a:spcPct val="90000"/>
               </a:lnSpc>
@@ -8952,7 +8969,7 @@
             </a:endParaRPr>
           </a:p>
           <a:p>
-            <a:pPr marL="228600" indent="-226080">
+            <a:pPr marL="228600" indent="-225360">
               <a:lnSpc>
                 <a:spcPct val="90000"/>
               </a:lnSpc>
@@ -9047,7 +9064,7 @@
         <p:spPr>
           <a:xfrm>
             <a:off x="838080" y="365040"/>
-            <a:ext cx="10513080" cy="1323000"/>
+            <a:ext cx="10512360" cy="1322280"/>
           </a:xfrm>
           <a:prstGeom prst="rect">
             <a:avLst/>
@@ -9081,7 +9098,7 @@
                 <a:latin typeface="Calibri"/>
                 <a:ea typeface="DejaVu Sans"/>
               </a:rPr>
-              <a:t>What we didn't discuss.</a:t>
+              <a:t>Web-based topic modeling</a:t>
             </a:r>
             <a:endParaRPr b="0" lang="en-US" sz="4400" spc="-1" strike="noStrike">
               <a:latin typeface="Arial"/>
@@ -9098,7 +9115,7 @@
         <p:spPr>
           <a:xfrm>
             <a:off x="838080" y="1825560"/>
-            <a:ext cx="10513080" cy="4348800"/>
+            <a:ext cx="10512360" cy="4348080"/>
           </a:xfrm>
           <a:prstGeom prst="rect">
             <a:avLst/>
@@ -9119,253 +9136,159 @@
             <a:noAutofit/>
           </a:bodyPr>
           <a:p>
-            <a:pPr marL="228600" indent="-226080">
-              <a:lnSpc>
-                <a:spcPct val="90000"/>
-              </a:lnSpc>
-              <a:spcBef>
-                <a:spcPts val="1001"/>
-              </a:spcBef>
-              <a:buClr>
-                <a:srgbClr val="000000"/>
-              </a:buClr>
-              <a:buFont typeface="Arial"/>
-              <a:buChar char="•"/>
-            </a:pPr>
-            <a:r>
-              <a:rPr b="0" lang="en-US" sz="2800" spc="-1" strike="noStrike">
-                <a:solidFill>
-                  <a:srgbClr val="000000"/>
-                </a:solidFill>
-                <a:latin typeface="Calibri"/>
-                <a:ea typeface="DejaVu Sans"/>
-              </a:rPr>
-              <a:t>Ensemble topic modeling.</a:t>
-            </a:r>
-            <a:endParaRPr b="0" lang="en-US" sz="2800" spc="-1" strike="noStrike">
-              <a:latin typeface="Arial"/>
-            </a:endParaRPr>
-          </a:p>
-          <a:p>
-            <a:pPr marL="228600" indent="-226080">
-              <a:lnSpc>
-                <a:spcPct val="90000"/>
-              </a:lnSpc>
-              <a:spcBef>
-                <a:spcPts val="1001"/>
-              </a:spcBef>
-              <a:buClr>
-                <a:srgbClr val="000000"/>
-              </a:buClr>
-              <a:buFont typeface="Arial"/>
-              <a:buChar char="•"/>
-            </a:pPr>
-            <a:r>
-              <a:rPr b="0" lang="en-US" sz="2800" spc="-1" strike="noStrike">
-                <a:solidFill>
-                  <a:srgbClr val="000000"/>
-                </a:solidFill>
-                <a:latin typeface="Calibri"/>
-                <a:ea typeface="DejaVu Sans"/>
-              </a:rPr>
-              <a:t>Advanced short text topic modeling (especially Twitter).</a:t>
-            </a:r>
-            <a:endParaRPr b="0" lang="en-US" sz="2800" spc="-1" strike="noStrike">
-              <a:latin typeface="Arial"/>
-            </a:endParaRPr>
-          </a:p>
-          <a:p>
-            <a:pPr lvl="1" marL="685800" indent="-226080">
-              <a:lnSpc>
-                <a:spcPct val="90000"/>
-              </a:lnSpc>
-              <a:spcBef>
-                <a:spcPts val="499"/>
-              </a:spcBef>
-              <a:buClr>
-                <a:srgbClr val="000000"/>
-              </a:buClr>
-              <a:buFont typeface="Arial"/>
-              <a:buChar char="•"/>
-            </a:pPr>
-            <a:r>
-              <a:rPr b="0" lang="en-US" sz="2400" spc="-1" strike="noStrike">
-                <a:solidFill>
-                  <a:srgbClr val="000000"/>
-                </a:solidFill>
-                <a:latin typeface="Calibri"/>
-                <a:ea typeface="DejaVu Sans"/>
-              </a:rPr>
-              <a:t>https://github.com/stephenhky/PyShortTextCategorization</a:t>
-            </a:r>
-            <a:endParaRPr b="0" lang="en-US" sz="2400" spc="-1" strike="noStrike">
-              <a:latin typeface="Arial"/>
-            </a:endParaRPr>
-          </a:p>
-          <a:p>
-            <a:pPr lvl="1" marL="685800" indent="-226080">
-              <a:lnSpc>
-                <a:spcPct val="90000"/>
-              </a:lnSpc>
-              <a:spcBef>
-                <a:spcPts val="499"/>
-              </a:spcBef>
-              <a:buClr>
-                <a:srgbClr val="000000"/>
-              </a:buClr>
-              <a:buFont typeface="Arial"/>
-              <a:buChar char="•"/>
-            </a:pPr>
-            <a:r>
-              <a:rPr b="0" lang="en-US" sz="2400" spc="-1" strike="noStrike">
-                <a:solidFill>
-                  <a:srgbClr val="000000"/>
-                </a:solidFill>
-                <a:latin typeface="Calibri"/>
-                <a:ea typeface="DejaVu Sans"/>
-              </a:rPr>
-              <a:t>https://github.com/tshi04/SeaNMF</a:t>
-            </a:r>
-            <a:endParaRPr b="0" lang="en-US" sz="2400" spc="-1" strike="noStrike">
-              <a:latin typeface="Arial"/>
-            </a:endParaRPr>
-          </a:p>
-          <a:p>
-            <a:pPr marL="228600" indent="-226080">
-              <a:lnSpc>
-                <a:spcPct val="90000"/>
-              </a:lnSpc>
-              <a:spcBef>
-                <a:spcPts val="1001"/>
-              </a:spcBef>
-              <a:buClr>
-                <a:srgbClr val="000000"/>
-              </a:buClr>
-              <a:buFont typeface="Arial"/>
-              <a:buChar char="•"/>
-            </a:pPr>
-            <a:r>
-              <a:rPr b="0" lang="en-US" sz="2800" spc="-1" strike="noStrike">
-                <a:solidFill>
-                  <a:srgbClr val="000000"/>
-                </a:solidFill>
-                <a:latin typeface="Calibri"/>
-                <a:ea typeface="DejaVu Sans"/>
-              </a:rPr>
-              <a:t>Stochastic block modeling.</a:t>
-            </a:r>
-            <a:endParaRPr b="0" lang="en-US" sz="2800" spc="-1" strike="noStrike">
-              <a:latin typeface="Arial"/>
-            </a:endParaRPr>
-          </a:p>
-          <a:p>
-            <a:pPr lvl="1" marL="685800" indent="-226080">
-              <a:lnSpc>
-                <a:spcPct val="90000"/>
-              </a:lnSpc>
-              <a:spcBef>
-                <a:spcPts val="499"/>
-              </a:spcBef>
-              <a:buClr>
-                <a:srgbClr val="000000"/>
-              </a:buClr>
-              <a:buFont typeface="Arial"/>
-              <a:buChar char="•"/>
-            </a:pPr>
-            <a:r>
-              <a:rPr b="0" lang="en-US" sz="2400" spc="-1" strike="noStrike">
-                <a:solidFill>
-                  <a:srgbClr val="000000"/>
-                </a:solidFill>
-                <a:latin typeface="Calibri"/>
-                <a:ea typeface="DejaVu Sans"/>
-              </a:rPr>
-              <a:t>https://github.com/martingerlach/hSBM_Topicmodel</a:t>
-            </a:r>
-            <a:endParaRPr b="0" lang="en-US" sz="2400" spc="-1" strike="noStrike">
-              <a:latin typeface="Arial"/>
-            </a:endParaRPr>
-          </a:p>
-          <a:p>
-            <a:pPr marL="228600" indent="-226080">
-              <a:lnSpc>
-                <a:spcPct val="90000"/>
-              </a:lnSpc>
-              <a:spcBef>
-                <a:spcPts val="1001"/>
-              </a:spcBef>
-              <a:buClr>
-                <a:srgbClr val="000000"/>
-              </a:buClr>
-              <a:buFont typeface="Arial"/>
-              <a:buChar char="•"/>
-            </a:pPr>
-            <a:r>
-              <a:rPr b="0" lang="en-US" sz="2800" spc="-1" strike="noStrike">
-                <a:solidFill>
-                  <a:srgbClr val="000000"/>
-                </a:solidFill>
-                <a:latin typeface="Calibri"/>
-                <a:ea typeface="DejaVu Sans"/>
-              </a:rPr>
-              <a:t>Supervised and guided topic modeling.</a:t>
-            </a:r>
-            <a:endParaRPr b="0" lang="en-US" sz="2800" spc="-1" strike="noStrike">
-              <a:latin typeface="Arial"/>
-            </a:endParaRPr>
-          </a:p>
-          <a:p>
-            <a:pPr marL="228600" indent="-226080">
-              <a:lnSpc>
-                <a:spcPct val="90000"/>
-              </a:lnSpc>
-              <a:spcBef>
-                <a:spcPts val="1001"/>
-              </a:spcBef>
-              <a:buClr>
-                <a:srgbClr val="000000"/>
-              </a:buClr>
-              <a:buFont typeface="Arial"/>
-              <a:buChar char="•"/>
-            </a:pPr>
-            <a:r>
-              <a:rPr b="0" lang="en-US" sz="2800" spc="-1" strike="noStrike">
-                <a:solidFill>
-                  <a:srgbClr val="000000"/>
-                </a:solidFill>
-                <a:latin typeface="Calibri"/>
-                <a:ea typeface="DejaVu Sans"/>
-              </a:rPr>
-              <a:t>Automatic topic labeling.</a:t>
-            </a:r>
-            <a:endParaRPr b="0" lang="en-US" sz="2800" spc="-1" strike="noStrike">
-              <a:latin typeface="Arial"/>
-            </a:endParaRPr>
-          </a:p>
-          <a:p>
-            <a:pPr marL="228600" indent="-226080">
-              <a:lnSpc>
-                <a:spcPct val="90000"/>
-              </a:lnSpc>
-              <a:spcBef>
-                <a:spcPts val="1001"/>
-              </a:spcBef>
-              <a:buClr>
-                <a:srgbClr val="000000"/>
-              </a:buClr>
-              <a:buFont typeface="Arial"/>
-              <a:buChar char="•"/>
-            </a:pPr>
-            <a:r>
-              <a:rPr b="0" lang="en-US" sz="2800" spc="-1" strike="noStrike">
-                <a:solidFill>
-                  <a:srgbClr val="000000"/>
-                </a:solidFill>
-                <a:latin typeface="Calibri"/>
-                <a:ea typeface="DejaVu Sans"/>
-              </a:rPr>
-              <a:t>Phrase-based topic modeling.</a:t>
-            </a:r>
+            <a:pPr marL="1080">
+              <a:lnSpc>
+                <a:spcPct val="90000"/>
+              </a:lnSpc>
+              <a:spcBef>
+                <a:spcPts val="1001"/>
+              </a:spcBef>
+            </a:pPr>
+            <a:r>
+              <a:rPr b="0" lang="en-US" sz="2800" spc="-1" strike="noStrike">
+                <a:solidFill>
+                  <a:srgbClr val="000000"/>
+                </a:solidFill>
+                <a:latin typeface="Arial"/>
+                <a:ea typeface="DejaVu Sans"/>
+              </a:rPr>
+              <a:t>David Mimno’s jsLDA</a:t>
+            </a:r>
+            <a:endParaRPr b="0" lang="en-US" sz="2800" spc="-1" strike="noStrike">
+              <a:latin typeface="Arial"/>
+            </a:endParaRPr>
+          </a:p>
+          <a:p>
+            <a:pPr marL="1080">
+              <a:lnSpc>
+                <a:spcPct val="90000"/>
+              </a:lnSpc>
+              <a:spcBef>
+                <a:spcPts val="1001"/>
+              </a:spcBef>
+            </a:pPr>
+            <a:endParaRPr b="0" lang="en-US" sz="2800" spc="-1" strike="noStrike">
+              <a:latin typeface="Arial"/>
+            </a:endParaRPr>
+          </a:p>
+          <a:p>
+            <a:pPr marL="1080">
+              <a:lnSpc>
+                <a:spcPct val="90000"/>
+              </a:lnSpc>
+              <a:spcBef>
+                <a:spcPts val="1001"/>
+              </a:spcBef>
+            </a:pPr>
+            <a:r>
+              <a:rPr b="0" lang="en-US" sz="2800" spc="-1" strike="noStrike" u="sng">
+                <a:solidFill>
+                  <a:srgbClr val="0563c1"/>
+                </a:solidFill>
+                <a:uFillTx/>
+                <a:latin typeface="Arial"/>
+                <a:ea typeface="DejaVu Sans"/>
+                <a:hlinkClick r:id="rId1"/>
+              </a:rPr>
+              <a:t>https://mimno.infosci.cornell.edu/jsLDA</a:t>
+            </a:r>
+            <a:r>
+              <a:rPr b="0" lang="en-US" sz="2800" spc="-1" strike="noStrike" u="sng">
+                <a:solidFill>
+                  <a:srgbClr val="0563c1"/>
+                </a:solidFill>
+                <a:uFillTx/>
+                <a:latin typeface="Arial"/>
+                <a:ea typeface="DejaVu Sans"/>
+                <a:hlinkClick r:id="rId2"/>
+              </a:rPr>
+              <a:t>/</a:t>
+            </a:r>
+            <a:endParaRPr b="0" lang="en-US" sz="2800" spc="-1" strike="noStrike">
+              <a:latin typeface="Arial"/>
+            </a:endParaRPr>
+          </a:p>
+          <a:p>
+            <a:pPr marL="1080">
+              <a:lnSpc>
+                <a:spcPct val="90000"/>
+              </a:lnSpc>
+              <a:spcBef>
+                <a:spcPts val="1001"/>
+              </a:spcBef>
+            </a:pPr>
+            <a:endParaRPr b="0" lang="en-US" sz="2800" spc="-1" strike="noStrike">
+              <a:latin typeface="Arial"/>
+            </a:endParaRPr>
+          </a:p>
+          <a:p>
+            <a:pPr marL="1080">
+              <a:lnSpc>
+                <a:spcPct val="90000"/>
+              </a:lnSpc>
+              <a:spcBef>
+                <a:spcPts val="1001"/>
+              </a:spcBef>
+            </a:pPr>
+            <a:r>
+              <a:rPr b="0" lang="en-US" sz="2800" spc="-1" strike="noStrike">
+                <a:solidFill>
+                  <a:srgbClr val="000000"/>
+                </a:solidFill>
+                <a:latin typeface="Arial"/>
+                <a:ea typeface="DejaVu Sans"/>
+              </a:rPr>
+              <a:t>Javascript based topic modeling</a:t>
+            </a:r>
+            <a:endParaRPr b="0" lang="en-US" sz="2800" spc="-1" strike="noStrike">
+              <a:latin typeface="Arial"/>
+            </a:endParaRPr>
+          </a:p>
+          <a:p>
+            <a:pPr marL="1080">
+              <a:lnSpc>
+                <a:spcPct val="90000"/>
+              </a:lnSpc>
+              <a:spcBef>
+                <a:spcPts val="1001"/>
+              </a:spcBef>
+            </a:pPr>
+            <a:r>
+              <a:rPr b="0" lang="en-US" sz="2800" spc="-1" strike="noStrike">
+                <a:solidFill>
+                  <a:srgbClr val="000000"/>
+                </a:solidFill>
+                <a:latin typeface="Arial"/>
+                <a:ea typeface="DejaVu Sans"/>
+              </a:rPr>
+              <a:t>Requires modern web browser (FireFox, Chrome, Edge, Safari)</a:t>
+            </a:r>
+            <a:endParaRPr b="0" lang="en-US" sz="2800" spc="-1" strike="noStrike">
+              <a:latin typeface="Arial"/>
+            </a:endParaRPr>
+          </a:p>
+          <a:p>
+            <a:pPr marL="1080">
+              <a:lnSpc>
+                <a:spcPct val="90000"/>
+              </a:lnSpc>
+              <a:spcBef>
+                <a:spcPts val="1001"/>
+              </a:spcBef>
+            </a:pPr>
+            <a:endParaRPr b="0" lang="en-US" sz="2800" spc="-1" strike="noStrike">
+              <a:latin typeface="Arial"/>
+            </a:endParaRPr>
+          </a:p>
+          <a:p>
+            <a:pPr marL="1080">
+              <a:lnSpc>
+                <a:spcPct val="90000"/>
+              </a:lnSpc>
+              <a:spcBef>
+                <a:spcPts val="1001"/>
+              </a:spcBef>
+            </a:pPr>
             <a:endParaRPr b="0" lang="en-US" sz="2800" spc="-1" strike="noStrike">
               <a:latin typeface="Arial"/>
             </a:endParaRPr>
@@ -9389,6 +9312,397 @@
           <p:childTnLst>
             <p:seq>
               <p:cTn id="60" dur="indefinite" nodeType="mainSeq"/>
+              <p:prevCondLst>
+                <p:cond delay="0" evt="onPrev">
+                  <p:tgtEl>
+                    <p:sldTgt/>
+                  </p:tgtEl>
+                </p:cond>
+              </p:prevCondLst>
+              <p:nextCondLst>
+                <p:cond delay="0" evt="onNext">
+                  <p:tgtEl>
+                    <p:sldTgt/>
+                  </p:tgtEl>
+                </p:cond>
+              </p:nextCondLst>
+            </p:seq>
+          </p:childTnLst>
+        </p:cTn>
+      </p:par>
+    </p:tnLst>
+  </p:timing>
+</p:sld>
+</file>
+
+<file path=ppt/slides/slide31.xml><?xml version="1.0" encoding="utf-8"?>
+<p:sld xmlns:a="http://schemas.openxmlformats.org/drawingml/2006/main" xmlns:p="http://schemas.openxmlformats.org/presentationml/2006/main" xmlns:r="http://schemas.openxmlformats.org/officeDocument/2006/relationships" xmlns:p14="http://schemas.microsoft.com/office/powerpoint/2010/main" xmlns:p15="http://schemas.microsoft.com/office/powerpoint/2012/main" xmlns:mc="http://schemas.openxmlformats.org/markup-compatibility/2006">
+  <p:cSld>
+    <p:spTree>
+      <p:nvGrpSpPr>
+        <p:cNvPr id="1" name=""/>
+        <p:cNvGrpSpPr/>
+        <p:nvPr/>
+      </p:nvGrpSpPr>
+      <p:grpSpPr>
+        <a:xfrm>
+          <a:off x="0" y="0"/>
+          <a:ext cx="0" cy="0"/>
+          <a:chOff x="0" y="0"/>
+          <a:chExt cx="0" cy="0"/>
+        </a:xfrm>
+      </p:grpSpPr>
+      <p:sp>
+        <p:nvSpPr>
+          <p:cNvPr id="100" name="CustomShape 1"/>
+          <p:cNvSpPr/>
+          <p:nvPr/>
+        </p:nvSpPr>
+        <p:spPr>
+          <a:xfrm>
+            <a:off x="838080" y="365040"/>
+            <a:ext cx="10512360" cy="1322280"/>
+          </a:xfrm>
+          <a:prstGeom prst="rect">
+            <a:avLst/>
+          </a:prstGeom>
+          <a:noFill/>
+          <a:ln>
+            <a:noFill/>
+          </a:ln>
+        </p:spPr>
+        <p:style>
+          <a:lnRef idx="0"/>
+          <a:fillRef idx="0"/>
+          <a:effectRef idx="0"/>
+          <a:fontRef idx="minor"/>
+        </p:style>
+        <p:txBody>
+          <a:bodyPr lIns="90000" rIns="90000" tIns="45000" bIns="45000" anchor="ctr">
+            <a:noAutofit/>
+          </a:bodyPr>
+          <a:p>
+            <a:pPr>
+              <a:lnSpc>
+                <a:spcPct val="90000"/>
+              </a:lnSpc>
+            </a:pPr>
+            <a:r>
+              <a:rPr b="0" lang="en-US" sz="4400" spc="-1" strike="noStrike">
+                <a:solidFill>
+                  <a:srgbClr val="000000"/>
+                </a:solidFill>
+                <a:latin typeface="Calibri"/>
+                <a:ea typeface="DejaVu Sans"/>
+              </a:rPr>
+              <a:t>What we didn't discuss.</a:t>
+            </a:r>
+            <a:endParaRPr b="0" lang="en-US" sz="4400" spc="-1" strike="noStrike">
+              <a:latin typeface="Arial"/>
+            </a:endParaRPr>
+          </a:p>
+        </p:txBody>
+      </p:sp>
+      <p:sp>
+        <p:nvSpPr>
+          <p:cNvPr id="101" name="CustomShape 2"/>
+          <p:cNvSpPr/>
+          <p:nvPr/>
+        </p:nvSpPr>
+        <p:spPr>
+          <a:xfrm>
+            <a:off x="838080" y="1825560"/>
+            <a:ext cx="10512360" cy="4348080"/>
+          </a:xfrm>
+          <a:prstGeom prst="rect">
+            <a:avLst/>
+          </a:prstGeom>
+          <a:noFill/>
+          <a:ln>
+            <a:noFill/>
+          </a:ln>
+        </p:spPr>
+        <p:style>
+          <a:lnRef idx="0"/>
+          <a:fillRef idx="0"/>
+          <a:effectRef idx="0"/>
+          <a:fontRef idx="minor"/>
+        </p:style>
+        <p:txBody>
+          <a:bodyPr lIns="90000" rIns="90000" tIns="45000" bIns="45000">
+            <a:noAutofit/>
+          </a:bodyPr>
+          <a:p>
+            <a:pPr marL="228600" indent="-225360">
+              <a:lnSpc>
+                <a:spcPct val="90000"/>
+              </a:lnSpc>
+              <a:spcBef>
+                <a:spcPts val="1001"/>
+              </a:spcBef>
+              <a:buClr>
+                <a:srgbClr val="000000"/>
+              </a:buClr>
+              <a:buFont typeface="Arial"/>
+              <a:buChar char="•"/>
+            </a:pPr>
+            <a:r>
+              <a:rPr b="0" lang="en-US" sz="2800" spc="-1" strike="noStrike">
+                <a:solidFill>
+                  <a:srgbClr val="000000"/>
+                </a:solidFill>
+                <a:latin typeface="Calibri"/>
+                <a:ea typeface="DejaVu Sans"/>
+              </a:rPr>
+              <a:t>Ensemble topic modeling.</a:t>
+            </a:r>
+            <a:endParaRPr b="0" lang="en-US" sz="2800" spc="-1" strike="noStrike">
+              <a:latin typeface="Arial"/>
+            </a:endParaRPr>
+          </a:p>
+          <a:p>
+            <a:pPr marL="228600" indent="-225360">
+              <a:lnSpc>
+                <a:spcPct val="90000"/>
+              </a:lnSpc>
+              <a:spcBef>
+                <a:spcPts val="1001"/>
+              </a:spcBef>
+              <a:buClr>
+                <a:srgbClr val="000000"/>
+              </a:buClr>
+              <a:buFont typeface="Arial"/>
+              <a:buChar char="•"/>
+            </a:pPr>
+            <a:r>
+              <a:rPr b="0" lang="en-US" sz="2800" spc="-1" strike="noStrike">
+                <a:solidFill>
+                  <a:srgbClr val="000000"/>
+                </a:solidFill>
+                <a:latin typeface="Calibri"/>
+                <a:ea typeface="DejaVu Sans"/>
+              </a:rPr>
+              <a:t>Advanced short text topic modeling (especially Twitter).</a:t>
+            </a:r>
+            <a:endParaRPr b="0" lang="en-US" sz="2800" spc="-1" strike="noStrike">
+              <a:latin typeface="Arial"/>
+            </a:endParaRPr>
+          </a:p>
+          <a:p>
+            <a:pPr lvl="1" marL="685800" indent="-225360">
+              <a:lnSpc>
+                <a:spcPct val="90000"/>
+              </a:lnSpc>
+              <a:spcBef>
+                <a:spcPts val="499"/>
+              </a:spcBef>
+              <a:buClr>
+                <a:srgbClr val="000000"/>
+              </a:buClr>
+              <a:buFont typeface="Arial"/>
+              <a:buChar char="•"/>
+            </a:pPr>
+            <a:r>
+              <a:rPr b="0" lang="en-US" sz="2400" spc="-1" strike="noStrike">
+                <a:solidFill>
+                  <a:srgbClr val="000000"/>
+                </a:solidFill>
+                <a:latin typeface="Calibri"/>
+                <a:ea typeface="DejaVu Sans"/>
+              </a:rPr>
+              <a:t>https://github.com/stephenhky/PyShortTextCategorization</a:t>
+            </a:r>
+            <a:endParaRPr b="0" lang="en-US" sz="2400" spc="-1" strike="noStrike">
+              <a:latin typeface="Arial"/>
+            </a:endParaRPr>
+          </a:p>
+          <a:p>
+            <a:pPr lvl="1" marL="685800" indent="-225360">
+              <a:lnSpc>
+                <a:spcPct val="90000"/>
+              </a:lnSpc>
+              <a:spcBef>
+                <a:spcPts val="499"/>
+              </a:spcBef>
+              <a:buClr>
+                <a:srgbClr val="000000"/>
+              </a:buClr>
+              <a:buFont typeface="Arial"/>
+              <a:buChar char="•"/>
+            </a:pPr>
+            <a:r>
+              <a:rPr b="0" lang="en-US" sz="2400" spc="-1" strike="noStrike">
+                <a:solidFill>
+                  <a:srgbClr val="000000"/>
+                </a:solidFill>
+                <a:latin typeface="Calibri"/>
+                <a:ea typeface="DejaVu Sans"/>
+              </a:rPr>
+              <a:t>https://github.com/tshi04/SeaNMF</a:t>
+            </a:r>
+            <a:endParaRPr b="0" lang="en-US" sz="2400" spc="-1" strike="noStrike">
+              <a:latin typeface="Arial"/>
+            </a:endParaRPr>
+          </a:p>
+          <a:p>
+            <a:pPr marL="228600" indent="-225360">
+              <a:lnSpc>
+                <a:spcPct val="90000"/>
+              </a:lnSpc>
+              <a:spcBef>
+                <a:spcPts val="1001"/>
+              </a:spcBef>
+              <a:buClr>
+                <a:srgbClr val="000000"/>
+              </a:buClr>
+              <a:buFont typeface="Arial"/>
+              <a:buChar char="•"/>
+            </a:pPr>
+            <a:r>
+              <a:rPr b="0" lang="en-US" sz="2800" spc="-1" strike="noStrike">
+                <a:solidFill>
+                  <a:srgbClr val="000000"/>
+                </a:solidFill>
+                <a:latin typeface="Calibri"/>
+                <a:ea typeface="DejaVu Sans"/>
+              </a:rPr>
+              <a:t>Stochastic block modeling.</a:t>
+            </a:r>
+            <a:endParaRPr b="0" lang="en-US" sz="2800" spc="-1" strike="noStrike">
+              <a:latin typeface="Arial"/>
+            </a:endParaRPr>
+          </a:p>
+          <a:p>
+            <a:pPr lvl="1" marL="685800" indent="-225360">
+              <a:lnSpc>
+                <a:spcPct val="90000"/>
+              </a:lnSpc>
+              <a:spcBef>
+                <a:spcPts val="499"/>
+              </a:spcBef>
+              <a:buClr>
+                <a:srgbClr val="000000"/>
+              </a:buClr>
+              <a:buFont typeface="Arial"/>
+              <a:buChar char="•"/>
+            </a:pPr>
+            <a:r>
+              <a:rPr b="0" lang="en-US" sz="2400" spc="-1" strike="noStrike">
+                <a:solidFill>
+                  <a:srgbClr val="000000"/>
+                </a:solidFill>
+                <a:latin typeface="Calibri"/>
+                <a:ea typeface="DejaVu Sans"/>
+              </a:rPr>
+              <a:t>https://github.com/martingerlach/hSBM_Topicmodel</a:t>
+            </a:r>
+            <a:endParaRPr b="0" lang="en-US" sz="2400" spc="-1" strike="noStrike">
+              <a:latin typeface="Arial"/>
+            </a:endParaRPr>
+          </a:p>
+          <a:p>
+            <a:pPr marL="228600" indent="-225360">
+              <a:lnSpc>
+                <a:spcPct val="90000"/>
+              </a:lnSpc>
+              <a:spcBef>
+                <a:spcPts val="1001"/>
+              </a:spcBef>
+              <a:buClr>
+                <a:srgbClr val="000000"/>
+              </a:buClr>
+              <a:buFont typeface="Arial"/>
+              <a:buChar char="•"/>
+            </a:pPr>
+            <a:r>
+              <a:rPr b="0" lang="en-US" sz="2800" spc="-1" strike="noStrike">
+                <a:solidFill>
+                  <a:srgbClr val="000000"/>
+                </a:solidFill>
+                <a:latin typeface="Calibri"/>
+                <a:ea typeface="DejaVu Sans"/>
+              </a:rPr>
+              <a:t>Supervised and guided topic modeling.</a:t>
+            </a:r>
+            <a:endParaRPr b="0" lang="en-US" sz="2800" spc="-1" strike="noStrike">
+              <a:latin typeface="Arial"/>
+            </a:endParaRPr>
+          </a:p>
+          <a:p>
+            <a:pPr marL="228600" indent="-225360">
+              <a:lnSpc>
+                <a:spcPct val="90000"/>
+              </a:lnSpc>
+              <a:spcBef>
+                <a:spcPts val="1001"/>
+              </a:spcBef>
+              <a:buClr>
+                <a:srgbClr val="000000"/>
+              </a:buClr>
+              <a:buFont typeface="Arial"/>
+              <a:buChar char="•"/>
+            </a:pPr>
+            <a:r>
+              <a:rPr b="0" lang="en-US" sz="2800" spc="-1" strike="noStrike">
+                <a:solidFill>
+                  <a:srgbClr val="000000"/>
+                </a:solidFill>
+                <a:latin typeface="Calibri"/>
+                <a:ea typeface="DejaVu Sans"/>
+              </a:rPr>
+              <a:t>Automatic topic labeling.</a:t>
+            </a:r>
+            <a:endParaRPr b="0" lang="en-US" sz="2800" spc="-1" strike="noStrike">
+              <a:latin typeface="Arial"/>
+            </a:endParaRPr>
+          </a:p>
+          <a:p>
+            <a:pPr marL="228600" indent="-225360">
+              <a:lnSpc>
+                <a:spcPct val="90000"/>
+              </a:lnSpc>
+              <a:spcBef>
+                <a:spcPts val="1001"/>
+              </a:spcBef>
+              <a:buClr>
+                <a:srgbClr val="000000"/>
+              </a:buClr>
+              <a:buFont typeface="Arial"/>
+              <a:buChar char="•"/>
+            </a:pPr>
+            <a:r>
+              <a:rPr b="0" lang="en-US" sz="2800" spc="-1" strike="noStrike">
+                <a:solidFill>
+                  <a:srgbClr val="000000"/>
+                </a:solidFill>
+                <a:latin typeface="Calibri"/>
+                <a:ea typeface="DejaVu Sans"/>
+              </a:rPr>
+              <a:t>Phrase-based topic modeling.</a:t>
+            </a:r>
+            <a:endParaRPr b="0" lang="en-US" sz="2800" spc="-1" strike="noStrike">
+              <a:latin typeface="Arial"/>
+            </a:endParaRPr>
+          </a:p>
+        </p:txBody>
+      </p:sp>
+    </p:spTree>
+  </p:cSld>
+  <mc:AlternateContent>
+    <mc:Choice Requires="p14">
+      <p:transition spd="slow" p14:dur="2000"/>
+    </mc:Choice>
+    <mc:Fallback>
+      <p:transition spd="slow"/>
+    </mc:Fallback>
+  </mc:AlternateContent>
+  <p:timing>
+    <p:tnLst>
+      <p:par>
+        <p:cTn id="61" dur="indefinite" restart="never" nodeType="tmRoot">
+          <p:childTnLst>
+            <p:seq>
+              <p:cTn id="62" dur="indefinite" nodeType="mainSeq"/>
               <p:prevCondLst>
                 <p:cond delay="0" evt="onPrev">
                   <p:tgtEl>
@@ -9438,7 +9752,7 @@
         <p:spPr>
           <a:xfrm>
             <a:off x="838080" y="365040"/>
-            <a:ext cx="10513080" cy="1323000"/>
+            <a:ext cx="10512360" cy="1322280"/>
           </a:xfrm>
           <a:prstGeom prst="rect">
             <a:avLst/>
@@ -9489,7 +9803,7 @@
         <p:spPr>
           <a:xfrm>
             <a:off x="838080" y="1825560"/>
-            <a:ext cx="10513080" cy="4348800"/>
+            <a:ext cx="10512360" cy="4348080"/>
           </a:xfrm>
           <a:prstGeom prst="rect">
             <a:avLst/>
@@ -9510,7 +9824,7 @@
             <a:noAutofit/>
           </a:bodyPr>
           <a:p>
-            <a:pPr marL="228600" indent="-226080">
+            <a:pPr marL="228600" indent="-225360">
               <a:lnSpc>
                 <a:spcPct val="90000"/>
               </a:lnSpc>
@@ -9548,7 +9862,7 @@
             </a:endParaRPr>
           </a:p>
           <a:p>
-            <a:pPr marL="228600" indent="-226080">
+            <a:pPr marL="228600" indent="-225360">
               <a:lnSpc>
                 <a:spcPct val="90000"/>
               </a:lnSpc>
@@ -9666,7 +9980,7 @@
         <p:spPr>
           <a:xfrm>
             <a:off x="838080" y="365040"/>
-            <a:ext cx="10513080" cy="1323000"/>
+            <a:ext cx="10512360" cy="1322280"/>
           </a:xfrm>
           <a:prstGeom prst="rect">
             <a:avLst/>
@@ -9717,7 +10031,7 @@
         <p:spPr>
           <a:xfrm>
             <a:off x="838080" y="1825560"/>
-            <a:ext cx="10513080" cy="4348800"/>
+            <a:ext cx="10512360" cy="4348080"/>
           </a:xfrm>
           <a:prstGeom prst="rect">
             <a:avLst/>
@@ -9738,7 +10052,7 @@
             <a:noAutofit/>
           </a:bodyPr>
           <a:p>
-            <a:pPr marL="228600" indent="-226080">
+            <a:pPr marL="228600" indent="-225360">
               <a:lnSpc>
                 <a:spcPct val="90000"/>
               </a:lnSpc>
@@ -9796,7 +10110,7 @@
             </a:endParaRPr>
           </a:p>
           <a:p>
-            <a:pPr marL="228600" indent="-226080">
+            <a:pPr marL="228600" indent="-225360">
               <a:lnSpc>
                 <a:spcPct val="90000"/>
               </a:lnSpc>
@@ -9854,7 +10168,7 @@
             </a:endParaRPr>
           </a:p>
           <a:p>
-            <a:pPr marL="228600" indent="-226080">
+            <a:pPr marL="228600" indent="-225360">
               <a:lnSpc>
                 <a:spcPct val="90000"/>
               </a:lnSpc>
@@ -9912,7 +10226,7 @@
             </a:endParaRPr>
           </a:p>
           <a:p>
-            <a:pPr marL="228600" indent="-226080">
+            <a:pPr marL="228600" indent="-225360">
               <a:lnSpc>
                 <a:spcPct val="90000"/>
               </a:lnSpc>
@@ -9970,7 +10284,7 @@
             </a:endParaRPr>
           </a:p>
           <a:p>
-            <a:pPr marL="228600" indent="-226080">
+            <a:pPr marL="228600" indent="-225360">
               <a:lnSpc>
                 <a:spcPct val="90000"/>
               </a:lnSpc>
@@ -10041,7 +10355,7 @@
             </a:endParaRPr>
           </a:p>
           <a:p>
-            <a:pPr marL="228600" indent="-226080">
+            <a:pPr marL="228600" indent="-225360">
               <a:lnSpc>
                 <a:spcPct val="90000"/>
               </a:lnSpc>
@@ -10136,7 +10450,7 @@
         <p:spPr>
           <a:xfrm>
             <a:off x="838080" y="365040"/>
-            <a:ext cx="10513080" cy="1323000"/>
+            <a:ext cx="10512360" cy="1322280"/>
           </a:xfrm>
           <a:prstGeom prst="rect">
             <a:avLst/>
@@ -10187,7 +10501,7 @@
         <p:spPr>
           <a:xfrm>
             <a:off x="838080" y="1825560"/>
-            <a:ext cx="10513080" cy="4348800"/>
+            <a:ext cx="10512360" cy="4348080"/>
           </a:xfrm>
           <a:prstGeom prst="rect">
             <a:avLst/>
@@ -10208,7 +10522,7 @@
             <a:noAutofit/>
           </a:bodyPr>
           <a:p>
-            <a:pPr marL="228600" indent="-226080">
+            <a:pPr marL="228600" indent="-225360">
               <a:lnSpc>
                 <a:spcPct val="90000"/>
               </a:lnSpc>
@@ -10236,7 +10550,7 @@
             </a:endParaRPr>
           </a:p>
           <a:p>
-            <a:pPr marL="228600" indent="-226080">
+            <a:pPr marL="228600" indent="-225360">
               <a:lnSpc>
                 <a:spcPct val="90000"/>
               </a:lnSpc>
@@ -10264,7 +10578,7 @@
             </a:endParaRPr>
           </a:p>
           <a:p>
-            <a:pPr lvl="1" marL="685800" indent="-226080">
+            <a:pPr lvl="1" marL="685800" indent="-225360">
               <a:lnSpc>
                 <a:spcPct val="90000"/>
               </a:lnSpc>
@@ -10292,7 +10606,7 @@
             </a:endParaRPr>
           </a:p>
           <a:p>
-            <a:pPr lvl="3" marL="864000" indent="-214920">
+            <a:pPr lvl="3" marL="864000" indent="-214200">
               <a:lnSpc>
                 <a:spcPct val="90000"/>
               </a:lnSpc>
@@ -10321,7 +10635,7 @@
             </a:endParaRPr>
           </a:p>
           <a:p>
-            <a:pPr lvl="1" marL="685800" indent="-226080">
+            <a:pPr lvl="1" marL="685800" indent="-225360">
               <a:lnSpc>
                 <a:spcPct val="90000"/>
               </a:lnSpc>
@@ -10349,7 +10663,7 @@
             </a:endParaRPr>
           </a:p>
           <a:p>
-            <a:pPr lvl="3" marL="864000" indent="-214920">
+            <a:pPr lvl="3" marL="864000" indent="-214200">
               <a:lnSpc>
                 <a:spcPct val="90000"/>
               </a:lnSpc>
@@ -10378,7 +10692,7 @@
             </a:endParaRPr>
           </a:p>
           <a:p>
-            <a:pPr lvl="3" marL="864000" indent="-214920">
+            <a:pPr lvl="3" marL="864000" indent="-214200">
               <a:lnSpc>
                 <a:spcPct val="90000"/>
               </a:lnSpc>
@@ -10407,7 +10721,7 @@
             </a:endParaRPr>
           </a:p>
           <a:p>
-            <a:pPr marL="228600" indent="-226080">
+            <a:pPr marL="228600" indent="-225360">
               <a:lnSpc>
                 <a:spcPct val="90000"/>
               </a:lnSpc>
@@ -10435,7 +10749,7 @@
             </a:endParaRPr>
           </a:p>
           <a:p>
-            <a:pPr marL="228600" indent="-226080">
+            <a:pPr marL="228600" indent="-225360">
               <a:lnSpc>
                 <a:spcPct val="90000"/>
               </a:lnSpc>
@@ -10543,7 +10857,7 @@
         <p:spPr>
           <a:xfrm>
             <a:off x="838080" y="365040"/>
-            <a:ext cx="10513080" cy="1323000"/>
+            <a:ext cx="10512360" cy="1322280"/>
           </a:xfrm>
           <a:prstGeom prst="rect">
             <a:avLst/>
@@ -10594,7 +10908,7 @@
         <p:spPr>
           <a:xfrm>
             <a:off x="838080" y="1825560"/>
-            <a:ext cx="10513080" cy="4348800"/>
+            <a:ext cx="10512360" cy="4348080"/>
           </a:xfrm>
           <a:prstGeom prst="rect">
             <a:avLst/>
@@ -10615,7 +10929,7 @@
             <a:noAutofit/>
           </a:bodyPr>
           <a:p>
-            <a:pPr marL="228600" indent="-226080">
+            <a:pPr marL="228600" indent="-225360">
               <a:lnSpc>
                 <a:spcPct val="90000"/>
               </a:lnSpc>
@@ -10643,7 +10957,7 @@
             </a:endParaRPr>
           </a:p>
           <a:p>
-            <a:pPr marL="228600" indent="-226080">
+            <a:pPr marL="228600" indent="-225360">
               <a:lnSpc>
                 <a:spcPct val="90000"/>
               </a:lnSpc>
@@ -10671,7 +10985,7 @@
             </a:endParaRPr>
           </a:p>
           <a:p>
-            <a:pPr marL="228600" indent="-226080">
+            <a:pPr marL="228600" indent="-225360">
               <a:lnSpc>
                 <a:spcPct val="90000"/>
               </a:lnSpc>
@@ -10699,7 +11013,7 @@
             </a:endParaRPr>
           </a:p>
           <a:p>
-            <a:pPr marL="228600" indent="-226080">
+            <a:pPr marL="228600" indent="-225360">
               <a:lnSpc>
                 <a:spcPct val="90000"/>
               </a:lnSpc>
@@ -10727,7 +11041,7 @@
             </a:endParaRPr>
           </a:p>
           <a:p>
-            <a:pPr marL="228600" indent="-226080">
+            <a:pPr marL="228600" indent="-225360">
               <a:lnSpc>
                 <a:spcPct val="90000"/>
               </a:lnSpc>
@@ -10755,7 +11069,7 @@
             </a:endParaRPr>
           </a:p>
           <a:p>
-            <a:pPr marL="228600" indent="-226080">
+            <a:pPr marL="228600" indent="-225360">
               <a:lnSpc>
                 <a:spcPct val="90000"/>
               </a:lnSpc>
@@ -10850,7 +11164,7 @@
         <p:spPr>
           <a:xfrm>
             <a:off x="838080" y="365040"/>
-            <a:ext cx="10513080" cy="1323000"/>
+            <a:ext cx="10512360" cy="1322280"/>
           </a:xfrm>
           <a:prstGeom prst="rect">
             <a:avLst/>
@@ -10901,7 +11215,7 @@
         <p:spPr>
           <a:xfrm>
             <a:off x="838080" y="1825560"/>
-            <a:ext cx="10513080" cy="4348800"/>
+            <a:ext cx="10512360" cy="4348080"/>
           </a:xfrm>
           <a:prstGeom prst="rect">
             <a:avLst/>
@@ -10922,7 +11236,7 @@
             <a:noAutofit/>
           </a:bodyPr>
           <a:p>
-            <a:pPr marL="228600" indent="-226080">
+            <a:pPr marL="228600" indent="-225360">
               <a:lnSpc>
                 <a:spcPct val="90000"/>
               </a:lnSpc>
@@ -10950,7 +11264,7 @@
             </a:endParaRPr>
           </a:p>
           <a:p>
-            <a:pPr marL="228600" indent="-226080">
+            <a:pPr marL="228600" indent="-225360">
               <a:lnSpc>
                 <a:spcPct val="90000"/>
               </a:lnSpc>
@@ -10978,7 +11292,7 @@
             </a:endParaRPr>
           </a:p>
           <a:p>
-            <a:pPr marL="228600" indent="-226080">
+            <a:pPr marL="228600" indent="-225360">
               <a:lnSpc>
                 <a:spcPct val="90000"/>
               </a:lnSpc>
@@ -11006,7 +11320,7 @@
             </a:endParaRPr>
           </a:p>
           <a:p>
-            <a:pPr marL="228600" indent="-226080">
+            <a:pPr marL="228600" indent="-225360">
               <a:lnSpc>
                 <a:spcPct val="90000"/>
               </a:lnSpc>
@@ -11034,7 +11348,7 @@
             </a:endParaRPr>
           </a:p>
           <a:p>
-            <a:pPr marL="228600" indent="-226080">
+            <a:pPr marL="228600" indent="-225360">
               <a:lnSpc>
                 <a:spcPct val="90000"/>
               </a:lnSpc>
@@ -11062,7 +11376,7 @@
             </a:endParaRPr>
           </a:p>
           <a:p>
-            <a:pPr marL="228600" indent="-226080">
+            <a:pPr marL="228600" indent="-225360">
               <a:lnSpc>
                 <a:spcPct val="90000"/>
               </a:lnSpc>
@@ -11090,7 +11404,7 @@
             </a:endParaRPr>
           </a:p>
           <a:p>
-            <a:pPr marL="228600" indent="-226080">
+            <a:pPr marL="228600" indent="-225360">
               <a:lnSpc>
                 <a:spcPct val="90000"/>
               </a:lnSpc>
@@ -11185,7 +11499,7 @@
         <p:spPr>
           <a:xfrm>
             <a:off x="838080" y="365040"/>
-            <a:ext cx="10513080" cy="1323000"/>
+            <a:ext cx="10512360" cy="1322280"/>
           </a:xfrm>
           <a:prstGeom prst="rect">
             <a:avLst/>
@@ -11236,7 +11550,7 @@
         <p:spPr>
           <a:xfrm>
             <a:off x="838080" y="1825560"/>
-            <a:ext cx="10513080" cy="4348800"/>
+            <a:ext cx="10512360" cy="4348080"/>
           </a:xfrm>
           <a:prstGeom prst="rect">
             <a:avLst/>
@@ -11257,7 +11571,7 @@
             <a:noAutofit/>
           </a:bodyPr>
           <a:p>
-            <a:pPr marL="228600" indent="-226080">
+            <a:pPr marL="228600" indent="-225360">
               <a:lnSpc>
                 <a:spcPct val="90000"/>
               </a:lnSpc>
@@ -11285,7 +11599,7 @@
             </a:endParaRPr>
           </a:p>
           <a:p>
-            <a:pPr marL="228600" indent="-226080">
+            <a:pPr marL="228600" indent="-225360">
               <a:lnSpc>
                 <a:spcPct val="90000"/>
               </a:lnSpc>
@@ -11313,7 +11627,7 @@
             </a:endParaRPr>
           </a:p>
           <a:p>
-            <a:pPr marL="228600" indent="-226080">
+            <a:pPr marL="228600" indent="-225360">
               <a:lnSpc>
                 <a:spcPct val="90000"/>
               </a:lnSpc>
@@ -11341,7 +11655,7 @@
             </a:endParaRPr>
           </a:p>
           <a:p>
-            <a:pPr marL="228600" indent="-226080">
+            <a:pPr marL="228600" indent="-225360">
               <a:lnSpc>
                 <a:spcPct val="90000"/>
               </a:lnSpc>

--- a/topic-model-slides.pptx
+++ b/topic-model-slides.pptx
@@ -1684,7 +1684,7 @@
         <p:spPr>
           <a:xfrm>
             <a:off x="838080" y="365040"/>
-            <a:ext cx="10512360" cy="1322280"/>
+            <a:ext cx="10512000" cy="1321920"/>
           </a:xfrm>
           <a:prstGeom prst="rect">
             <a:avLst/>
@@ -1735,7 +1735,7 @@
         <p:spPr>
           <a:xfrm>
             <a:off x="838080" y="1825560"/>
-            <a:ext cx="10512360" cy="4348080"/>
+            <a:ext cx="10512000" cy="4347720"/>
           </a:xfrm>
           <a:prstGeom prst="rect">
             <a:avLst/>
@@ -1756,7 +1756,7 @@
             <a:noAutofit/>
           </a:bodyPr>
           <a:p>
-            <a:pPr marL="228600" indent="-225360">
+            <a:pPr marL="228600" indent="-225000">
               <a:lnSpc>
                 <a:spcPct val="90000"/>
               </a:lnSpc>
@@ -1784,7 +1784,7 @@
             </a:endParaRPr>
           </a:p>
           <a:p>
-            <a:pPr marL="228600" indent="-225360">
+            <a:pPr marL="228600" indent="-225000">
               <a:lnSpc>
                 <a:spcPct val="90000"/>
               </a:lnSpc>
@@ -1812,7 +1812,7 @@
             </a:endParaRPr>
           </a:p>
           <a:p>
-            <a:pPr marL="228600" indent="-225360">
+            <a:pPr marL="228600" indent="-225000">
               <a:lnSpc>
                 <a:spcPct val="90000"/>
               </a:lnSpc>
@@ -1907,7 +1907,7 @@
         <p:spPr>
           <a:xfrm>
             <a:off x="838080" y="365040"/>
-            <a:ext cx="10512360" cy="1322280"/>
+            <a:ext cx="10512000" cy="1321920"/>
           </a:xfrm>
           <a:prstGeom prst="rect">
             <a:avLst/>
@@ -1958,7 +1958,7 @@
         <p:spPr>
           <a:xfrm>
             <a:off x="838080" y="1825560"/>
-            <a:ext cx="10512360" cy="4348080"/>
+            <a:ext cx="10512000" cy="4347720"/>
           </a:xfrm>
           <a:prstGeom prst="rect">
             <a:avLst/>
@@ -1979,7 +1979,7 @@
             <a:noAutofit/>
           </a:bodyPr>
           <a:p>
-            <a:pPr marL="228600" indent="-225360">
+            <a:pPr marL="228600" indent="-225000">
               <a:lnSpc>
                 <a:spcPct val="90000"/>
               </a:lnSpc>
@@ -2007,7 +2007,7 @@
             </a:endParaRPr>
           </a:p>
           <a:p>
-            <a:pPr marL="228600" indent="-225360">
+            <a:pPr marL="228600" indent="-225000">
               <a:lnSpc>
                 <a:spcPct val="90000"/>
               </a:lnSpc>
@@ -2035,7 +2035,7 @@
             </a:endParaRPr>
           </a:p>
           <a:p>
-            <a:pPr marL="228600" indent="-225360">
+            <a:pPr marL="228600" indent="-225000">
               <a:lnSpc>
                 <a:spcPct val="90000"/>
               </a:lnSpc>
@@ -2063,7 +2063,7 @@
             </a:endParaRPr>
           </a:p>
           <a:p>
-            <a:pPr marL="228600" indent="-225360">
+            <a:pPr marL="228600" indent="-225000">
               <a:lnSpc>
                 <a:spcPct val="90000"/>
               </a:lnSpc>
@@ -2091,7 +2091,7 @@
             </a:endParaRPr>
           </a:p>
           <a:p>
-            <a:pPr marL="228600" indent="-225360">
+            <a:pPr marL="228600" indent="-225000">
               <a:lnSpc>
                 <a:spcPct val="90000"/>
               </a:lnSpc>
@@ -2119,7 +2119,7 @@
             </a:endParaRPr>
           </a:p>
           <a:p>
-            <a:pPr marL="228600" indent="-225360">
+            <a:pPr marL="228600" indent="-225000">
               <a:lnSpc>
                 <a:spcPct val="90000"/>
               </a:lnSpc>
@@ -2214,7 +2214,7 @@
         <p:spPr>
           <a:xfrm>
             <a:off x="838080" y="365040"/>
-            <a:ext cx="10512360" cy="1322280"/>
+            <a:ext cx="10512000" cy="1321920"/>
           </a:xfrm>
           <a:prstGeom prst="rect">
             <a:avLst/>
@@ -2265,7 +2265,7 @@
         <p:spPr>
           <a:xfrm>
             <a:off x="838080" y="1825560"/>
-            <a:ext cx="10512360" cy="4348080"/>
+            <a:ext cx="10512000" cy="4347720"/>
           </a:xfrm>
           <a:prstGeom prst="rect">
             <a:avLst/>
@@ -2286,7 +2286,7 @@
             <a:noAutofit/>
           </a:bodyPr>
           <a:p>
-            <a:pPr marL="228600" indent="-225360">
+            <a:pPr marL="228600" indent="-225000">
               <a:lnSpc>
                 <a:spcPct val="90000"/>
               </a:lnSpc>
@@ -2314,7 +2314,7 @@
             </a:endParaRPr>
           </a:p>
           <a:p>
-            <a:pPr lvl="1" marL="432000" indent="-214200">
+            <a:pPr lvl="1" marL="432000" indent="-213840">
               <a:lnSpc>
                 <a:spcPct val="90000"/>
               </a:lnSpc>
@@ -2343,7 +2343,7 @@
             </a:endParaRPr>
           </a:p>
           <a:p>
-            <a:pPr marL="228600" indent="-225360">
+            <a:pPr marL="228600" indent="-225000">
               <a:lnSpc>
                 <a:spcPct val="90000"/>
               </a:lnSpc>
@@ -2371,7 +2371,7 @@
             </a:endParaRPr>
           </a:p>
           <a:p>
-            <a:pPr lvl="1" marL="432000" indent="-214200">
+            <a:pPr lvl="1" marL="432000" indent="-213840">
               <a:lnSpc>
                 <a:spcPct val="90000"/>
               </a:lnSpc>
@@ -2400,7 +2400,7 @@
             </a:endParaRPr>
           </a:p>
           <a:p>
-            <a:pPr marL="228600" indent="-225360">
+            <a:pPr marL="228600" indent="-225000">
               <a:lnSpc>
                 <a:spcPct val="90000"/>
               </a:lnSpc>
@@ -2428,7 +2428,7 @@
             </a:endParaRPr>
           </a:p>
           <a:p>
-            <a:pPr lvl="1" marL="432000" indent="-214200">
+            <a:pPr lvl="1" marL="432000" indent="-213840">
               <a:lnSpc>
                 <a:spcPct val="90000"/>
               </a:lnSpc>
@@ -2457,7 +2457,7 @@
             </a:endParaRPr>
           </a:p>
           <a:p>
-            <a:pPr marL="228600" indent="-225360">
+            <a:pPr marL="228600" indent="-225000">
               <a:lnSpc>
                 <a:spcPct val="90000"/>
               </a:lnSpc>
@@ -2485,7 +2485,7 @@
             </a:endParaRPr>
           </a:p>
           <a:p>
-            <a:pPr lvl="1" marL="432000" indent="-214200">
+            <a:pPr lvl="1" marL="432000" indent="-213840">
               <a:lnSpc>
                 <a:spcPct val="90000"/>
               </a:lnSpc>
@@ -2514,7 +2514,7 @@
             </a:endParaRPr>
           </a:p>
           <a:p>
-            <a:pPr marL="228600" indent="-225360">
+            <a:pPr marL="228600" indent="-225000">
               <a:lnSpc>
                 <a:spcPct val="90000"/>
               </a:lnSpc>
@@ -2542,7 +2542,7 @@
             </a:endParaRPr>
           </a:p>
           <a:p>
-            <a:pPr marL="228600" indent="-225360">
+            <a:pPr marL="228600" indent="-225000">
               <a:lnSpc>
                 <a:spcPct val="90000"/>
               </a:lnSpc>
@@ -2637,7 +2637,7 @@
         <p:spPr>
           <a:xfrm>
             <a:off x="838080" y="365040"/>
-            <a:ext cx="10512360" cy="1322280"/>
+            <a:ext cx="10512000" cy="1321920"/>
           </a:xfrm>
           <a:prstGeom prst="rect">
             <a:avLst/>
@@ -2688,7 +2688,7 @@
         <p:spPr>
           <a:xfrm>
             <a:off x="838080" y="1825560"/>
-            <a:ext cx="10512360" cy="4348080"/>
+            <a:ext cx="10512000" cy="4347720"/>
           </a:xfrm>
           <a:prstGeom prst="rect">
             <a:avLst/>
@@ -2709,7 +2709,7 @@
             <a:noAutofit/>
           </a:bodyPr>
           <a:p>
-            <a:pPr marL="228600" indent="-225360">
+            <a:pPr marL="228600" indent="-225000">
               <a:lnSpc>
                 <a:spcPct val="90000"/>
               </a:lnSpc>
@@ -2737,7 +2737,7 @@
             </a:endParaRPr>
           </a:p>
           <a:p>
-            <a:pPr marL="228600" indent="-225360">
+            <a:pPr marL="228600" indent="-225000">
               <a:lnSpc>
                 <a:spcPct val="90000"/>
               </a:lnSpc>
@@ -2765,7 +2765,7 @@
             </a:endParaRPr>
           </a:p>
           <a:p>
-            <a:pPr marL="228600" indent="-225360">
+            <a:pPr marL="228600" indent="-225000">
               <a:lnSpc>
                 <a:spcPct val="90000"/>
               </a:lnSpc>
@@ -2793,7 +2793,7 @@
             </a:endParaRPr>
           </a:p>
           <a:p>
-            <a:pPr marL="228600" indent="-225360">
+            <a:pPr marL="228600" indent="-225000">
               <a:lnSpc>
                 <a:spcPct val="90000"/>
               </a:lnSpc>
@@ -2821,7 +2821,7 @@
             </a:endParaRPr>
           </a:p>
           <a:p>
-            <a:pPr marL="228600" indent="-225360">
+            <a:pPr marL="228600" indent="-225000">
               <a:lnSpc>
                 <a:spcPct val="90000"/>
               </a:lnSpc>
@@ -2849,7 +2849,7 @@
             </a:endParaRPr>
           </a:p>
           <a:p>
-            <a:pPr marL="228600" indent="-225360">
+            <a:pPr marL="228600" indent="-225000">
               <a:lnSpc>
                 <a:spcPct val="90000"/>
               </a:lnSpc>
@@ -2877,7 +2877,7 @@
             </a:endParaRPr>
           </a:p>
           <a:p>
-            <a:pPr marL="228600" indent="-225360">
+            <a:pPr marL="228600" indent="-225000">
               <a:lnSpc>
                 <a:spcPct val="90000"/>
               </a:lnSpc>
@@ -2905,7 +2905,7 @@
             </a:endParaRPr>
           </a:p>
           <a:p>
-            <a:pPr marL="228600" indent="-225360">
+            <a:pPr marL="228600" indent="-225000">
               <a:lnSpc>
                 <a:spcPct val="90000"/>
               </a:lnSpc>
@@ -3013,7 +3013,7 @@
         <p:spPr>
           <a:xfrm>
             <a:off x="838080" y="365040"/>
-            <a:ext cx="10512360" cy="1322280"/>
+            <a:ext cx="10512000" cy="1321920"/>
           </a:xfrm>
           <a:prstGeom prst="rect">
             <a:avLst/>
@@ -3064,7 +3064,7 @@
         <p:spPr>
           <a:xfrm>
             <a:off x="838080" y="1825560"/>
-            <a:ext cx="10512360" cy="4348080"/>
+            <a:ext cx="10512000" cy="4347720"/>
           </a:xfrm>
           <a:prstGeom prst="rect">
             <a:avLst/>
@@ -3085,7 +3085,7 @@
             <a:noAutofit/>
           </a:bodyPr>
           <a:p>
-            <a:pPr marL="228600" indent="-225360">
+            <a:pPr marL="228600" indent="-225000">
               <a:lnSpc>
                 <a:spcPct val="90000"/>
               </a:lnSpc>
@@ -3113,7 +3113,7 @@
             </a:endParaRPr>
           </a:p>
           <a:p>
-            <a:pPr marL="228600" indent="-225360">
+            <a:pPr marL="228600" indent="-225000">
               <a:lnSpc>
                 <a:spcPct val="90000"/>
               </a:lnSpc>
@@ -3141,7 +3141,7 @@
             </a:endParaRPr>
           </a:p>
           <a:p>
-            <a:pPr marL="228600" indent="-225360">
+            <a:pPr marL="228600" indent="-225000">
               <a:lnSpc>
                 <a:spcPct val="90000"/>
               </a:lnSpc>
@@ -3249,7 +3249,7 @@
         <p:spPr>
           <a:xfrm>
             <a:off x="838080" y="365040"/>
-            <a:ext cx="10512360" cy="1322280"/>
+            <a:ext cx="10512000" cy="1321920"/>
           </a:xfrm>
           <a:prstGeom prst="rect">
             <a:avLst/>
@@ -3300,7 +3300,7 @@
         <p:spPr>
           <a:xfrm>
             <a:off x="838080" y="1825560"/>
-            <a:ext cx="10512360" cy="4348080"/>
+            <a:ext cx="10512000" cy="4347720"/>
           </a:xfrm>
           <a:prstGeom prst="rect">
             <a:avLst/>
@@ -3321,7 +3321,7 @@
             <a:noAutofit/>
           </a:bodyPr>
           <a:p>
-            <a:pPr marL="228600" indent="-225360">
+            <a:pPr marL="228600" indent="-225000">
               <a:lnSpc>
                 <a:spcPct val="90000"/>
               </a:lnSpc>
@@ -3349,7 +3349,7 @@
             </a:endParaRPr>
           </a:p>
           <a:p>
-            <a:pPr marL="228600" indent="-225360">
+            <a:pPr marL="228600" indent="-225000">
               <a:lnSpc>
                 <a:spcPct val="90000"/>
               </a:lnSpc>
@@ -3377,7 +3377,7 @@
             </a:endParaRPr>
           </a:p>
           <a:p>
-            <a:pPr marL="228600" indent="-225360">
+            <a:pPr marL="228600" indent="-225000">
               <a:lnSpc>
                 <a:spcPct val="90000"/>
               </a:lnSpc>
@@ -3405,7 +3405,7 @@
             </a:endParaRPr>
           </a:p>
           <a:p>
-            <a:pPr marL="228600" indent="-225360">
+            <a:pPr marL="228600" indent="-225000">
               <a:lnSpc>
                 <a:spcPct val="90000"/>
               </a:lnSpc>
@@ -3433,7 +3433,7 @@
             </a:endParaRPr>
           </a:p>
           <a:p>
-            <a:pPr marL="228600" indent="-225360">
+            <a:pPr marL="228600" indent="-225000">
               <a:lnSpc>
                 <a:spcPct val="90000"/>
               </a:lnSpc>
@@ -3528,7 +3528,7 @@
         <p:spPr>
           <a:xfrm>
             <a:off x="838080" y="365040"/>
-            <a:ext cx="10512360" cy="1322280"/>
+            <a:ext cx="10512000" cy="1321920"/>
           </a:xfrm>
           <a:prstGeom prst="rect">
             <a:avLst/>
@@ -3579,7 +3579,7 @@
         <p:spPr>
           <a:xfrm>
             <a:off x="838080" y="1825560"/>
-            <a:ext cx="10512360" cy="4348080"/>
+            <a:ext cx="10512000" cy="4347720"/>
           </a:xfrm>
           <a:prstGeom prst="rect">
             <a:avLst/>
@@ -3600,7 +3600,7 @@
             <a:noAutofit/>
           </a:bodyPr>
           <a:p>
-            <a:pPr marL="228600" indent="-225360">
+            <a:pPr marL="228600" indent="-225000">
               <a:lnSpc>
                 <a:spcPct val="90000"/>
               </a:lnSpc>
@@ -3628,7 +3628,7 @@
             </a:endParaRPr>
           </a:p>
           <a:p>
-            <a:pPr marL="228600" indent="-225360">
+            <a:pPr marL="228600" indent="-225000">
               <a:lnSpc>
                 <a:spcPct val="90000"/>
               </a:lnSpc>
@@ -3656,7 +3656,7 @@
             </a:endParaRPr>
           </a:p>
           <a:p>
-            <a:pPr marL="228600" indent="-225360">
+            <a:pPr marL="228600" indent="-225000">
               <a:lnSpc>
                 <a:spcPct val="90000"/>
               </a:lnSpc>
@@ -3684,7 +3684,7 @@
             </a:endParaRPr>
           </a:p>
           <a:p>
-            <a:pPr marL="228600" indent="-225360">
+            <a:pPr marL="228600" indent="-225000">
               <a:lnSpc>
                 <a:spcPct val="90000"/>
               </a:lnSpc>
@@ -3779,7 +3779,7 @@
         <p:spPr>
           <a:xfrm>
             <a:off x="838080" y="365040"/>
-            <a:ext cx="10512360" cy="1322280"/>
+            <a:ext cx="10512000" cy="1321920"/>
           </a:xfrm>
           <a:prstGeom prst="rect">
             <a:avLst/>
@@ -3830,7 +3830,7 @@
         <p:spPr>
           <a:xfrm>
             <a:off x="838080" y="1825560"/>
-            <a:ext cx="10512360" cy="4348080"/>
+            <a:ext cx="10512000" cy="4347720"/>
           </a:xfrm>
           <a:prstGeom prst="rect">
             <a:avLst/>
@@ -3851,7 +3851,7 @@
             <a:noAutofit/>
           </a:bodyPr>
           <a:p>
-            <a:pPr marL="228600" indent="-225360">
+            <a:pPr marL="228600" indent="-225000">
               <a:lnSpc>
                 <a:spcPct val="90000"/>
               </a:lnSpc>
@@ -3879,7 +3879,7 @@
             </a:endParaRPr>
           </a:p>
           <a:p>
-            <a:pPr marL="228600" indent="-225360">
+            <a:pPr marL="228600" indent="-225000">
               <a:lnSpc>
                 <a:spcPct val="90000"/>
               </a:lnSpc>
@@ -3907,7 +3907,7 @@
             </a:endParaRPr>
           </a:p>
           <a:p>
-            <a:pPr lvl="1" marL="432000" indent="-214200">
+            <a:pPr lvl="1" marL="432000" indent="-213840">
               <a:lnSpc>
                 <a:spcPct val="90000"/>
               </a:lnSpc>
@@ -3936,7 +3936,7 @@
             </a:endParaRPr>
           </a:p>
           <a:p>
-            <a:pPr lvl="1" marL="432000" indent="-214200">
+            <a:pPr lvl="1" marL="432000" indent="-213840">
               <a:lnSpc>
                 <a:spcPct val="90000"/>
               </a:lnSpc>
@@ -3965,7 +3965,7 @@
             </a:endParaRPr>
           </a:p>
           <a:p>
-            <a:pPr lvl="1" marL="432000" indent="-214200">
+            <a:pPr lvl="1" marL="432000" indent="-213840">
               <a:lnSpc>
                 <a:spcPct val="90000"/>
               </a:lnSpc>
@@ -3994,7 +3994,7 @@
             </a:endParaRPr>
           </a:p>
           <a:p>
-            <a:pPr lvl="1" marL="432000" indent="-214200">
+            <a:pPr lvl="1" marL="432000" indent="-213840">
               <a:lnSpc>
                 <a:spcPct val="90000"/>
               </a:lnSpc>
@@ -4139,7 +4139,7 @@
         <p:spPr>
           <a:xfrm>
             <a:off x="838080" y="365040"/>
-            <a:ext cx="10512360" cy="1322280"/>
+            <a:ext cx="10512000" cy="1321920"/>
           </a:xfrm>
           <a:prstGeom prst="rect">
             <a:avLst/>
@@ -4190,7 +4190,7 @@
         <p:spPr>
           <a:xfrm>
             <a:off x="838080" y="1821240"/>
-            <a:ext cx="10512360" cy="4348080"/>
+            <a:ext cx="10512000" cy="4347720"/>
           </a:xfrm>
           <a:prstGeom prst="rect">
             <a:avLst/>
@@ -4211,7 +4211,7 @@
             <a:noAutofit/>
           </a:bodyPr>
           <a:p>
-            <a:pPr marL="228600" indent="-225360">
+            <a:pPr marL="228600" indent="-225000">
               <a:lnSpc>
                 <a:spcPct val="90000"/>
               </a:lnSpc>
@@ -4239,7 +4239,7 @@
             </a:endParaRPr>
           </a:p>
           <a:p>
-            <a:pPr marL="228600" indent="-225360">
+            <a:pPr marL="228600" indent="-225000">
               <a:lnSpc>
                 <a:spcPct val="90000"/>
               </a:lnSpc>
@@ -4267,7 +4267,7 @@
             </a:endParaRPr>
           </a:p>
           <a:p>
-            <a:pPr marL="228600" indent="-225360">
+            <a:pPr marL="228600" indent="-225000">
               <a:lnSpc>
                 <a:spcPct val="90000"/>
               </a:lnSpc>
@@ -4295,7 +4295,7 @@
             </a:endParaRPr>
           </a:p>
           <a:p>
-            <a:pPr marL="228600" indent="-225360">
+            <a:pPr marL="228600" indent="-225000">
               <a:lnSpc>
                 <a:spcPct val="90000"/>
               </a:lnSpc>
@@ -4426,7 +4426,7 @@
         <p:spPr>
           <a:xfrm>
             <a:off x="838080" y="365040"/>
-            <a:ext cx="10512360" cy="1322280"/>
+            <a:ext cx="10512000" cy="1321920"/>
           </a:xfrm>
           <a:prstGeom prst="rect">
             <a:avLst/>
@@ -4477,7 +4477,7 @@
         <p:spPr>
           <a:xfrm>
             <a:off x="838080" y="1825560"/>
-            <a:ext cx="10512360" cy="4348080"/>
+            <a:ext cx="10512000" cy="4347720"/>
           </a:xfrm>
           <a:prstGeom prst="rect">
             <a:avLst/>
@@ -4498,7 +4498,7 @@
             <a:noAutofit/>
           </a:bodyPr>
           <a:p>
-            <a:pPr marL="228600" indent="-225360">
+            <a:pPr marL="228600" indent="-225000">
               <a:lnSpc>
                 <a:spcPct val="90000"/>
               </a:lnSpc>
@@ -4526,7 +4526,7 @@
             </a:endParaRPr>
           </a:p>
           <a:p>
-            <a:pPr marL="228600" indent="-225360">
+            <a:pPr marL="228600" indent="-225000">
               <a:lnSpc>
                 <a:spcPct val="90000"/>
               </a:lnSpc>
@@ -4554,7 +4554,7 @@
             </a:endParaRPr>
           </a:p>
           <a:p>
-            <a:pPr marL="228600" indent="-225360">
+            <a:pPr marL="228600" indent="-225000">
               <a:lnSpc>
                 <a:spcPct val="90000"/>
               </a:lnSpc>
@@ -4582,7 +4582,7 @@
             </a:endParaRPr>
           </a:p>
           <a:p>
-            <a:pPr marL="228600" indent="-225360">
+            <a:pPr marL="228600" indent="-225000">
               <a:lnSpc>
                 <a:spcPct val="90000"/>
               </a:lnSpc>
@@ -4690,7 +4690,7 @@
         <p:spPr>
           <a:xfrm>
             <a:off x="838080" y="365040"/>
-            <a:ext cx="10512360" cy="1322280"/>
+            <a:ext cx="10512000" cy="1321920"/>
           </a:xfrm>
           <a:prstGeom prst="rect">
             <a:avLst/>
@@ -4741,7 +4741,7 @@
         <p:spPr>
           <a:xfrm>
             <a:off x="838080" y="1825560"/>
-            <a:ext cx="10512360" cy="4348080"/>
+            <a:ext cx="10512000" cy="4347720"/>
           </a:xfrm>
           <a:prstGeom prst="rect">
             <a:avLst/>
@@ -4762,7 +4762,7 @@
             <a:noAutofit/>
           </a:bodyPr>
           <a:p>
-            <a:pPr marL="228600" indent="-225360">
+            <a:pPr marL="228600" indent="-225000">
               <a:lnSpc>
                 <a:spcPct val="100000"/>
               </a:lnSpc>
@@ -4790,7 +4790,7 @@
             </a:endParaRPr>
           </a:p>
           <a:p>
-            <a:pPr marL="228600" indent="-225360">
+            <a:pPr marL="228600" indent="-225000">
               <a:lnSpc>
                 <a:spcPct val="100000"/>
               </a:lnSpc>
@@ -4818,7 +4818,7 @@
             </a:endParaRPr>
           </a:p>
           <a:p>
-            <a:pPr marL="228600" indent="-225360">
+            <a:pPr marL="228600" indent="-225000">
               <a:lnSpc>
                 <a:spcPct val="100000"/>
               </a:lnSpc>
@@ -4846,7 +4846,7 @@
             </a:endParaRPr>
           </a:p>
           <a:p>
-            <a:pPr marL="228600" indent="-225360">
+            <a:pPr marL="228600" indent="-225000">
               <a:lnSpc>
                 <a:spcPct val="100000"/>
               </a:lnSpc>
@@ -4874,7 +4874,7 @@
             </a:endParaRPr>
           </a:p>
           <a:p>
-            <a:pPr marL="228600" indent="-225360">
+            <a:pPr marL="228600" indent="-225000">
               <a:lnSpc>
                 <a:spcPct val="100000"/>
               </a:lnSpc>
@@ -4969,7 +4969,7 @@
         <p:spPr>
           <a:xfrm>
             <a:off x="838080" y="365040"/>
-            <a:ext cx="10512360" cy="1322280"/>
+            <a:ext cx="10512000" cy="1321920"/>
           </a:xfrm>
           <a:prstGeom prst="rect">
             <a:avLst/>
@@ -5020,7 +5020,7 @@
         <p:spPr>
           <a:xfrm>
             <a:off x="838080" y="1825560"/>
-            <a:ext cx="10512360" cy="4348080"/>
+            <a:ext cx="10512000" cy="4347720"/>
           </a:xfrm>
           <a:prstGeom prst="rect">
             <a:avLst/>
@@ -5041,7 +5041,7 @@
             <a:noAutofit/>
           </a:bodyPr>
           <a:p>
-            <a:pPr marL="228600" indent="-225360">
+            <a:pPr marL="228600" indent="-225000">
               <a:lnSpc>
                 <a:spcPct val="90000"/>
               </a:lnSpc>
@@ -5069,7 +5069,7 @@
             </a:endParaRPr>
           </a:p>
           <a:p>
-            <a:pPr marL="228600" indent="-225360">
+            <a:pPr marL="228600" indent="-225000">
               <a:lnSpc>
                 <a:spcPct val="90000"/>
               </a:lnSpc>
@@ -5097,7 +5097,7 @@
             </a:endParaRPr>
           </a:p>
           <a:p>
-            <a:pPr marL="228600" indent="-225360">
+            <a:pPr marL="228600" indent="-225000">
               <a:lnSpc>
                 <a:spcPct val="90000"/>
               </a:lnSpc>
@@ -5125,7 +5125,7 @@
             </a:endParaRPr>
           </a:p>
           <a:p>
-            <a:pPr lvl="1" marL="685800" indent="-225360">
+            <a:pPr lvl="1" marL="685800" indent="-225000">
               <a:lnSpc>
                 <a:spcPct val="90000"/>
               </a:lnSpc>
@@ -5146,14 +5146,14 @@
                 <a:latin typeface="Calibri"/>
                 <a:ea typeface="DejaVu Sans"/>
               </a:rPr>
-              <a:t>Non-negative Matrix Factorization (NNMF)</a:t>
+              <a:t>Non-negative Matrix Factorization (NMF)</a:t>
             </a:r>
             <a:endParaRPr b="0" lang="en-US" sz="2400" spc="-1" strike="noStrike">
               <a:latin typeface="Arial"/>
             </a:endParaRPr>
           </a:p>
           <a:p>
-            <a:pPr lvl="1" marL="685800" indent="-225360">
+            <a:pPr lvl="1" marL="685800" indent="-225000">
               <a:lnSpc>
                 <a:spcPct val="90000"/>
               </a:lnSpc>
@@ -5181,7 +5181,7 @@
             </a:endParaRPr>
           </a:p>
           <a:p>
-            <a:pPr lvl="1" marL="685800" indent="-225360">
+            <a:pPr lvl="1" marL="685800" indent="-225000">
               <a:lnSpc>
                 <a:spcPct val="90000"/>
               </a:lnSpc>
@@ -5209,7 +5209,7 @@
             </a:endParaRPr>
           </a:p>
           <a:p>
-            <a:pPr marL="228600" indent="-225360">
+            <a:pPr marL="228600" indent="-225000">
               <a:lnSpc>
                 <a:spcPct val="90000"/>
               </a:lnSpc>
@@ -5237,7 +5237,7 @@
             </a:endParaRPr>
           </a:p>
           <a:p>
-            <a:pPr lvl="1" marL="685800" indent="-225360">
+            <a:pPr lvl="1" marL="685800" indent="-225000">
               <a:lnSpc>
                 <a:spcPct val="90000"/>
               </a:lnSpc>
@@ -5265,7 +5265,7 @@
             </a:endParaRPr>
           </a:p>
           <a:p>
-            <a:pPr lvl="1" marL="685800" indent="-225360">
+            <a:pPr lvl="1" marL="685800" indent="-225000">
               <a:lnSpc>
                 <a:spcPct val="90000"/>
               </a:lnSpc>
@@ -5360,7 +5360,7 @@
         <p:spPr>
           <a:xfrm>
             <a:off x="838080" y="365040"/>
-            <a:ext cx="10512360" cy="1322280"/>
+            <a:ext cx="10512000" cy="1321920"/>
           </a:xfrm>
           <a:prstGeom prst="rect">
             <a:avLst/>
@@ -5411,7 +5411,7 @@
         <p:spPr>
           <a:xfrm>
             <a:off x="838080" y="1825560"/>
-            <a:ext cx="10512360" cy="4348080"/>
+            <a:ext cx="10512000" cy="4347720"/>
           </a:xfrm>
           <a:prstGeom prst="rect">
             <a:avLst/>
@@ -5442,7 +5442,7 @@
             </a:endParaRPr>
           </a:p>
           <a:p>
-            <a:pPr lvl="1" marL="432000" indent="-214200">
+            <a:pPr lvl="1" marL="432000" indent="-213840">
               <a:lnSpc>
                 <a:spcPct val="100000"/>
               </a:lnSpc>
@@ -5468,7 +5468,7 @@
             </a:endParaRPr>
           </a:p>
           <a:p>
-            <a:pPr lvl="1" marL="432000" indent="-214200">
+            <a:pPr lvl="1" marL="432000" indent="-213840">
               <a:lnSpc>
                 <a:spcPct val="100000"/>
               </a:lnSpc>
@@ -5504,7 +5504,7 @@
             </a:endParaRPr>
           </a:p>
           <a:p>
-            <a:pPr lvl="1" marL="432000" indent="-214200">
+            <a:pPr lvl="1" marL="432000" indent="-213840">
               <a:lnSpc>
                 <a:spcPct val="100000"/>
               </a:lnSpc>
@@ -5530,7 +5530,7 @@
             </a:endParaRPr>
           </a:p>
           <a:p>
-            <a:pPr lvl="1" marL="432000" indent="-214200">
+            <a:pPr lvl="1" marL="432000" indent="-213840">
               <a:lnSpc>
                 <a:spcPct val="100000"/>
               </a:lnSpc>
@@ -5556,7 +5556,7 @@
             </a:endParaRPr>
           </a:p>
           <a:p>
-            <a:pPr lvl="1" marL="432000" indent="-214200">
+            <a:pPr lvl="1" marL="432000" indent="-213840">
               <a:lnSpc>
                 <a:spcPct val="100000"/>
               </a:lnSpc>
@@ -5649,7 +5649,7 @@
         <p:spPr>
           <a:xfrm>
             <a:off x="838080" y="365040"/>
-            <a:ext cx="10512360" cy="1322280"/>
+            <a:ext cx="10512000" cy="1321920"/>
           </a:xfrm>
           <a:prstGeom prst="rect">
             <a:avLst/>
@@ -5700,7 +5700,7 @@
         <p:spPr>
           <a:xfrm>
             <a:off x="838080" y="1825560"/>
-            <a:ext cx="10512360" cy="4348080"/>
+            <a:ext cx="10512000" cy="4347720"/>
           </a:xfrm>
           <a:prstGeom prst="rect">
             <a:avLst/>
@@ -5721,7 +5721,7 @@
             <a:noAutofit/>
           </a:bodyPr>
           <a:p>
-            <a:pPr marL="228600" indent="-225360">
+            <a:pPr marL="228600" indent="-225000">
               <a:lnSpc>
                 <a:spcPct val="90000"/>
               </a:lnSpc>
@@ -5749,7 +5749,7 @@
             </a:endParaRPr>
           </a:p>
           <a:p>
-            <a:pPr lvl="1" marL="685800" indent="-225360">
+            <a:pPr lvl="1" marL="685800" indent="-225000">
               <a:lnSpc>
                 <a:spcPct val="90000"/>
               </a:lnSpc>
@@ -5777,7 +5777,7 @@
             </a:endParaRPr>
           </a:p>
           <a:p>
-            <a:pPr lvl="1" marL="685800" indent="-225360">
+            <a:pPr lvl="1" marL="685800" indent="-225000">
               <a:lnSpc>
                 <a:spcPct val="90000"/>
               </a:lnSpc>
@@ -5805,7 +5805,7 @@
             </a:endParaRPr>
           </a:p>
           <a:p>
-            <a:pPr lvl="1" marL="685800" indent="-225360">
+            <a:pPr lvl="1" marL="685800" indent="-225000">
               <a:lnSpc>
                 <a:spcPct val="90000"/>
               </a:lnSpc>
@@ -5833,7 +5833,7 @@
             </a:endParaRPr>
           </a:p>
           <a:p>
-            <a:pPr lvl="1" marL="685800" indent="-225360">
+            <a:pPr lvl="1" marL="685800" indent="-225000">
               <a:lnSpc>
                 <a:spcPct val="90000"/>
               </a:lnSpc>
@@ -5861,7 +5861,7 @@
             </a:endParaRPr>
           </a:p>
           <a:p>
-            <a:pPr lvl="1" marL="685800" indent="-225360">
+            <a:pPr lvl="1" marL="685800" indent="-225000">
               <a:lnSpc>
                 <a:spcPct val="90000"/>
               </a:lnSpc>
@@ -5889,7 +5889,7 @@
             </a:endParaRPr>
           </a:p>
           <a:p>
-            <a:pPr lvl="1" marL="685800" indent="-225360">
+            <a:pPr lvl="1" marL="685800" indent="-225000">
               <a:lnSpc>
                 <a:spcPct val="90000"/>
               </a:lnSpc>
@@ -5917,7 +5917,7 @@
             </a:endParaRPr>
           </a:p>
           <a:p>
-            <a:pPr lvl="1" marL="685800" indent="-225360">
+            <a:pPr lvl="1" marL="685800" indent="-225000">
               <a:lnSpc>
                 <a:spcPct val="90000"/>
               </a:lnSpc>
@@ -5945,7 +5945,7 @@
             </a:endParaRPr>
           </a:p>
           <a:p>
-            <a:pPr lvl="1" marL="685800" indent="-225360">
+            <a:pPr lvl="1" marL="685800" indent="-225000">
               <a:lnSpc>
                 <a:spcPct val="90000"/>
               </a:lnSpc>
@@ -5973,7 +5973,7 @@
             </a:endParaRPr>
           </a:p>
           <a:p>
-            <a:pPr marL="228600" indent="-225360">
+            <a:pPr marL="228600" indent="-225000">
               <a:lnSpc>
                 <a:spcPct val="90000"/>
               </a:lnSpc>
@@ -6068,7 +6068,7 @@
         <p:spPr>
           <a:xfrm>
             <a:off x="838080" y="365040"/>
-            <a:ext cx="10512360" cy="1322280"/>
+            <a:ext cx="10512000" cy="1321920"/>
           </a:xfrm>
           <a:prstGeom prst="rect">
             <a:avLst/>
@@ -6119,7 +6119,7 @@
         <p:spPr>
           <a:xfrm>
             <a:off x="838080" y="1825560"/>
-            <a:ext cx="10512360" cy="4348080"/>
+            <a:ext cx="10512000" cy="4347720"/>
           </a:xfrm>
           <a:prstGeom prst="rect">
             <a:avLst/>
@@ -6140,7 +6140,7 @@
             <a:noAutofit/>
           </a:bodyPr>
           <a:p>
-            <a:pPr marL="228600" indent="-225360">
+            <a:pPr marL="228600" indent="-225000">
               <a:lnSpc>
                 <a:spcPct val="90000"/>
               </a:lnSpc>
@@ -6168,12 +6168,68 @@
             </a:endParaRPr>
           </a:p>
           <a:p>
+            <a:pPr lvl="1" marL="685800" indent="-225000">
+              <a:lnSpc>
+                <a:spcPct val="90000"/>
+              </a:lnSpc>
+              <a:spcBef>
+                <a:spcPts val="499"/>
+              </a:spcBef>
+              <a:buClr>
+                <a:srgbClr val="000000"/>
+              </a:buClr>
+              <a:buFont typeface="Arial"/>
+              <a:buChar char="•"/>
+            </a:pPr>
+            <a:r>
+              <a:rPr b="0" lang="en-US" sz="2400" spc="-1" strike="noStrike">
+                <a:solidFill>
+                  <a:srgbClr val="000000"/>
+                </a:solidFill>
+                <a:latin typeface="Calibri"/>
+                <a:ea typeface="DejaVu Sans"/>
+              </a:rPr>
+              <a:t>Latent Dirichlet Allocation (LDA)</a:t>
+            </a:r>
+            <a:endParaRPr b="0" lang="en-US" sz="2400" spc="-1" strike="noStrike">
+              <a:latin typeface="Arial"/>
+            </a:endParaRPr>
+          </a:p>
+          <a:p>
+            <a:pPr marL="228600" indent="-225000">
+              <a:lnSpc>
+                <a:spcPct val="90000"/>
+              </a:lnSpc>
+              <a:spcBef>
+                <a:spcPts val="1001"/>
+              </a:spcBef>
+              <a:buClr>
+                <a:srgbClr val="000000"/>
+              </a:buClr>
+              <a:buFont typeface="Arial"/>
+              <a:buChar char="•"/>
+            </a:pPr>
+            <a:r>
+              <a:rPr b="0" lang="en-US" sz="2800" spc="-1" strike="noStrike">
+                <a:solidFill>
+                  <a:srgbClr val="000000"/>
+                </a:solidFill>
+                <a:latin typeface="Calibri"/>
+                <a:ea typeface="DejaVu Sans"/>
+              </a:rPr>
+              <a:t>Matrix decomposition-based approaches:</a:t>
+            </a:r>
+            <a:endParaRPr b="0" lang="en-US" sz="2800" spc="-1" strike="noStrike">
+              <a:latin typeface="Arial"/>
+            </a:endParaRPr>
+          </a:p>
+          <a:p>
             <a:pPr lvl="1" marL="685800" indent="-225360">
               <a:lnSpc>
-                <a:spcPct val="90000"/>
-              </a:lnSpc>
-              <a:spcBef>
-                <a:spcPts val="499"/>
+                <a:spcPct val="100000"/>
+              </a:lnSpc>
+              <a:spcBef>
+                <a:spcPts val="1134"/>
               </a:spcBef>
               <a:buClr>
                 <a:srgbClr val="000000"/>
@@ -6189,42 +6245,14 @@
                 <a:latin typeface="Calibri"/>
                 <a:ea typeface="DejaVu Sans"/>
               </a:rPr>
-              <a:t>Latent Dirichlet Allocation (LDA)</a:t>
+              <a:t>Latent Semantic Indexing (LSI)</a:t>
             </a:r>
             <a:endParaRPr b="0" lang="en-US" sz="2400" spc="-1" strike="noStrike">
               <a:latin typeface="Arial"/>
             </a:endParaRPr>
           </a:p>
           <a:p>
-            <a:pPr marL="228600" indent="-225360">
-              <a:lnSpc>
-                <a:spcPct val="90000"/>
-              </a:lnSpc>
-              <a:spcBef>
-                <a:spcPts val="1001"/>
-              </a:spcBef>
-              <a:buClr>
-                <a:srgbClr val="000000"/>
-              </a:buClr>
-              <a:buFont typeface="Arial"/>
-              <a:buChar char="•"/>
-            </a:pPr>
-            <a:r>
-              <a:rPr b="0" lang="en-US" sz="2800" spc="-1" strike="noStrike">
-                <a:solidFill>
-                  <a:srgbClr val="000000"/>
-                </a:solidFill>
-                <a:latin typeface="Calibri"/>
-                <a:ea typeface="DejaVu Sans"/>
-              </a:rPr>
-              <a:t>Matrix decomposition-based approaches:</a:t>
-            </a:r>
-            <a:endParaRPr b="0" lang="en-US" sz="2800" spc="-1" strike="noStrike">
-              <a:latin typeface="Arial"/>
-            </a:endParaRPr>
-          </a:p>
-          <a:p>
-            <a:pPr lvl="1" marL="685800" indent="-225720">
+            <a:pPr lvl="1" marL="685800" indent="-225360">
               <a:lnSpc>
                 <a:spcPct val="100000"/>
               </a:lnSpc>
@@ -6245,42 +6273,14 @@
                 <a:latin typeface="Calibri"/>
                 <a:ea typeface="DejaVu Sans"/>
               </a:rPr>
-              <a:t>Latent Semantic Indexing (LSI)</a:t>
+              <a:t>Non-negative Matrix Factorization (NMF)</a:t>
             </a:r>
             <a:endParaRPr b="0" lang="en-US" sz="2400" spc="-1" strike="noStrike">
               <a:latin typeface="Arial"/>
             </a:endParaRPr>
           </a:p>
           <a:p>
-            <a:pPr lvl="1" marL="685800" indent="-225720">
-              <a:lnSpc>
-                <a:spcPct val="100000"/>
-              </a:lnSpc>
-              <a:spcBef>
-                <a:spcPts val="1134"/>
-              </a:spcBef>
-              <a:buClr>
-                <a:srgbClr val="000000"/>
-              </a:buClr>
-              <a:buFont typeface="Arial"/>
-              <a:buChar char="•"/>
-            </a:pPr>
-            <a:r>
-              <a:rPr b="0" lang="en-US" sz="2400" spc="-1" strike="noStrike">
-                <a:solidFill>
-                  <a:srgbClr val="000000"/>
-                </a:solidFill>
-                <a:latin typeface="Calibri"/>
-                <a:ea typeface="DejaVu Sans"/>
-              </a:rPr>
-              <a:t>Non-negative Matrix Factorization (NNMF)</a:t>
-            </a:r>
-            <a:endParaRPr b="0" lang="en-US" sz="2400" spc="-1" strike="noStrike">
-              <a:latin typeface="Arial"/>
-            </a:endParaRPr>
-          </a:p>
-          <a:p>
-            <a:pPr lvl="1" marL="685800" indent="-225720">
+            <a:pPr lvl="1" marL="685800" indent="-225360">
               <a:lnSpc>
                 <a:spcPct val="100000"/>
               </a:lnSpc>
@@ -6388,7 +6388,7 @@
         <p:spPr>
           <a:xfrm>
             <a:off x="838080" y="365040"/>
-            <a:ext cx="10512360" cy="1322280"/>
+            <a:ext cx="10512000" cy="1321920"/>
           </a:xfrm>
           <a:prstGeom prst="rect">
             <a:avLst/>
@@ -6589,7 +6589,7 @@
             </a:endParaRPr>
           </a:p>
           <a:p>
-            <a:pPr lvl="3" marL="864000" indent="-213840">
+            <a:pPr lvl="3" marL="864000" indent="-213480">
               <a:lnSpc>
                 <a:spcPct val="90000"/>
               </a:lnSpc>
@@ -6615,7 +6615,7 @@
             </a:endParaRPr>
           </a:p>
           <a:p>
-            <a:pPr lvl="3" marL="864000" indent="-213840">
+            <a:pPr lvl="3" marL="864000" indent="-213480">
               <a:lnSpc>
                 <a:spcPct val="90000"/>
               </a:lnSpc>
@@ -6711,7 +6711,7 @@
         <p:spPr>
           <a:xfrm>
             <a:off x="838080" y="2905560"/>
-            <a:ext cx="10512360" cy="4348080"/>
+            <a:ext cx="10512000" cy="4347720"/>
           </a:xfrm>
           <a:prstGeom prst="rect">
             <a:avLst/>
@@ -6737,7 +6737,7 @@
         <p:spPr>
           <a:xfrm>
             <a:off x="634320" y="5168520"/>
-            <a:ext cx="178560" cy="393480"/>
+            <a:ext cx="178200" cy="393120"/>
           </a:xfrm>
           <a:prstGeom prst="rect">
             <a:avLst/>
@@ -6820,7 +6820,7 @@
         <p:spPr>
           <a:xfrm>
             <a:off x="838080" y="365040"/>
-            <a:ext cx="10512360" cy="1322280"/>
+            <a:ext cx="10512000" cy="1321920"/>
           </a:xfrm>
           <a:prstGeom prst="rect">
             <a:avLst/>
@@ -7021,7 +7021,7 @@
             </a:endParaRPr>
           </a:p>
           <a:p>
-            <a:pPr lvl="3" marL="864000" indent="-213840">
+            <a:pPr lvl="3" marL="864000" indent="-213480">
               <a:lnSpc>
                 <a:spcPct val="90000"/>
               </a:lnSpc>
@@ -7047,7 +7047,7 @@
             </a:endParaRPr>
           </a:p>
           <a:p>
-            <a:pPr lvl="3" marL="864000" indent="-213840">
+            <a:pPr lvl="3" marL="864000" indent="-213480">
               <a:lnSpc>
                 <a:spcPct val="90000"/>
               </a:lnSpc>
@@ -7133,7 +7133,7 @@
         <p:spPr>
           <a:xfrm>
             <a:off x="838080" y="2905560"/>
-            <a:ext cx="10512360" cy="4348080"/>
+            <a:ext cx="10512000" cy="4347720"/>
           </a:xfrm>
           <a:prstGeom prst="rect">
             <a:avLst/>
@@ -7159,7 +7159,7 @@
         <p:spPr>
           <a:xfrm>
             <a:off x="634320" y="5168520"/>
-            <a:ext cx="178560" cy="393480"/>
+            <a:ext cx="178200" cy="393120"/>
           </a:xfrm>
           <a:prstGeom prst="rect">
             <a:avLst/>
@@ -7242,7 +7242,7 @@
         <p:spPr>
           <a:xfrm>
             <a:off x="838080" y="365040"/>
-            <a:ext cx="10512360" cy="1322280"/>
+            <a:ext cx="10512000" cy="1321920"/>
           </a:xfrm>
           <a:prstGeom prst="rect">
             <a:avLst/>
@@ -7293,7 +7293,7 @@
         <p:spPr>
           <a:xfrm>
             <a:off x="838080" y="1825560"/>
-            <a:ext cx="10512360" cy="4348080"/>
+            <a:ext cx="10512000" cy="4347720"/>
           </a:xfrm>
           <a:prstGeom prst="rect">
             <a:avLst/>
@@ -7314,7 +7314,7 @@
             <a:noAutofit/>
           </a:bodyPr>
           <a:p>
-            <a:pPr marL="228600" indent="-225360">
+            <a:pPr marL="228600" indent="-225000">
               <a:lnSpc>
                 <a:spcPct val="90000"/>
               </a:lnSpc>
@@ -7342,7 +7342,7 @@
             </a:endParaRPr>
           </a:p>
           <a:p>
-            <a:pPr marL="228600" indent="-225360">
+            <a:pPr marL="228600" indent="-225000">
               <a:lnSpc>
                 <a:spcPct val="90000"/>
               </a:lnSpc>
@@ -7370,7 +7370,7 @@
             </a:endParaRPr>
           </a:p>
           <a:p>
-            <a:pPr marL="228600" indent="-225360">
+            <a:pPr marL="228600" indent="-225000">
               <a:lnSpc>
                 <a:spcPct val="90000"/>
               </a:lnSpc>
@@ -7398,7 +7398,7 @@
             </a:endParaRPr>
           </a:p>
           <a:p>
-            <a:pPr marL="228600" indent="-225360">
+            <a:pPr marL="228600" indent="-225000">
               <a:lnSpc>
                 <a:spcPct val="90000"/>
               </a:lnSpc>
@@ -7426,7 +7426,7 @@
             </a:endParaRPr>
           </a:p>
           <a:p>
-            <a:pPr marL="228600" indent="-225360">
+            <a:pPr marL="228600" indent="-225000">
               <a:lnSpc>
                 <a:spcPct val="90000"/>
               </a:lnSpc>
@@ -7454,35 +7454,35 @@
             </a:endParaRPr>
           </a:p>
           <a:p>
-            <a:pPr marL="228600" indent="-225360">
-              <a:lnSpc>
-                <a:spcPct val="90000"/>
-              </a:lnSpc>
-              <a:spcBef>
-                <a:spcPts val="1001"/>
-              </a:spcBef>
-              <a:buClr>
-                <a:srgbClr val="000000"/>
-              </a:buClr>
-              <a:buFont typeface="Arial"/>
-              <a:buChar char="•"/>
-            </a:pPr>
-            <a:r>
-              <a:rPr b="0" lang="en-US" sz="2800" spc="-1" strike="noStrike">
-                <a:solidFill>
-                  <a:srgbClr val="000000"/>
-                </a:solidFill>
-                <a:latin typeface="Calibri"/>
-                <a:ea typeface="DejaVu Sans"/>
-              </a:rPr>
-              <a:t>Gensim’s “perplexity” is goofy.  To get the actual value, compute:</a:t>
-            </a:r>
-            <a:endParaRPr b="0" lang="en-US" sz="2800" spc="-1" strike="noStrike">
-              <a:latin typeface="Arial"/>
-            </a:endParaRPr>
-          </a:p>
-          <a:p>
-            <a:pPr lvl="1" marL="432000" indent="-213840">
+            <a:pPr marL="228600" indent="-225000">
+              <a:lnSpc>
+                <a:spcPct val="90000"/>
+              </a:lnSpc>
+              <a:spcBef>
+                <a:spcPts val="1001"/>
+              </a:spcBef>
+              <a:buClr>
+                <a:srgbClr val="000000"/>
+              </a:buClr>
+              <a:buFont typeface="Arial"/>
+              <a:buChar char="•"/>
+            </a:pPr>
+            <a:r>
+              <a:rPr b="0" lang="en-US" sz="2800" spc="-1" strike="noStrike">
+                <a:solidFill>
+                  <a:srgbClr val="000000"/>
+                </a:solidFill>
+                <a:latin typeface="Calibri"/>
+                <a:ea typeface="DejaVu Sans"/>
+              </a:rPr>
+              <a:t>Gensim’s “perplexity” is a log value.  To get the actual value, compute:</a:t>
+            </a:r>
+            <a:endParaRPr b="0" lang="en-US" sz="2800" spc="-1" strike="noStrike">
+              <a:latin typeface="Arial"/>
+            </a:endParaRPr>
+          </a:p>
+          <a:p>
+            <a:pPr lvl="1" marL="432000" indent="-213480">
               <a:lnSpc>
                 <a:spcPct val="90000"/>
               </a:lnSpc>
@@ -7505,35 +7505,6 @@
                 <a:ea typeface="DejaVu Sans"/>
               </a:rPr>
               <a:t>perplexity = exp(-1. * gensim_model.log_perplexity(corpus))</a:t>
-            </a:r>
-            <a:endParaRPr b="0" lang="en-US" sz="2800" spc="-1" strike="noStrike">
-              <a:latin typeface="Arial"/>
-            </a:endParaRPr>
-          </a:p>
-          <a:p>
-            <a:pPr lvl="1" marL="432000" indent="-213840">
-              <a:lnSpc>
-                <a:spcPct val="90000"/>
-              </a:lnSpc>
-              <a:spcBef>
-                <a:spcPts val="1001"/>
-              </a:spcBef>
-              <a:buClr>
-                <a:srgbClr val="000000"/>
-              </a:buClr>
-              <a:buSzPct val="45000"/>
-              <a:buFont typeface="Wingdings" charset="2"/>
-              <a:buChar char=""/>
-            </a:pPr>
-            <a:r>
-              <a:rPr b="0" lang="en-US" sz="2800" spc="-1" strike="noStrike">
-                <a:solidFill>
-                  <a:srgbClr val="000000"/>
-                </a:solidFill>
-                <a:latin typeface="Calibri"/>
-                <a:ea typeface="DejaVu Sans"/>
-              </a:rPr>
-              <a:t>This is still often a peculiar value.</a:t>
             </a:r>
             <a:endParaRPr b="0" lang="en-US" sz="2800" spc="-1" strike="noStrike">
               <a:latin typeface="Arial"/>
@@ -7607,7 +7578,7 @@
         <p:spPr>
           <a:xfrm>
             <a:off x="838080" y="365040"/>
-            <a:ext cx="10512360" cy="1322280"/>
+            <a:ext cx="10512000" cy="1321920"/>
           </a:xfrm>
           <a:prstGeom prst="rect">
             <a:avLst/>
@@ -7658,7 +7629,7 @@
         <p:spPr>
           <a:xfrm>
             <a:off x="838080" y="1825560"/>
-            <a:ext cx="10512360" cy="4348080"/>
+            <a:ext cx="10512000" cy="4347720"/>
           </a:xfrm>
           <a:prstGeom prst="rect">
             <a:avLst/>
@@ -7679,7 +7650,7 @@
             <a:noAutofit/>
           </a:bodyPr>
           <a:p>
-            <a:pPr marL="228600" indent="-225360">
+            <a:pPr marL="228600" indent="-225000">
               <a:lnSpc>
                 <a:spcPct val="90000"/>
               </a:lnSpc>
@@ -7707,7 +7678,7 @@
             </a:endParaRPr>
           </a:p>
           <a:p>
-            <a:pPr marL="228600" indent="-225360">
+            <a:pPr marL="228600" indent="-225000">
               <a:lnSpc>
                 <a:spcPct val="90000"/>
               </a:lnSpc>
@@ -7735,7 +7706,7 @@
             </a:endParaRPr>
           </a:p>
           <a:p>
-            <a:pPr marL="228600" indent="-225360">
+            <a:pPr marL="228600" indent="-225000">
               <a:lnSpc>
                 <a:spcPct val="90000"/>
               </a:lnSpc>
@@ -7763,7 +7734,7 @@
             </a:endParaRPr>
           </a:p>
           <a:p>
-            <a:pPr lvl="1" marL="685800" indent="-225360">
+            <a:pPr lvl="1" marL="685800" indent="-225000">
               <a:lnSpc>
                 <a:spcPct val="90000"/>
               </a:lnSpc>
@@ -7791,7 +7762,7 @@
             </a:endParaRPr>
           </a:p>
           <a:p>
-            <a:pPr lvl="1" marL="685800" indent="-225360">
+            <a:pPr lvl="1" marL="685800" indent="-225000">
               <a:lnSpc>
                 <a:spcPct val="90000"/>
               </a:lnSpc>
@@ -7819,7 +7790,7 @@
             </a:endParaRPr>
           </a:p>
           <a:p>
-            <a:pPr lvl="1" marL="685800" indent="-225360">
+            <a:pPr lvl="1" marL="685800" indent="-225000">
               <a:lnSpc>
                 <a:spcPct val="90000"/>
               </a:lnSpc>
@@ -7847,7 +7818,7 @@
             </a:endParaRPr>
           </a:p>
           <a:p>
-            <a:pPr lvl="1" marL="685800" indent="-225360">
+            <a:pPr lvl="1" marL="685800" indent="-225000">
               <a:lnSpc>
                 <a:spcPct val="90000"/>
               </a:lnSpc>
@@ -7871,10 +7842,11 @@
               <a:t>Palmetto is a service that can compute coherence given a set of topic words.</a:t>
             </a:r>
             <a:r>
-              <a:rPr b="0" lang="en-US" sz="2400" spc="-1" strike="noStrike">
-                <a:solidFill>
-                  <a:srgbClr val="000000"/>
-                </a:solidFill>
+              <a:rPr b="0" lang="en-US" sz="2400" spc="-1" strike="noStrike" u="sng">
+                <a:solidFill>
+                  <a:srgbClr val="0563c1"/>
+                </a:solidFill>
+                <a:uFillTx/>
                 <a:latin typeface="Calibri"/>
                 <a:ea typeface="DejaVu Sans"/>
                 <a:hlinkClick r:id="rId1"/>
@@ -7976,7 +7948,7 @@
         <p:spPr>
           <a:xfrm>
             <a:off x="838080" y="365040"/>
-            <a:ext cx="10512360" cy="1322280"/>
+            <a:ext cx="10512000" cy="1321920"/>
           </a:xfrm>
           <a:prstGeom prst="rect">
             <a:avLst/>
@@ -8027,7 +7999,7 @@
         <p:spPr>
           <a:xfrm>
             <a:off x="838080" y="1825560"/>
-            <a:ext cx="10512360" cy="4348080"/>
+            <a:ext cx="10512000" cy="4347720"/>
           </a:xfrm>
           <a:prstGeom prst="rect">
             <a:avLst/>
@@ -8048,7 +8020,7 @@
             <a:noAutofit/>
           </a:bodyPr>
           <a:p>
-            <a:pPr marL="228600" indent="-225360">
+            <a:pPr marL="228600" indent="-225000">
               <a:lnSpc>
                 <a:spcPct val="90000"/>
               </a:lnSpc>
@@ -8076,7 +8048,7 @@
             </a:endParaRPr>
           </a:p>
           <a:p>
-            <a:pPr marL="228600" indent="-225360">
+            <a:pPr marL="228600" indent="-225000">
               <a:lnSpc>
                 <a:spcPct val="90000"/>
               </a:lnSpc>
@@ -8104,7 +8076,7 @@
             </a:endParaRPr>
           </a:p>
           <a:p>
-            <a:pPr marL="228600" indent="-225360">
+            <a:pPr marL="228600" indent="-225000">
               <a:lnSpc>
                 <a:spcPct val="90000"/>
               </a:lnSpc>
@@ -8132,7 +8104,7 @@
             </a:endParaRPr>
           </a:p>
           <a:p>
-            <a:pPr marL="228600" indent="-225360">
+            <a:pPr marL="228600" indent="-225000">
               <a:lnSpc>
                 <a:spcPct val="90000"/>
               </a:lnSpc>
@@ -8160,7 +8132,7 @@
             </a:endParaRPr>
           </a:p>
           <a:p>
-            <a:pPr marL="228600" indent="-225360">
+            <a:pPr marL="228600" indent="-225000">
               <a:lnSpc>
                 <a:spcPct val="90000"/>
               </a:lnSpc>
@@ -8188,7 +8160,7 @@
             </a:endParaRPr>
           </a:p>
           <a:p>
-            <a:pPr marL="228600" indent="-225360">
+            <a:pPr marL="228600" indent="-225000">
               <a:lnSpc>
                 <a:spcPct val="90000"/>
               </a:lnSpc>
@@ -8283,7 +8255,7 @@
         <p:spPr>
           <a:xfrm>
             <a:off x="838080" y="365040"/>
-            <a:ext cx="10512360" cy="1322280"/>
+            <a:ext cx="10512000" cy="1321920"/>
           </a:xfrm>
           <a:prstGeom prst="rect">
             <a:avLst/>
@@ -8334,7 +8306,7 @@
         <p:spPr>
           <a:xfrm>
             <a:off x="838080" y="1825560"/>
-            <a:ext cx="10512360" cy="4348080"/>
+            <a:ext cx="10512000" cy="4347720"/>
           </a:xfrm>
           <a:prstGeom prst="rect">
             <a:avLst/>
@@ -8355,7 +8327,7 @@
             <a:normAutofit/>
           </a:bodyPr>
           <a:p>
-            <a:pPr marL="228600" indent="-225360">
+            <a:pPr marL="228600" indent="-225000">
               <a:lnSpc>
                 <a:spcPct val="90000"/>
               </a:lnSpc>
@@ -8383,7 +8355,7 @@
             </a:endParaRPr>
           </a:p>
           <a:p>
-            <a:pPr lvl="1" marL="685800" indent="-225360">
+            <a:pPr lvl="1" marL="685800" indent="-225000">
               <a:lnSpc>
                 <a:spcPct val="90000"/>
               </a:lnSpc>
@@ -8404,14 +8376,14 @@
                 <a:latin typeface="Calibri"/>
                 <a:ea typeface="DejaVu Sans"/>
               </a:rPr>
-              <a:t>NNMF is more scalable than LDA, but run time increases as number of topics increases.</a:t>
+              <a:t>NMF is more scalable than LDA, but run time increases as number of topics increases.</a:t>
             </a:r>
             <a:endParaRPr b="0" lang="en-US" sz="2400" spc="-1" strike="noStrike">
               <a:latin typeface="Arial"/>
             </a:endParaRPr>
           </a:p>
           <a:p>
-            <a:pPr marL="228600" indent="-225360">
+            <a:pPr marL="228600" indent="-225000">
               <a:lnSpc>
                 <a:spcPct val="90000"/>
               </a:lnSpc>
@@ -8439,7 +8411,7 @@
             </a:endParaRPr>
           </a:p>
           <a:p>
-            <a:pPr lvl="1" marL="685800" indent="-225360">
+            <a:pPr lvl="1" marL="685800" indent="-225000">
               <a:lnSpc>
                 <a:spcPct val="90000"/>
               </a:lnSpc>
@@ -8467,7 +8439,7 @@
             </a:endParaRPr>
           </a:p>
           <a:p>
-            <a:pPr lvl="1" marL="685800" indent="-225360">
+            <a:pPr lvl="1" marL="685800" indent="-225000">
               <a:lnSpc>
                 <a:spcPct val="90000"/>
               </a:lnSpc>
@@ -8562,7 +8534,7 @@
         <p:spPr>
           <a:xfrm>
             <a:off x="838080" y="365040"/>
-            <a:ext cx="10512360" cy="1322280"/>
+            <a:ext cx="10512000" cy="1321920"/>
           </a:xfrm>
           <a:prstGeom prst="rect">
             <a:avLst/>
@@ -8613,7 +8585,7 @@
         <p:spPr>
           <a:xfrm>
             <a:off x="838080" y="1825560"/>
-            <a:ext cx="10512360" cy="4348080"/>
+            <a:ext cx="10512000" cy="4347720"/>
           </a:xfrm>
           <a:prstGeom prst="rect">
             <a:avLst/>
@@ -8634,35 +8606,35 @@
             <a:normAutofit/>
           </a:bodyPr>
           <a:p>
-            <a:pPr marL="228600" indent="-225360">
-              <a:lnSpc>
-                <a:spcPct val="90000"/>
-              </a:lnSpc>
-              <a:spcBef>
-                <a:spcPts val="1001"/>
-              </a:spcBef>
-              <a:buClr>
-                <a:srgbClr val="000000"/>
-              </a:buClr>
-              <a:buFont typeface="Arial"/>
-              <a:buChar char="•"/>
-            </a:pPr>
-            <a:r>
-              <a:rPr b="0" lang="en-US" sz="2800" spc="-1" strike="noStrike">
-                <a:solidFill>
-                  <a:srgbClr val="000000"/>
-                </a:solidFill>
-                <a:latin typeface="Calibri"/>
-                <a:ea typeface="DejaVu Sans"/>
-              </a:rPr>
-              <a:t>First, we’ll perform topic modeling using Latent Direchlet Allocation in Gensim on a selection of news articles from the BBC.</a:t>
-            </a:r>
-            <a:endParaRPr b="0" lang="en-US" sz="2800" spc="-1" strike="noStrike">
-              <a:latin typeface="Arial"/>
-            </a:endParaRPr>
-          </a:p>
-          <a:p>
-            <a:pPr marL="228600" indent="-225360">
+            <a:pPr marL="228600" indent="-225000">
+              <a:lnSpc>
+                <a:spcPct val="90000"/>
+              </a:lnSpc>
+              <a:spcBef>
+                <a:spcPts val="1001"/>
+              </a:spcBef>
+              <a:buClr>
+                <a:srgbClr val="000000"/>
+              </a:buClr>
+              <a:buFont typeface="Arial"/>
+              <a:buChar char="•"/>
+            </a:pPr>
+            <a:r>
+              <a:rPr b="0" lang="en-US" sz="2800" spc="-1" strike="noStrike">
+                <a:solidFill>
+                  <a:srgbClr val="000000"/>
+                </a:solidFill>
+                <a:latin typeface="Calibri"/>
+                <a:ea typeface="DejaVu Sans"/>
+              </a:rPr>
+              <a:t>First, we’ll perform topic modeling using Latent Dirichlet Allocation in Gensim on a selection of news articles from the BBC.</a:t>
+            </a:r>
+            <a:endParaRPr b="0" lang="en-US" sz="2800" spc="-1" strike="noStrike">
+              <a:latin typeface="Arial"/>
+            </a:endParaRPr>
+          </a:p>
+          <a:p>
+            <a:pPr marL="228600" indent="-225000">
               <a:lnSpc>
                 <a:spcPct val="90000"/>
               </a:lnSpc>
@@ -8690,35 +8662,35 @@
             </a:endParaRPr>
           </a:p>
           <a:p>
-            <a:pPr marL="228600" indent="-225360">
-              <a:lnSpc>
-                <a:spcPct val="90000"/>
-              </a:lnSpc>
-              <a:spcBef>
-                <a:spcPts val="1001"/>
-              </a:spcBef>
-              <a:buClr>
-                <a:srgbClr val="000000"/>
-              </a:buClr>
-              <a:buFont typeface="Arial"/>
-              <a:buChar char="•"/>
-            </a:pPr>
-            <a:r>
-              <a:rPr b="0" lang="en-US" sz="2800" spc="-1" strike="noStrike">
-                <a:solidFill>
-                  <a:srgbClr val="000000"/>
-                </a:solidFill>
-                <a:latin typeface="Calibri"/>
-                <a:ea typeface="DejaVu Sans"/>
-              </a:rPr>
-              <a:t>Third, we’ll compare LDA and NNMF on a sample of news article titles from the Australian Broadcasting Corporation.</a:t>
-            </a:r>
-            <a:endParaRPr b="0" lang="en-US" sz="2800" spc="-1" strike="noStrike">
-              <a:latin typeface="Arial"/>
-            </a:endParaRPr>
-          </a:p>
-          <a:p>
-            <a:pPr marL="228600" indent="-225360">
+            <a:pPr marL="228600" indent="-225000">
+              <a:lnSpc>
+                <a:spcPct val="90000"/>
+              </a:lnSpc>
+              <a:spcBef>
+                <a:spcPts val="1001"/>
+              </a:spcBef>
+              <a:buClr>
+                <a:srgbClr val="000000"/>
+              </a:buClr>
+              <a:buFont typeface="Arial"/>
+              <a:buChar char="•"/>
+            </a:pPr>
+            <a:r>
+              <a:rPr b="0" lang="en-US" sz="2800" spc="-1" strike="noStrike">
+                <a:solidFill>
+                  <a:srgbClr val="000000"/>
+                </a:solidFill>
+                <a:latin typeface="Calibri"/>
+                <a:ea typeface="DejaVu Sans"/>
+              </a:rPr>
+              <a:t>Third, we’ll compare LDA and NMF on a sample of news article titles from the Australian Broadcasting Corporation.</a:t>
+            </a:r>
+            <a:endParaRPr b="0" lang="en-US" sz="2800" spc="-1" strike="noStrike">
+              <a:latin typeface="Arial"/>
+            </a:endParaRPr>
+          </a:p>
+          <a:p>
+            <a:pPr marL="228600" indent="-225000">
               <a:lnSpc>
                 <a:spcPct val="90000"/>
               </a:lnSpc>
@@ -8813,7 +8785,7 @@
         <p:spPr>
           <a:xfrm>
             <a:off x="838080" y="365040"/>
-            <a:ext cx="10512360" cy="1322280"/>
+            <a:ext cx="10512000" cy="1321920"/>
           </a:xfrm>
           <a:prstGeom prst="rect">
             <a:avLst/>
@@ -8864,7 +8836,7 @@
         <p:spPr>
           <a:xfrm>
             <a:off x="838080" y="1825560"/>
-            <a:ext cx="10512360" cy="4348080"/>
+            <a:ext cx="10512000" cy="4347720"/>
           </a:xfrm>
           <a:prstGeom prst="rect">
             <a:avLst/>
@@ -8885,7 +8857,7 @@
             <a:noAutofit/>
           </a:bodyPr>
           <a:p>
-            <a:pPr marL="228600" indent="-225360">
+            <a:pPr marL="228600" indent="-225000">
               <a:lnSpc>
                 <a:spcPct val="90000"/>
               </a:lnSpc>
@@ -8913,7 +8885,7 @@
             </a:endParaRPr>
           </a:p>
           <a:p>
-            <a:pPr marL="228600" indent="-225360">
+            <a:pPr marL="228600" indent="-225000">
               <a:lnSpc>
                 <a:spcPct val="90000"/>
               </a:lnSpc>
@@ -8941,7 +8913,7 @@
             </a:endParaRPr>
           </a:p>
           <a:p>
-            <a:pPr marL="228600" indent="-225360">
+            <a:pPr marL="228600" indent="-225000">
               <a:lnSpc>
                 <a:spcPct val="90000"/>
               </a:lnSpc>
@@ -8969,7 +8941,7 @@
             </a:endParaRPr>
           </a:p>
           <a:p>
-            <a:pPr marL="228600" indent="-225360">
+            <a:pPr marL="228600" indent="-225000">
               <a:lnSpc>
                 <a:spcPct val="90000"/>
               </a:lnSpc>
@@ -9064,7 +9036,7 @@
         <p:spPr>
           <a:xfrm>
             <a:off x="838080" y="365040"/>
-            <a:ext cx="10512360" cy="1322280"/>
+            <a:ext cx="10512000" cy="1321920"/>
           </a:xfrm>
           <a:prstGeom prst="rect">
             <a:avLst/>
@@ -9115,7 +9087,7 @@
         <p:spPr>
           <a:xfrm>
             <a:off x="838080" y="1825560"/>
-            <a:ext cx="10512360" cy="4348080"/>
+            <a:ext cx="10512000" cy="4347720"/>
           </a:xfrm>
           <a:prstGeom prst="rect">
             <a:avLst/>
@@ -9361,7 +9333,7 @@
         <p:spPr>
           <a:xfrm>
             <a:off x="838080" y="365040"/>
-            <a:ext cx="10512360" cy="1322280"/>
+            <a:ext cx="10512000" cy="1321920"/>
           </a:xfrm>
           <a:prstGeom prst="rect">
             <a:avLst/>
@@ -9412,7 +9384,7 @@
         <p:spPr>
           <a:xfrm>
             <a:off x="838080" y="1825560"/>
-            <a:ext cx="10512360" cy="4348080"/>
+            <a:ext cx="10512000" cy="4347720"/>
           </a:xfrm>
           <a:prstGeom prst="rect">
             <a:avLst/>
@@ -9433,7 +9405,7 @@
             <a:noAutofit/>
           </a:bodyPr>
           <a:p>
-            <a:pPr marL="228600" indent="-225360">
+            <a:pPr marL="228600" indent="-225000">
               <a:lnSpc>
                 <a:spcPct val="90000"/>
               </a:lnSpc>
@@ -9461,7 +9433,7 @@
             </a:endParaRPr>
           </a:p>
           <a:p>
-            <a:pPr marL="228600" indent="-225360">
+            <a:pPr marL="228600" indent="-225000">
               <a:lnSpc>
                 <a:spcPct val="90000"/>
               </a:lnSpc>
@@ -9489,7 +9461,7 @@
             </a:endParaRPr>
           </a:p>
           <a:p>
-            <a:pPr lvl="1" marL="685800" indent="-225360">
+            <a:pPr lvl="1" marL="685800" indent="-225000">
               <a:lnSpc>
                 <a:spcPct val="90000"/>
               </a:lnSpc>
@@ -9517,7 +9489,7 @@
             </a:endParaRPr>
           </a:p>
           <a:p>
-            <a:pPr lvl="1" marL="685800" indent="-225360">
+            <a:pPr lvl="1" marL="685800" indent="-225000">
               <a:lnSpc>
                 <a:spcPct val="90000"/>
               </a:lnSpc>
@@ -9545,7 +9517,7 @@
             </a:endParaRPr>
           </a:p>
           <a:p>
-            <a:pPr marL="228600" indent="-225360">
+            <a:pPr marL="228600" indent="-225000">
               <a:lnSpc>
                 <a:spcPct val="90000"/>
               </a:lnSpc>
@@ -9573,7 +9545,7 @@
             </a:endParaRPr>
           </a:p>
           <a:p>
-            <a:pPr lvl="1" marL="685800" indent="-225360">
+            <a:pPr lvl="1" marL="685800" indent="-225000">
               <a:lnSpc>
                 <a:spcPct val="90000"/>
               </a:lnSpc>
@@ -9601,7 +9573,7 @@
             </a:endParaRPr>
           </a:p>
           <a:p>
-            <a:pPr marL="228600" indent="-225360">
+            <a:pPr marL="228600" indent="-225000">
               <a:lnSpc>
                 <a:spcPct val="90000"/>
               </a:lnSpc>
@@ -9629,7 +9601,7 @@
             </a:endParaRPr>
           </a:p>
           <a:p>
-            <a:pPr marL="228600" indent="-225360">
+            <a:pPr marL="228600" indent="-225000">
               <a:lnSpc>
                 <a:spcPct val="90000"/>
               </a:lnSpc>
@@ -9657,7 +9629,7 @@
             </a:endParaRPr>
           </a:p>
           <a:p>
-            <a:pPr marL="228600" indent="-225360">
+            <a:pPr marL="228600" indent="-225000">
               <a:lnSpc>
                 <a:spcPct val="90000"/>
               </a:lnSpc>
@@ -9752,7 +9724,7 @@
         <p:spPr>
           <a:xfrm>
             <a:off x="838080" y="365040"/>
-            <a:ext cx="10512360" cy="1322280"/>
+            <a:ext cx="10512000" cy="1321920"/>
           </a:xfrm>
           <a:prstGeom prst="rect">
             <a:avLst/>
@@ -9803,7 +9775,7 @@
         <p:spPr>
           <a:xfrm>
             <a:off x="838080" y="1825560"/>
-            <a:ext cx="10512360" cy="4348080"/>
+            <a:ext cx="10512000" cy="4347720"/>
           </a:xfrm>
           <a:prstGeom prst="rect">
             <a:avLst/>
@@ -9824,7 +9796,7 @@
             <a:noAutofit/>
           </a:bodyPr>
           <a:p>
-            <a:pPr marL="228600" indent="-225360">
+            <a:pPr marL="228600" indent="-225000">
               <a:lnSpc>
                 <a:spcPct val="90000"/>
               </a:lnSpc>
@@ -9862,7 +9834,7 @@
             </a:endParaRPr>
           </a:p>
           <a:p>
-            <a:pPr marL="228600" indent="-225360">
+            <a:pPr marL="228600" indent="-225000">
               <a:lnSpc>
                 <a:spcPct val="90000"/>
               </a:lnSpc>
@@ -9980,7 +9952,7 @@
         <p:spPr>
           <a:xfrm>
             <a:off x="838080" y="365040"/>
-            <a:ext cx="10512360" cy="1322280"/>
+            <a:ext cx="10512000" cy="1321920"/>
           </a:xfrm>
           <a:prstGeom prst="rect">
             <a:avLst/>
@@ -10031,7 +10003,7 @@
         <p:spPr>
           <a:xfrm>
             <a:off x="838080" y="1825560"/>
-            <a:ext cx="10512360" cy="4348080"/>
+            <a:ext cx="10512000" cy="4347720"/>
           </a:xfrm>
           <a:prstGeom prst="rect">
             <a:avLst/>
@@ -10052,7 +10024,7 @@
             <a:noAutofit/>
           </a:bodyPr>
           <a:p>
-            <a:pPr marL="228600" indent="-225360">
+            <a:pPr marL="228600" indent="-225000">
               <a:lnSpc>
                 <a:spcPct val="90000"/>
               </a:lnSpc>
@@ -10110,7 +10082,7 @@
             </a:endParaRPr>
           </a:p>
           <a:p>
-            <a:pPr marL="228600" indent="-225360">
+            <a:pPr marL="228600" indent="-225000">
               <a:lnSpc>
                 <a:spcPct val="90000"/>
               </a:lnSpc>
@@ -10168,7 +10140,7 @@
             </a:endParaRPr>
           </a:p>
           <a:p>
-            <a:pPr marL="228600" indent="-225360">
+            <a:pPr marL="228600" indent="-225000">
               <a:lnSpc>
                 <a:spcPct val="90000"/>
               </a:lnSpc>
@@ -10226,7 +10198,7 @@
             </a:endParaRPr>
           </a:p>
           <a:p>
-            <a:pPr marL="228600" indent="-225360">
+            <a:pPr marL="228600" indent="-225000">
               <a:lnSpc>
                 <a:spcPct val="90000"/>
               </a:lnSpc>
@@ -10284,7 +10256,7 @@
             </a:endParaRPr>
           </a:p>
           <a:p>
-            <a:pPr marL="228600" indent="-225360">
+            <a:pPr marL="228600" indent="-225000">
               <a:lnSpc>
                 <a:spcPct val="90000"/>
               </a:lnSpc>
@@ -10355,7 +10327,7 @@
             </a:endParaRPr>
           </a:p>
           <a:p>
-            <a:pPr marL="228600" indent="-225360">
+            <a:pPr marL="228600" indent="-225000">
               <a:lnSpc>
                 <a:spcPct val="90000"/>
               </a:lnSpc>
@@ -10450,7 +10422,7 @@
         <p:spPr>
           <a:xfrm>
             <a:off x="838080" y="365040"/>
-            <a:ext cx="10512360" cy="1322280"/>
+            <a:ext cx="10512000" cy="1321920"/>
           </a:xfrm>
           <a:prstGeom prst="rect">
             <a:avLst/>
@@ -10501,7 +10473,7 @@
         <p:spPr>
           <a:xfrm>
             <a:off x="838080" y="1825560"/>
-            <a:ext cx="10512360" cy="4348080"/>
+            <a:ext cx="10512000" cy="4347720"/>
           </a:xfrm>
           <a:prstGeom prst="rect">
             <a:avLst/>
@@ -10522,7 +10494,7 @@
             <a:noAutofit/>
           </a:bodyPr>
           <a:p>
-            <a:pPr marL="228600" indent="-225360">
+            <a:pPr marL="228600" indent="-225000">
               <a:lnSpc>
                 <a:spcPct val="90000"/>
               </a:lnSpc>
@@ -10550,7 +10522,7 @@
             </a:endParaRPr>
           </a:p>
           <a:p>
-            <a:pPr marL="228600" indent="-225360">
+            <a:pPr marL="228600" indent="-225000">
               <a:lnSpc>
                 <a:spcPct val="90000"/>
               </a:lnSpc>
@@ -10578,7 +10550,7 @@
             </a:endParaRPr>
           </a:p>
           <a:p>
-            <a:pPr lvl="1" marL="685800" indent="-225360">
+            <a:pPr lvl="1" marL="685800" indent="-225000">
               <a:lnSpc>
                 <a:spcPct val="90000"/>
               </a:lnSpc>
@@ -10606,7 +10578,7 @@
             </a:endParaRPr>
           </a:p>
           <a:p>
-            <a:pPr lvl="3" marL="864000" indent="-214200">
+            <a:pPr lvl="3" marL="864000" indent="-213840">
               <a:lnSpc>
                 <a:spcPct val="90000"/>
               </a:lnSpc>
@@ -10635,7 +10607,7 @@
             </a:endParaRPr>
           </a:p>
           <a:p>
-            <a:pPr lvl="1" marL="685800" indent="-225360">
+            <a:pPr lvl="1" marL="685800" indent="-225000">
               <a:lnSpc>
                 <a:spcPct val="90000"/>
               </a:lnSpc>
@@ -10663,7 +10635,7 @@
             </a:endParaRPr>
           </a:p>
           <a:p>
-            <a:pPr lvl="3" marL="864000" indent="-214200">
+            <a:pPr lvl="3" marL="864000" indent="-213840">
               <a:lnSpc>
                 <a:spcPct val="90000"/>
               </a:lnSpc>
@@ -10692,7 +10664,7 @@
             </a:endParaRPr>
           </a:p>
           <a:p>
-            <a:pPr lvl="3" marL="864000" indent="-214200">
+            <a:pPr lvl="3" marL="864000" indent="-213840">
               <a:lnSpc>
                 <a:spcPct val="90000"/>
               </a:lnSpc>
@@ -10721,7 +10693,7 @@
             </a:endParaRPr>
           </a:p>
           <a:p>
-            <a:pPr marL="228600" indent="-225360">
+            <a:pPr marL="228600" indent="-225000">
               <a:lnSpc>
                 <a:spcPct val="90000"/>
               </a:lnSpc>
@@ -10749,7 +10721,7 @@
             </a:endParaRPr>
           </a:p>
           <a:p>
-            <a:pPr marL="228600" indent="-225360">
+            <a:pPr marL="228600" indent="-225000">
               <a:lnSpc>
                 <a:spcPct val="90000"/>
               </a:lnSpc>
@@ -10857,7 +10829,7 @@
         <p:spPr>
           <a:xfrm>
             <a:off x="838080" y="365040"/>
-            <a:ext cx="10512360" cy="1322280"/>
+            <a:ext cx="10512000" cy="1321920"/>
           </a:xfrm>
           <a:prstGeom prst="rect">
             <a:avLst/>
@@ -10908,7 +10880,7 @@
         <p:spPr>
           <a:xfrm>
             <a:off x="838080" y="1825560"/>
-            <a:ext cx="10512360" cy="4348080"/>
+            <a:ext cx="10512000" cy="4347720"/>
           </a:xfrm>
           <a:prstGeom prst="rect">
             <a:avLst/>
@@ -10929,7 +10901,7 @@
             <a:noAutofit/>
           </a:bodyPr>
           <a:p>
-            <a:pPr marL="228600" indent="-225360">
+            <a:pPr marL="228600" indent="-225000">
               <a:lnSpc>
                 <a:spcPct val="90000"/>
               </a:lnSpc>
@@ -10957,7 +10929,7 @@
             </a:endParaRPr>
           </a:p>
           <a:p>
-            <a:pPr marL="228600" indent="-225360">
+            <a:pPr marL="228600" indent="-225000">
               <a:lnSpc>
                 <a:spcPct val="90000"/>
               </a:lnSpc>
@@ -10985,7 +10957,7 @@
             </a:endParaRPr>
           </a:p>
           <a:p>
-            <a:pPr marL="228600" indent="-225360">
+            <a:pPr marL="228600" indent="-225000">
               <a:lnSpc>
                 <a:spcPct val="90000"/>
               </a:lnSpc>
@@ -11013,7 +10985,7 @@
             </a:endParaRPr>
           </a:p>
           <a:p>
-            <a:pPr marL="228600" indent="-225360">
+            <a:pPr marL="228600" indent="-225000">
               <a:lnSpc>
                 <a:spcPct val="90000"/>
               </a:lnSpc>
@@ -11041,7 +11013,7 @@
             </a:endParaRPr>
           </a:p>
           <a:p>
-            <a:pPr marL="228600" indent="-225360">
+            <a:pPr marL="228600" indent="-225000">
               <a:lnSpc>
                 <a:spcPct val="90000"/>
               </a:lnSpc>
@@ -11069,7 +11041,7 @@
             </a:endParaRPr>
           </a:p>
           <a:p>
-            <a:pPr marL="228600" indent="-225360">
+            <a:pPr marL="228600" indent="-225000">
               <a:lnSpc>
                 <a:spcPct val="90000"/>
               </a:lnSpc>
@@ -11164,7 +11136,7 @@
         <p:spPr>
           <a:xfrm>
             <a:off x="838080" y="365040"/>
-            <a:ext cx="10512360" cy="1322280"/>
+            <a:ext cx="10512000" cy="1321920"/>
           </a:xfrm>
           <a:prstGeom prst="rect">
             <a:avLst/>
@@ -11215,7 +11187,7 @@
         <p:spPr>
           <a:xfrm>
             <a:off x="838080" y="1825560"/>
-            <a:ext cx="10512360" cy="4348080"/>
+            <a:ext cx="10512000" cy="4347720"/>
           </a:xfrm>
           <a:prstGeom prst="rect">
             <a:avLst/>
@@ -11236,7 +11208,7 @@
             <a:noAutofit/>
           </a:bodyPr>
           <a:p>
-            <a:pPr marL="228600" indent="-225360">
+            <a:pPr marL="228600" indent="-225000">
               <a:lnSpc>
                 <a:spcPct val="90000"/>
               </a:lnSpc>
@@ -11264,7 +11236,7 @@
             </a:endParaRPr>
           </a:p>
           <a:p>
-            <a:pPr marL="228600" indent="-225360">
+            <a:pPr marL="228600" indent="-225000">
               <a:lnSpc>
                 <a:spcPct val="90000"/>
               </a:lnSpc>
@@ -11292,7 +11264,7 @@
             </a:endParaRPr>
           </a:p>
           <a:p>
-            <a:pPr marL="228600" indent="-225360">
+            <a:pPr marL="228600" indent="-225000">
               <a:lnSpc>
                 <a:spcPct val="90000"/>
               </a:lnSpc>
@@ -11320,7 +11292,7 @@
             </a:endParaRPr>
           </a:p>
           <a:p>
-            <a:pPr marL="228600" indent="-225360">
+            <a:pPr marL="228600" indent="-225000">
               <a:lnSpc>
                 <a:spcPct val="90000"/>
               </a:lnSpc>
@@ -11348,7 +11320,7 @@
             </a:endParaRPr>
           </a:p>
           <a:p>
-            <a:pPr marL="228600" indent="-225360">
+            <a:pPr marL="228600" indent="-225000">
               <a:lnSpc>
                 <a:spcPct val="90000"/>
               </a:lnSpc>
@@ -11376,7 +11348,7 @@
             </a:endParaRPr>
           </a:p>
           <a:p>
-            <a:pPr marL="228600" indent="-225360">
+            <a:pPr marL="228600" indent="-225000">
               <a:lnSpc>
                 <a:spcPct val="90000"/>
               </a:lnSpc>
@@ -11404,7 +11376,7 @@
             </a:endParaRPr>
           </a:p>
           <a:p>
-            <a:pPr marL="228600" indent="-225360">
+            <a:pPr marL="228600" indent="-225000">
               <a:lnSpc>
                 <a:spcPct val="90000"/>
               </a:lnSpc>
@@ -11499,7 +11471,7 @@
         <p:spPr>
           <a:xfrm>
             <a:off x="838080" y="365040"/>
-            <a:ext cx="10512360" cy="1322280"/>
+            <a:ext cx="10512000" cy="1321920"/>
           </a:xfrm>
           <a:prstGeom prst="rect">
             <a:avLst/>
@@ -11550,7 +11522,7 @@
         <p:spPr>
           <a:xfrm>
             <a:off x="838080" y="1825560"/>
-            <a:ext cx="10512360" cy="4348080"/>
+            <a:ext cx="10512000" cy="4347720"/>
           </a:xfrm>
           <a:prstGeom prst="rect">
             <a:avLst/>
@@ -11571,7 +11543,7 @@
             <a:noAutofit/>
           </a:bodyPr>
           <a:p>
-            <a:pPr marL="228600" indent="-225360">
+            <a:pPr marL="228600" indent="-225000">
               <a:lnSpc>
                 <a:spcPct val="90000"/>
               </a:lnSpc>
@@ -11599,7 +11571,7 @@
             </a:endParaRPr>
           </a:p>
           <a:p>
-            <a:pPr marL="228600" indent="-225360">
+            <a:pPr marL="228600" indent="-225000">
               <a:lnSpc>
                 <a:spcPct val="90000"/>
               </a:lnSpc>
@@ -11627,7 +11599,7 @@
             </a:endParaRPr>
           </a:p>
           <a:p>
-            <a:pPr marL="228600" indent="-225360">
+            <a:pPr marL="228600" indent="-225000">
               <a:lnSpc>
                 <a:spcPct val="90000"/>
               </a:lnSpc>
@@ -11655,7 +11627,7 @@
             </a:endParaRPr>
           </a:p>
           <a:p>
-            <a:pPr marL="228600" indent="-225360">
+            <a:pPr marL="228600" indent="-225000">
               <a:lnSpc>
                 <a:spcPct val="90000"/>
               </a:lnSpc>
